--- a/src/assets/documents/EOC Development Tool/7 - How do we keep the EOC prepared/prepare-7-2020-eoc-preparedness-planning-training-aar.pptx
+++ b/src/assets/documents/EOC Development Tool/7 - How do we keep the EOC prepared/prepare-7-2020-eoc-preparedness-planning-training-aar.pptx
@@ -63,7 +63,7 @@
       <p:boldItalic r:id="rId52"/>
     </p:embeddedFont>
     <p:embeddedFont>
-      <p:font typeface="Myriad Web Pro" panose="020B0604020202020204" charset="0"/>
+      <p:font typeface="Myriad Web Pro" panose="020B0503030403020204" pitchFamily="34" charset="77"/>
       <p:regular r:id="rId53"/>
       <p:bold r:id="rId54"/>
       <p:italic r:id="rId55"/>
@@ -2047,7 +2047,7 @@
   <dgm:whole/>
   <dgm:extLst>
     <a:ext uri="http://schemas.microsoft.com/office/drawing/2008/diagram">
-      <dsp:dataModelExt xmlns:dsp="http://schemas.microsoft.com/office/drawing/2008/diagram" relId="rId8" minVer="http://schemas.openxmlformats.org/drawingml/2006/diagram"/>
+      <dsp:dataModelExt xmlns:dsp="http://schemas.microsoft.com/office/drawing/2008/diagram" relId="rId7" minVer="http://schemas.openxmlformats.org/drawingml/2006/diagram"/>
     </a:ext>
   </dgm:extLst>
 </dgm:dataModel>
@@ -2374,7 +2374,7 @@
   <dgm:whole/>
   <dgm:extLst>
     <a:ext uri="http://schemas.microsoft.com/office/drawing/2008/diagram">
-      <dsp:dataModelExt xmlns:dsp="http://schemas.microsoft.com/office/drawing/2008/diagram" relId="rId8" minVer="http://schemas.openxmlformats.org/drawingml/2006/diagram"/>
+      <dsp:dataModelExt xmlns:dsp="http://schemas.microsoft.com/office/drawing/2008/diagram" relId="rId7" minVer="http://schemas.openxmlformats.org/drawingml/2006/diagram"/>
     </a:ext>
   </dgm:extLst>
 </dgm:dataModel>
@@ -6540,7 +6540,7 @@
               <a:pPr>
                 <a:defRPr/>
               </a:pPr>
-              <a:t>6/17/2020</a:t>
+              <a:t>6/26/20</a:t>
             </a:fld>
             <a:endParaRPr lang="en-US"/>
           </a:p>
@@ -6958,18 +6958,6 @@
                 <a:spcPct val="0"/>
               </a:spcBef>
             </a:pPr>
-            <a:r>
-              <a:rPr lang="en-US" sz="1200" b="0" i="0" kern="1200" dirty="0">
-                <a:solidFill>
-                  <a:schemeClr val="tx1"/>
-                </a:solidFill>
-                <a:effectLst/>
-                <a:latin typeface="+mn-lt"/>
-                <a:ea typeface="+mn-ea"/>
-                <a:cs typeface="+mn-cs"/>
-              </a:rPr>
-              <a:t>7 - How do we keep staff and the EOC prepare</a:t>
-            </a:r>
             <a:endParaRPr lang="en-US" altLang="en-US" dirty="0"/>
           </a:p>
         </p:txBody>
@@ -10890,36 +10878,6 @@
           </a:p>
         </p:txBody>
       </p:sp>
-      <p:pic>
-        <p:nvPicPr>
-          <p:cNvPr id="17" name="Picture 16" descr="Logos of the U.S. Department of Health and Human Services and Centers for Disease Control and Prevention" title="LOGOS"/>
-          <p:cNvPicPr>
-            <a:picLocks noChangeAspect="1"/>
-          </p:cNvPicPr>
-          <p:nvPr userDrawn="1"/>
-        </p:nvPicPr>
-        <p:blipFill>
-          <a:blip r:embed="rId3" cstate="print">
-            <a:extLst>
-              <a:ext uri="{28A0092B-C50C-407E-A947-70E740481C1C}">
-                <a14:useLocalDpi xmlns:a14="http://schemas.microsoft.com/office/drawing/2010/main" val="0"/>
-              </a:ext>
-            </a:extLst>
-          </a:blip>
-          <a:stretch>
-            <a:fillRect/>
-          </a:stretch>
-        </p:blipFill>
-        <p:spPr>
-          <a:xfrm>
-            <a:off x="163439" y="4280109"/>
-            <a:ext cx="1254584" cy="719251"/>
-          </a:xfrm>
-          <a:prstGeom prst="rect">
-            <a:avLst/>
-          </a:prstGeom>
-        </p:spPr>
-      </p:pic>
       <p:sp>
         <p:nvSpPr>
           <p:cNvPr id="4" name="TextBox 3">
@@ -11113,6 +11071,177 @@
           </p:txBody>
         </p:sp>
       </p:grpSp>
+      <p:sp>
+        <p:nvSpPr>
+          <p:cNvPr id="19" name="Rounded Rectangle 18">
+            <a:extLst>
+              <a:ext uri="{FF2B5EF4-FFF2-40B4-BE49-F238E27FC236}">
+                <a16:creationId xmlns:a16="http://schemas.microsoft.com/office/drawing/2014/main" id="{F576BE91-E7C7-B744-A5E4-172CF67B1B24}"/>
+              </a:ext>
+            </a:extLst>
+          </p:cNvPr>
+          <p:cNvSpPr/>
+          <p:nvPr userDrawn="1"/>
+        </p:nvSpPr>
+        <p:spPr>
+          <a:xfrm>
+            <a:off x="495300" y="4702175"/>
+            <a:ext cx="4457700" cy="352852"/>
+          </a:xfrm>
+          <a:prstGeom prst="roundRect">
+            <a:avLst>
+              <a:gd name="adj" fmla="val 0"/>
+            </a:avLst>
+          </a:prstGeom>
+          <a:solidFill>
+            <a:srgbClr val="FFFFFF"/>
+          </a:solidFill>
+          <a:ln>
+            <a:noFill/>
+          </a:ln>
+        </p:spPr>
+        <p:style>
+          <a:lnRef idx="2">
+            <a:schemeClr val="accent1">
+              <a:shade val="50000"/>
+            </a:schemeClr>
+          </a:lnRef>
+          <a:fillRef idx="1">
+            <a:schemeClr val="accent1"/>
+          </a:fillRef>
+          <a:effectRef idx="0">
+            <a:schemeClr val="accent1"/>
+          </a:effectRef>
+          <a:fontRef idx="minor">
+            <a:schemeClr val="lt1"/>
+          </a:fontRef>
+        </p:style>
+        <p:txBody>
+          <a:bodyPr lIns="0" tIns="0" rIns="0" bIns="0" rtlCol="0" anchor="b" anchorCtr="0"/>
+          <a:lstStyle/>
+          <a:p>
+            <a:r>
+              <a:rPr lang="en-US" sz="800" dirty="0">
+                <a:solidFill>
+                  <a:srgbClr val="2D2D2D"/>
+                </a:solidFill>
+                <a:latin typeface="Calibri" panose="020F0502020204030204" pitchFamily="34" charset="0"/>
+              </a:rPr>
+              <a:t>The mark “CDC” is owned by the US Dept. of Health and Human Services and is used with permission.</a:t>
+            </a:r>
+          </a:p>
+          <a:p>
+            <a:r>
+              <a:rPr lang="en-US" sz="800" dirty="0">
+                <a:solidFill>
+                  <a:srgbClr val="2D2D2D"/>
+                </a:solidFill>
+                <a:latin typeface="Calibri" panose="020F0502020204030204" pitchFamily="34" charset="0"/>
+              </a:rPr>
+              <a:t>Use of this logo is not an endorsement by HHS or CDC of any particular product, service, or enterprise.</a:t>
+            </a:r>
+          </a:p>
+        </p:txBody>
+      </p:sp>
+      <p:sp>
+        <p:nvSpPr>
+          <p:cNvPr id="17" name="Rounded Rectangle 16">
+            <a:extLst>
+              <a:ext uri="{FF2B5EF4-FFF2-40B4-BE49-F238E27FC236}">
+                <a16:creationId xmlns:a16="http://schemas.microsoft.com/office/drawing/2014/main" id="{AB7D3D7A-2913-D941-9A6A-94B51B2DFE0E}"/>
+              </a:ext>
+              <a:ext uri="{C183D7F6-B498-43B3-948B-1728B52AA6E4}">
+                <adec:decorative xmlns:adec="http://schemas.microsoft.com/office/drawing/2017/decorative" val="1"/>
+              </a:ext>
+            </a:extLst>
+          </p:cNvPr>
+          <p:cNvSpPr/>
+          <p:nvPr userDrawn="1"/>
+        </p:nvSpPr>
+        <p:spPr>
+          <a:xfrm>
+            <a:off x="448071" y="3752495"/>
+            <a:ext cx="2202419" cy="779487"/>
+          </a:xfrm>
+          <a:prstGeom prst="roundRect">
+            <a:avLst>
+              <a:gd name="adj" fmla="val 20191"/>
+            </a:avLst>
+          </a:prstGeom>
+          <a:blipFill>
+            <a:blip r:embed="rId3"/>
+            <a:stretch>
+              <a:fillRect/>
+            </a:stretch>
+          </a:blipFill>
+          <a:ln>
+            <a:noFill/>
+          </a:ln>
+        </p:spPr>
+        <p:style>
+          <a:lnRef idx="2">
+            <a:schemeClr val="accent1">
+              <a:shade val="50000"/>
+            </a:schemeClr>
+          </a:lnRef>
+          <a:fillRef idx="1">
+            <a:schemeClr val="accent1"/>
+          </a:fillRef>
+          <a:effectRef idx="0">
+            <a:schemeClr val="accent1"/>
+          </a:effectRef>
+          <a:fontRef idx="minor">
+            <a:schemeClr val="lt1"/>
+          </a:fontRef>
+        </p:style>
+        <p:txBody>
+          <a:bodyPr rtlCol="0" anchor="ctr"/>
+          <a:lstStyle/>
+          <a:p>
+            <a:pPr algn="ctr"/>
+            <a:endParaRPr lang="en-US" dirty="0"/>
+          </a:p>
+        </p:txBody>
+      </p:sp>
+      <p:pic>
+        <p:nvPicPr>
+          <p:cNvPr id="20" name="Picture 19">
+            <a:extLst>
+              <a:ext uri="{FF2B5EF4-FFF2-40B4-BE49-F238E27FC236}">
+                <a16:creationId xmlns:a16="http://schemas.microsoft.com/office/drawing/2014/main" id="{C423BDD4-E936-0544-832A-33BFCF1D5B9D}"/>
+              </a:ext>
+              <a:ext uri="{C183D7F6-B498-43B3-948B-1728B52AA6E4}">
+                <adec:decorative xmlns:adec="http://schemas.microsoft.com/office/drawing/2017/decorative" val="1"/>
+              </a:ext>
+            </a:extLst>
+          </p:cNvPr>
+          <p:cNvPicPr>
+            <a:picLocks noChangeAspect="1"/>
+          </p:cNvPicPr>
+          <p:nvPr userDrawn="1"/>
+        </p:nvPicPr>
+        <p:blipFill>
+          <a:blip r:embed="rId4">
+            <a:extLst>
+              <a:ext uri="{28A0092B-C50C-407E-A947-70E740481C1C}">
+                <a14:useLocalDpi xmlns:a14="http://schemas.microsoft.com/office/drawing/2010/main" val="0"/>
+              </a:ext>
+            </a:extLst>
+          </a:blip>
+          <a:stretch>
+            <a:fillRect/>
+          </a:stretch>
+        </p:blipFill>
+        <p:spPr>
+          <a:xfrm>
+            <a:off x="3037030" y="3832697"/>
+            <a:ext cx="869535" cy="628650"/>
+          </a:xfrm>
+          <a:prstGeom prst="rect">
+            <a:avLst/>
+          </a:prstGeom>
+        </p:spPr>
+      </p:pic>
     </p:spTree>
     <p:extLst>
       <p:ext uri="{BB962C8B-B14F-4D97-AF65-F5344CB8AC3E}">
@@ -11739,36 +11868,6 @@
       </p:grpSp>
       <p:pic>
         <p:nvPicPr>
-          <p:cNvPr id="16" name="Picture 15" descr="Logos of the U.S. Department of Health and Human Services and Centers for Disease Control and Prevention" title="LOGOS"/>
-          <p:cNvPicPr>
-            <a:picLocks noChangeAspect="1"/>
-          </p:cNvPicPr>
-          <p:nvPr userDrawn="1"/>
-        </p:nvPicPr>
-        <p:blipFill>
-          <a:blip r:embed="rId4" cstate="print">
-            <a:extLst>
-              <a:ext uri="{28A0092B-C50C-407E-A947-70E740481C1C}">
-                <a14:useLocalDpi xmlns:a14="http://schemas.microsoft.com/office/drawing/2010/main" val="0"/>
-              </a:ext>
-            </a:extLst>
-          </a:blip>
-          <a:stretch>
-            <a:fillRect/>
-          </a:stretch>
-        </p:blipFill>
-        <p:spPr>
-          <a:xfrm>
-            <a:off x="7800326" y="4339940"/>
-            <a:ext cx="1254584" cy="719251"/>
-          </a:xfrm>
-          <a:prstGeom prst="rect">
-            <a:avLst/>
-          </a:prstGeom>
-        </p:spPr>
-      </p:pic>
-      <p:pic>
-        <p:nvPicPr>
           <p:cNvPr id="17" name="Picture 16">
             <a:extLst>
               <a:ext uri="{FF2B5EF4-FFF2-40B4-BE49-F238E27FC236}">
@@ -11782,7 +11881,7 @@
           <p:nvPr userDrawn="1"/>
         </p:nvPicPr>
         <p:blipFill>
-          <a:blip r:embed="rId5">
+          <a:blip r:embed="rId4">
             <a:extLst>
               <a:ext uri="{28A0092B-C50C-407E-A947-70E740481C1C}">
                 <a14:useLocalDpi xmlns:a14="http://schemas.microsoft.com/office/drawing/2010/main" val="0"/>
@@ -11797,6 +11896,143 @@
           <a:xfrm>
             <a:off x="0" y="0"/>
             <a:ext cx="9144000" cy="2543820"/>
+          </a:xfrm>
+          <a:prstGeom prst="rect">
+            <a:avLst/>
+          </a:prstGeom>
+        </p:spPr>
+      </p:pic>
+      <p:sp>
+        <p:nvSpPr>
+          <p:cNvPr id="21" name="Rounded Rectangle 20">
+            <a:extLst>
+              <a:ext uri="{FF2B5EF4-FFF2-40B4-BE49-F238E27FC236}">
+                <a16:creationId xmlns:a16="http://schemas.microsoft.com/office/drawing/2014/main" id="{F1C01370-BD3B-F44A-9421-47D0D9B49767}"/>
+              </a:ext>
+            </a:extLst>
+          </p:cNvPr>
+          <p:cNvSpPr/>
+          <p:nvPr userDrawn="1"/>
+        </p:nvSpPr>
+        <p:spPr>
+          <a:xfrm>
+            <a:off x="5949003" y="4404774"/>
+            <a:ext cx="1591642" cy="563319"/>
+          </a:xfrm>
+          <a:prstGeom prst="roundRect">
+            <a:avLst>
+              <a:gd name="adj" fmla="val 20191"/>
+            </a:avLst>
+          </a:prstGeom>
+          <a:blipFill>
+            <a:blip r:embed="rId5"/>
+            <a:stretch>
+              <a:fillRect/>
+            </a:stretch>
+          </a:blipFill>
+          <a:ln>
+            <a:noFill/>
+          </a:ln>
+        </p:spPr>
+        <p:style>
+          <a:lnRef idx="2">
+            <a:schemeClr val="accent1">
+              <a:shade val="50000"/>
+            </a:schemeClr>
+          </a:lnRef>
+          <a:fillRef idx="1">
+            <a:schemeClr val="accent1"/>
+          </a:fillRef>
+          <a:effectRef idx="0">
+            <a:schemeClr val="accent1"/>
+          </a:effectRef>
+          <a:fontRef idx="minor">
+            <a:schemeClr val="lt1"/>
+          </a:fontRef>
+        </p:style>
+        <p:txBody>
+          <a:bodyPr rtlCol="0" anchor="ctr"/>
+          <a:lstStyle/>
+          <a:p>
+            <a:pPr algn="ctr"/>
+            <a:endParaRPr lang="en-US" dirty="0"/>
+          </a:p>
+        </p:txBody>
+      </p:sp>
+      <p:pic>
+        <p:nvPicPr>
+          <p:cNvPr id="22" name="Picture 21" descr="A picture containing food&#10;&#10;Description automatically generated">
+            <a:extLst>
+              <a:ext uri="{FF2B5EF4-FFF2-40B4-BE49-F238E27FC236}">
+                <a16:creationId xmlns:a16="http://schemas.microsoft.com/office/drawing/2014/main" id="{C420CE8B-1C4F-E548-BCED-22D2A15CAA5B}"/>
+              </a:ext>
+            </a:extLst>
+          </p:cNvPr>
+          <p:cNvPicPr>
+            <a:picLocks noChangeAspect="1"/>
+          </p:cNvPicPr>
+          <p:nvPr userDrawn="1"/>
+        </p:nvPicPr>
+        <p:blipFill rotWithShape="1">
+          <a:blip r:embed="rId6">
+            <a:extLst>
+              <a:ext uri="{28A0092B-C50C-407E-A947-70E740481C1C}">
+                <a14:useLocalDpi xmlns:a14="http://schemas.microsoft.com/office/drawing/2010/main" val="0"/>
+              </a:ext>
+            </a:extLst>
+          </a:blip>
+          <a:srcRect r="3763" b="19294"/>
+          <a:stretch/>
+        </p:blipFill>
+        <p:spPr>
+          <a:xfrm>
+            <a:off x="7913604" y="4354414"/>
+            <a:ext cx="842588" cy="510860"/>
+          </a:xfrm>
+          <a:prstGeom prst="rect">
+            <a:avLst/>
+          </a:prstGeom>
+        </p:spPr>
+      </p:pic>
+      <p:pic>
+        <p:nvPicPr>
+          <p:cNvPr id="23" name="Picture 22">
+            <a:extLst>
+              <a:ext uri="{FF2B5EF4-FFF2-40B4-BE49-F238E27FC236}">
+                <a16:creationId xmlns:a16="http://schemas.microsoft.com/office/drawing/2014/main" id="{04ADDEB1-7BCB-3946-8C83-BC2AD1072027}"/>
+              </a:ext>
+            </a:extLst>
+          </p:cNvPr>
+          <p:cNvPicPr>
+            <a:picLocks noChangeAspect="1"/>
+          </p:cNvPicPr>
+          <p:nvPr userDrawn="1"/>
+        </p:nvPicPr>
+        <p:blipFill>
+          <a:blip r:embed="rId7">
+            <a:extLst>
+              <a:ext uri="{BEBA8EAE-BF5A-486C-A8C5-ECC9F3942E4B}">
+                <a14:imgProps xmlns:a14="http://schemas.microsoft.com/office/drawing/2010/main">
+                  <a14:imgLayer r:embed="rId8">
+                    <a14:imgEffect>
+                      <a14:brightnessContrast bright="100000"/>
+                    </a14:imgEffect>
+                  </a14:imgLayer>
+                </a14:imgProps>
+              </a:ext>
+              <a:ext uri="{28A0092B-C50C-407E-A947-70E740481C1C}">
+                <a14:useLocalDpi xmlns:a14="http://schemas.microsoft.com/office/drawing/2010/main" val="0"/>
+              </a:ext>
+            </a:extLst>
+          </a:blip>
+          <a:stretch>
+            <a:fillRect/>
+          </a:stretch>
+        </p:blipFill>
+        <p:spPr>
+          <a:xfrm>
+            <a:off x="7915543" y="4866336"/>
+            <a:ext cx="875574" cy="121925"/>
           </a:xfrm>
           <a:prstGeom prst="rect">
             <a:avLst/>
@@ -12124,36 +12360,6 @@
           </a:p>
         </p:txBody>
       </p:sp>
-      <p:pic>
-        <p:nvPicPr>
-          <p:cNvPr id="17" name="Picture 16" descr="Logos of the U.S. Department of Health and Human Services and Centers for Disease Control and Prevention" title="LOGOS"/>
-          <p:cNvPicPr>
-            <a:picLocks noChangeAspect="1"/>
-          </p:cNvPicPr>
-          <p:nvPr userDrawn="1"/>
-        </p:nvPicPr>
-        <p:blipFill>
-          <a:blip r:embed="rId2" cstate="print">
-            <a:extLst>
-              <a:ext uri="{28A0092B-C50C-407E-A947-70E740481C1C}">
-                <a14:useLocalDpi xmlns:a14="http://schemas.microsoft.com/office/drawing/2010/main" val="0"/>
-              </a:ext>
-            </a:extLst>
-          </a:blip>
-          <a:stretch>
-            <a:fillRect/>
-          </a:stretch>
-        </p:blipFill>
-        <p:spPr>
-          <a:xfrm>
-            <a:off x="163439" y="4280109"/>
-            <a:ext cx="1254584" cy="719251"/>
-          </a:xfrm>
-          <a:prstGeom prst="rect">
-            <a:avLst/>
-          </a:prstGeom>
-        </p:spPr>
-      </p:pic>
       <p:grpSp>
         <p:nvGrpSpPr>
           <p:cNvPr id="21" name="Group 20">
@@ -12674,42 +12880,6 @@
           </a:p>
         </p:txBody>
       </p:sp>
-      <p:pic>
-        <p:nvPicPr>
-          <p:cNvPr id="21" name="Picture 20" descr="Logos of the U.S. Department of Health and Human Services and Centers for Disease Control and Prevention" title="LOGOS">
-            <a:extLst>
-              <a:ext uri="{FF2B5EF4-FFF2-40B4-BE49-F238E27FC236}">
-                <a16:creationId xmlns:a16="http://schemas.microsoft.com/office/drawing/2014/main" id="{5EB3B0CC-979E-4460-961A-7E5D5213A073}"/>
-              </a:ext>
-            </a:extLst>
-          </p:cNvPr>
-          <p:cNvPicPr>
-            <a:picLocks noChangeAspect="1"/>
-          </p:cNvPicPr>
-          <p:nvPr userDrawn="1"/>
-        </p:nvPicPr>
-        <p:blipFill>
-          <a:blip r:embed="rId2" cstate="print">
-            <a:extLst>
-              <a:ext uri="{28A0092B-C50C-407E-A947-70E740481C1C}">
-                <a14:useLocalDpi xmlns:a14="http://schemas.microsoft.com/office/drawing/2010/main" val="0"/>
-              </a:ext>
-            </a:extLst>
-          </a:blip>
-          <a:stretch>
-            <a:fillRect/>
-          </a:stretch>
-        </p:blipFill>
-        <p:spPr>
-          <a:xfrm>
-            <a:off x="163439" y="4501098"/>
-            <a:ext cx="869114" cy="498262"/>
-          </a:xfrm>
-          <a:prstGeom prst="rect">
-            <a:avLst/>
-          </a:prstGeom>
-        </p:spPr>
-      </p:pic>
       <p:grpSp>
         <p:nvGrpSpPr>
           <p:cNvPr id="20" name="Group 19">
@@ -12843,6 +13013,99 @@
           </p:txBody>
         </p:sp>
       </p:grpSp>
+      <p:sp>
+        <p:nvSpPr>
+          <p:cNvPr id="16" name="Rounded Rectangle 15">
+            <a:extLst>
+              <a:ext uri="{FF2B5EF4-FFF2-40B4-BE49-F238E27FC236}">
+                <a16:creationId xmlns:a16="http://schemas.microsoft.com/office/drawing/2014/main" id="{C1BCBA57-7FCF-B74C-821D-FC58F92B9CAA}"/>
+              </a:ext>
+            </a:extLst>
+          </p:cNvPr>
+          <p:cNvSpPr/>
+          <p:nvPr userDrawn="1"/>
+        </p:nvSpPr>
+        <p:spPr>
+          <a:xfrm>
+            <a:off x="150416" y="4424667"/>
+            <a:ext cx="1404530" cy="497096"/>
+          </a:xfrm>
+          <a:prstGeom prst="roundRect">
+            <a:avLst>
+              <a:gd name="adj" fmla="val 20191"/>
+            </a:avLst>
+          </a:prstGeom>
+          <a:blipFill>
+            <a:blip r:embed="rId2"/>
+            <a:stretch>
+              <a:fillRect/>
+            </a:stretch>
+          </a:blipFill>
+          <a:ln>
+            <a:noFill/>
+          </a:ln>
+        </p:spPr>
+        <p:style>
+          <a:lnRef idx="2">
+            <a:schemeClr val="accent1">
+              <a:shade val="50000"/>
+            </a:schemeClr>
+          </a:lnRef>
+          <a:fillRef idx="1">
+            <a:schemeClr val="accent1"/>
+          </a:fillRef>
+          <a:effectRef idx="0">
+            <a:schemeClr val="accent1"/>
+          </a:effectRef>
+          <a:fontRef idx="minor">
+            <a:schemeClr val="lt1"/>
+          </a:fontRef>
+        </p:style>
+        <p:txBody>
+          <a:bodyPr rtlCol="0" anchor="ctr"/>
+          <a:lstStyle/>
+          <a:p>
+            <a:pPr algn="ctr"/>
+            <a:endParaRPr lang="en-US" dirty="0"/>
+          </a:p>
+        </p:txBody>
+      </p:sp>
+      <p:pic>
+        <p:nvPicPr>
+          <p:cNvPr id="17" name="Picture 16" descr="A picture containing food&#10;&#10;Description automatically generated">
+            <a:extLst>
+              <a:ext uri="{FF2B5EF4-FFF2-40B4-BE49-F238E27FC236}">
+                <a16:creationId xmlns:a16="http://schemas.microsoft.com/office/drawing/2014/main" id="{00CB7BDB-928A-674E-83AE-EA992B291204}"/>
+              </a:ext>
+            </a:extLst>
+          </p:cNvPr>
+          <p:cNvPicPr>
+            <a:picLocks noChangeAspect="1"/>
+          </p:cNvPicPr>
+          <p:nvPr userDrawn="1"/>
+        </p:nvPicPr>
+        <p:blipFill>
+          <a:blip r:embed="rId3">
+            <a:extLst>
+              <a:ext uri="{28A0092B-C50C-407E-A947-70E740481C1C}">
+                <a14:useLocalDpi xmlns:a14="http://schemas.microsoft.com/office/drawing/2010/main" val="0"/>
+              </a:ext>
+            </a:extLst>
+          </a:blip>
+          <a:stretch>
+            <a:fillRect/>
+          </a:stretch>
+        </p:blipFill>
+        <p:spPr>
+          <a:xfrm>
+            <a:off x="1753887" y="4493208"/>
+            <a:ext cx="510990" cy="369432"/>
+          </a:xfrm>
+          <a:prstGeom prst="rect">
+            <a:avLst/>
+          </a:prstGeom>
+        </p:spPr>
+      </p:pic>
     </p:spTree>
     <p:extLst>
       <p:ext uri="{BB962C8B-B14F-4D97-AF65-F5344CB8AC3E}">
@@ -13924,42 +14187,6 @@
           </a:p>
         </p:txBody>
       </p:sp>
-      <p:pic>
-        <p:nvPicPr>
-          <p:cNvPr id="21" name="Picture 20" descr="Logos of the U.S. Department of Health and Human Services and Centers for Disease Control and Prevention" title="LOGOS">
-            <a:extLst>
-              <a:ext uri="{FF2B5EF4-FFF2-40B4-BE49-F238E27FC236}">
-                <a16:creationId xmlns:a16="http://schemas.microsoft.com/office/drawing/2014/main" id="{84213D48-D055-4EE8-9726-533AB8E26AA1}"/>
-              </a:ext>
-            </a:extLst>
-          </p:cNvPr>
-          <p:cNvPicPr>
-            <a:picLocks noChangeAspect="1"/>
-          </p:cNvPicPr>
-          <p:nvPr userDrawn="1"/>
-        </p:nvPicPr>
-        <p:blipFill>
-          <a:blip r:embed="rId2" cstate="print">
-            <a:extLst>
-              <a:ext uri="{28A0092B-C50C-407E-A947-70E740481C1C}">
-                <a14:useLocalDpi xmlns:a14="http://schemas.microsoft.com/office/drawing/2010/main" val="0"/>
-              </a:ext>
-            </a:extLst>
-          </a:blip>
-          <a:stretch>
-            <a:fillRect/>
-          </a:stretch>
-        </p:blipFill>
-        <p:spPr>
-          <a:xfrm>
-            <a:off x="163439" y="4280109"/>
-            <a:ext cx="1254584" cy="719251"/>
-          </a:xfrm>
-          <a:prstGeom prst="rect">
-            <a:avLst/>
-          </a:prstGeom>
-        </p:spPr>
-      </p:pic>
       <p:grpSp>
         <p:nvGrpSpPr>
           <p:cNvPr id="23" name="Group 22">
@@ -14093,6 +14320,99 @@
           </p:txBody>
         </p:sp>
       </p:grpSp>
+      <p:sp>
+        <p:nvSpPr>
+          <p:cNvPr id="21" name="Rounded Rectangle 20">
+            <a:extLst>
+              <a:ext uri="{FF2B5EF4-FFF2-40B4-BE49-F238E27FC236}">
+                <a16:creationId xmlns:a16="http://schemas.microsoft.com/office/drawing/2014/main" id="{1C350909-3C1A-874A-B421-F7E7CAEF44D5}"/>
+              </a:ext>
+            </a:extLst>
+          </p:cNvPr>
+          <p:cNvSpPr/>
+          <p:nvPr userDrawn="1"/>
+        </p:nvSpPr>
+        <p:spPr>
+          <a:xfrm>
+            <a:off x="150416" y="4424667"/>
+            <a:ext cx="1404530" cy="497096"/>
+          </a:xfrm>
+          <a:prstGeom prst="roundRect">
+            <a:avLst>
+              <a:gd name="adj" fmla="val 20191"/>
+            </a:avLst>
+          </a:prstGeom>
+          <a:blipFill>
+            <a:blip r:embed="rId2"/>
+            <a:stretch>
+              <a:fillRect/>
+            </a:stretch>
+          </a:blipFill>
+          <a:ln>
+            <a:noFill/>
+          </a:ln>
+        </p:spPr>
+        <p:style>
+          <a:lnRef idx="2">
+            <a:schemeClr val="accent1">
+              <a:shade val="50000"/>
+            </a:schemeClr>
+          </a:lnRef>
+          <a:fillRef idx="1">
+            <a:schemeClr val="accent1"/>
+          </a:fillRef>
+          <a:effectRef idx="0">
+            <a:schemeClr val="accent1"/>
+          </a:effectRef>
+          <a:fontRef idx="minor">
+            <a:schemeClr val="lt1"/>
+          </a:fontRef>
+        </p:style>
+        <p:txBody>
+          <a:bodyPr rtlCol="0" anchor="ctr"/>
+          <a:lstStyle/>
+          <a:p>
+            <a:pPr algn="ctr"/>
+            <a:endParaRPr lang="en-US" dirty="0"/>
+          </a:p>
+        </p:txBody>
+      </p:sp>
+      <p:pic>
+        <p:nvPicPr>
+          <p:cNvPr id="27" name="Picture 26" descr="A picture containing food&#10;&#10;Description automatically generated">
+            <a:extLst>
+              <a:ext uri="{FF2B5EF4-FFF2-40B4-BE49-F238E27FC236}">
+                <a16:creationId xmlns:a16="http://schemas.microsoft.com/office/drawing/2014/main" id="{713B70E8-BA83-E347-B5C6-A9D6B2320ABD}"/>
+              </a:ext>
+            </a:extLst>
+          </p:cNvPr>
+          <p:cNvPicPr>
+            <a:picLocks noChangeAspect="1"/>
+          </p:cNvPicPr>
+          <p:nvPr userDrawn="1"/>
+        </p:nvPicPr>
+        <p:blipFill>
+          <a:blip r:embed="rId3">
+            <a:extLst>
+              <a:ext uri="{28A0092B-C50C-407E-A947-70E740481C1C}">
+                <a14:useLocalDpi xmlns:a14="http://schemas.microsoft.com/office/drawing/2010/main" val="0"/>
+              </a:ext>
+            </a:extLst>
+          </a:blip>
+          <a:stretch>
+            <a:fillRect/>
+          </a:stretch>
+        </p:blipFill>
+        <p:spPr>
+          <a:xfrm>
+            <a:off x="1753887" y="4493208"/>
+            <a:ext cx="510990" cy="369432"/>
+          </a:xfrm>
+          <a:prstGeom prst="rect">
+            <a:avLst/>
+          </a:prstGeom>
+        </p:spPr>
+      </p:pic>
     </p:spTree>
     <p:extLst>
       <p:ext uri="{BB962C8B-B14F-4D97-AF65-F5344CB8AC3E}">
@@ -14986,12 +15306,104 @@
           </a:p>
         </p:txBody>
       </p:sp>
+      <p:sp>
+        <p:nvSpPr>
+          <p:cNvPr id="9" name="Rounded Rectangle 8">
+            <a:extLst>
+              <a:ext uri="{FF2B5EF4-FFF2-40B4-BE49-F238E27FC236}">
+                <a16:creationId xmlns:a16="http://schemas.microsoft.com/office/drawing/2014/main" id="{290B2883-1E38-304B-9E5B-28594A2F978B}"/>
+              </a:ext>
+            </a:extLst>
+          </p:cNvPr>
+          <p:cNvSpPr/>
+          <p:nvPr userDrawn="1"/>
+        </p:nvSpPr>
+        <p:spPr>
+          <a:xfrm>
+            <a:off x="417949" y="4030406"/>
+            <a:ext cx="2036355" cy="720713"/>
+          </a:xfrm>
+          <a:prstGeom prst="roundRect">
+            <a:avLst>
+              <a:gd name="adj" fmla="val 20191"/>
+            </a:avLst>
+          </a:prstGeom>
+          <a:blipFill>
+            <a:blip r:embed="rId2"/>
+            <a:stretch>
+              <a:fillRect/>
+            </a:stretch>
+          </a:blipFill>
+          <a:ln>
+            <a:noFill/>
+          </a:ln>
+        </p:spPr>
+        <p:style>
+          <a:lnRef idx="2">
+            <a:schemeClr val="accent1">
+              <a:shade val="50000"/>
+            </a:schemeClr>
+          </a:lnRef>
+          <a:fillRef idx="1">
+            <a:schemeClr val="accent1"/>
+          </a:fillRef>
+          <a:effectRef idx="0">
+            <a:schemeClr val="accent1"/>
+          </a:effectRef>
+          <a:fontRef idx="minor">
+            <a:schemeClr val="lt1"/>
+          </a:fontRef>
+        </p:style>
+        <p:txBody>
+          <a:bodyPr rtlCol="0" anchor="ctr"/>
+          <a:lstStyle/>
+          <a:p>
+            <a:pPr algn="ctr"/>
+            <a:endParaRPr lang="en-US" dirty="0"/>
+          </a:p>
+        </p:txBody>
+      </p:sp>
       <p:pic>
         <p:nvPicPr>
-          <p:cNvPr id="4" name="Picture 3" descr="Logos of the U.S. Department of Health and Human Services and Centers for Disease Control and Prevention" title="LOGOS">
+          <p:cNvPr id="10" name="Picture 9" descr="A picture containing food&#10;&#10;Description automatically generated">
             <a:extLst>
               <a:ext uri="{FF2B5EF4-FFF2-40B4-BE49-F238E27FC236}">
-                <a16:creationId xmlns:a16="http://schemas.microsoft.com/office/drawing/2014/main" id="{1338F5EA-D0AF-428F-B372-DAC2A9B1C51C}"/>
+                <a16:creationId xmlns:a16="http://schemas.microsoft.com/office/drawing/2014/main" id="{F6747A32-17BC-1545-B188-9B67490DFC9A}"/>
+              </a:ext>
+            </a:extLst>
+          </p:cNvPr>
+          <p:cNvPicPr>
+            <a:picLocks noChangeAspect="1"/>
+          </p:cNvPicPr>
+          <p:nvPr userDrawn="1"/>
+        </p:nvPicPr>
+        <p:blipFill rotWithShape="1">
+          <a:blip r:embed="rId3">
+            <a:extLst>
+              <a:ext uri="{28A0092B-C50C-407E-A947-70E740481C1C}">
+                <a14:useLocalDpi xmlns:a14="http://schemas.microsoft.com/office/drawing/2010/main" val="0"/>
+              </a:ext>
+            </a:extLst>
+          </a:blip>
+          <a:srcRect r="3390" b="19294"/>
+          <a:stretch/>
+        </p:blipFill>
+        <p:spPr>
+          <a:xfrm>
+            <a:off x="2912518" y="4030406"/>
+            <a:ext cx="996875" cy="602071"/>
+          </a:xfrm>
+          <a:prstGeom prst="rect">
+            <a:avLst/>
+          </a:prstGeom>
+        </p:spPr>
+      </p:pic>
+      <p:pic>
+        <p:nvPicPr>
+          <p:cNvPr id="11" name="Picture 10">
+            <a:extLst>
+              <a:ext uri="{FF2B5EF4-FFF2-40B4-BE49-F238E27FC236}">
+                <a16:creationId xmlns:a16="http://schemas.microsoft.com/office/drawing/2014/main" id="{8F3BB246-F41B-E244-9DFB-F7D0F0980122}"/>
               </a:ext>
             </a:extLst>
           </p:cNvPr>
@@ -15001,8 +15413,17 @@
           <p:nvPr userDrawn="1"/>
         </p:nvPicPr>
         <p:blipFill>
-          <a:blip r:embed="rId2" cstate="print">
+          <a:blip r:embed="rId4">
             <a:extLst>
+              <a:ext uri="{BEBA8EAE-BF5A-486C-A8C5-ECC9F3942E4B}">
+                <a14:imgProps xmlns:a14="http://schemas.microsoft.com/office/drawing/2010/main">
+                  <a14:imgLayer r:embed="rId5">
+                    <a14:imgEffect>
+                      <a14:brightnessContrast bright="100000"/>
+                    </a14:imgEffect>
+                  </a14:imgLayer>
+                </a14:imgProps>
+              </a:ext>
               <a:ext uri="{28A0092B-C50C-407E-A947-70E740481C1C}">
                 <a14:useLocalDpi xmlns:a14="http://schemas.microsoft.com/office/drawing/2010/main" val="0"/>
               </a:ext>
@@ -15014,8 +15435,8 @@
         </p:blipFill>
         <p:spPr>
           <a:xfrm>
-            <a:off x="217229" y="4280109"/>
-            <a:ext cx="1254584" cy="719251"/>
+            <a:off x="2912518" y="4646083"/>
+            <a:ext cx="1032012" cy="143709"/>
           </a:xfrm>
           <a:prstGeom prst="rect">
             <a:avLst/>
@@ -15257,12 +15678,104 @@
           </a:p>
         </p:txBody>
       </p:sp>
+      <p:sp>
+        <p:nvSpPr>
+          <p:cNvPr id="10" name="Rounded Rectangle 9">
+            <a:extLst>
+              <a:ext uri="{FF2B5EF4-FFF2-40B4-BE49-F238E27FC236}">
+                <a16:creationId xmlns:a16="http://schemas.microsoft.com/office/drawing/2014/main" id="{CF5D12E7-577D-4D40-9BE2-A95F8DF0E9EF}"/>
+              </a:ext>
+            </a:extLst>
+          </p:cNvPr>
+          <p:cNvSpPr/>
+          <p:nvPr userDrawn="1"/>
+        </p:nvSpPr>
+        <p:spPr>
+          <a:xfrm>
+            <a:off x="417949" y="4030406"/>
+            <a:ext cx="2036355" cy="720713"/>
+          </a:xfrm>
+          <a:prstGeom prst="roundRect">
+            <a:avLst>
+              <a:gd name="adj" fmla="val 20191"/>
+            </a:avLst>
+          </a:prstGeom>
+          <a:blipFill>
+            <a:blip r:embed="rId4"/>
+            <a:stretch>
+              <a:fillRect/>
+            </a:stretch>
+          </a:blipFill>
+          <a:ln>
+            <a:noFill/>
+          </a:ln>
+        </p:spPr>
+        <p:style>
+          <a:lnRef idx="2">
+            <a:schemeClr val="accent1">
+              <a:shade val="50000"/>
+            </a:schemeClr>
+          </a:lnRef>
+          <a:fillRef idx="1">
+            <a:schemeClr val="accent1"/>
+          </a:fillRef>
+          <a:effectRef idx="0">
+            <a:schemeClr val="accent1"/>
+          </a:effectRef>
+          <a:fontRef idx="minor">
+            <a:schemeClr val="lt1"/>
+          </a:fontRef>
+        </p:style>
+        <p:txBody>
+          <a:bodyPr rtlCol="0" anchor="ctr"/>
+          <a:lstStyle/>
+          <a:p>
+            <a:pPr algn="ctr"/>
+            <a:endParaRPr lang="en-US" dirty="0"/>
+          </a:p>
+        </p:txBody>
+      </p:sp>
       <p:pic>
         <p:nvPicPr>
-          <p:cNvPr id="4" name="Picture 3" descr="Logos of the U.S. Department of Health and Human Services and Centers for Disease Control and Prevention" title="LOGOS">
+          <p:cNvPr id="11" name="Picture 10" descr="A picture containing food&#10;&#10;Description automatically generated">
             <a:extLst>
               <a:ext uri="{FF2B5EF4-FFF2-40B4-BE49-F238E27FC236}">
-                <a16:creationId xmlns:a16="http://schemas.microsoft.com/office/drawing/2014/main" id="{1338F5EA-D0AF-428F-B372-DAC2A9B1C51C}"/>
+                <a16:creationId xmlns:a16="http://schemas.microsoft.com/office/drawing/2014/main" id="{CA755C07-E206-244E-AB0D-5D8F83F4FC25}"/>
+              </a:ext>
+            </a:extLst>
+          </p:cNvPr>
+          <p:cNvPicPr>
+            <a:picLocks noChangeAspect="1"/>
+          </p:cNvPicPr>
+          <p:nvPr userDrawn="1"/>
+        </p:nvPicPr>
+        <p:blipFill rotWithShape="1">
+          <a:blip r:embed="rId5">
+            <a:extLst>
+              <a:ext uri="{28A0092B-C50C-407E-A947-70E740481C1C}">
+                <a14:useLocalDpi xmlns:a14="http://schemas.microsoft.com/office/drawing/2010/main" val="0"/>
+              </a:ext>
+            </a:extLst>
+          </a:blip>
+          <a:srcRect r="3390" b="19294"/>
+          <a:stretch/>
+        </p:blipFill>
+        <p:spPr>
+          <a:xfrm>
+            <a:off x="2912518" y="4030406"/>
+            <a:ext cx="996875" cy="602071"/>
+          </a:xfrm>
+          <a:prstGeom prst="rect">
+            <a:avLst/>
+          </a:prstGeom>
+        </p:spPr>
+      </p:pic>
+      <p:pic>
+        <p:nvPicPr>
+          <p:cNvPr id="12" name="Picture 11">
+            <a:extLst>
+              <a:ext uri="{FF2B5EF4-FFF2-40B4-BE49-F238E27FC236}">
+                <a16:creationId xmlns:a16="http://schemas.microsoft.com/office/drawing/2014/main" id="{3410041A-5998-EC48-B719-E455418110E3}"/>
               </a:ext>
             </a:extLst>
           </p:cNvPr>
@@ -15272,8 +15785,17 @@
           <p:nvPr userDrawn="1"/>
         </p:nvPicPr>
         <p:blipFill>
-          <a:blip r:embed="rId4" cstate="print">
+          <a:blip r:embed="rId6">
             <a:extLst>
+              <a:ext uri="{BEBA8EAE-BF5A-486C-A8C5-ECC9F3942E4B}">
+                <a14:imgProps xmlns:a14="http://schemas.microsoft.com/office/drawing/2010/main">
+                  <a14:imgLayer r:embed="rId7">
+                    <a14:imgEffect>
+                      <a14:brightnessContrast bright="100000"/>
+                    </a14:imgEffect>
+                  </a14:imgLayer>
+                </a14:imgProps>
+              </a:ext>
               <a:ext uri="{28A0092B-C50C-407E-A947-70E740481C1C}">
                 <a14:useLocalDpi xmlns:a14="http://schemas.microsoft.com/office/drawing/2010/main" val="0"/>
               </a:ext>
@@ -15285,8 +15807,8 @@
         </p:blipFill>
         <p:spPr>
           <a:xfrm>
-            <a:off x="217229" y="4280109"/>
-            <a:ext cx="1254584" cy="719251"/>
+            <a:off x="2912518" y="4646083"/>
+            <a:ext cx="1032012" cy="143709"/>
           </a:xfrm>
           <a:prstGeom prst="rect">
             <a:avLst/>
@@ -15919,36 +16441,6 @@
       </p:grpSp>
       <p:pic>
         <p:nvPicPr>
-          <p:cNvPr id="16" name="Picture 15" descr="Logos of the U.S. Department of Health and Human Services and Centers for Disease Control and Prevention" title="LOGOS"/>
-          <p:cNvPicPr>
-            <a:picLocks noChangeAspect="1"/>
-          </p:cNvPicPr>
-          <p:nvPr userDrawn="1"/>
-        </p:nvPicPr>
-        <p:blipFill>
-          <a:blip r:embed="rId4" cstate="print">
-            <a:extLst>
-              <a:ext uri="{28A0092B-C50C-407E-A947-70E740481C1C}">
-                <a14:useLocalDpi xmlns:a14="http://schemas.microsoft.com/office/drawing/2010/main" val="0"/>
-              </a:ext>
-            </a:extLst>
-          </a:blip>
-          <a:stretch>
-            <a:fillRect/>
-          </a:stretch>
-        </p:blipFill>
-        <p:spPr>
-          <a:xfrm>
-            <a:off x="7800326" y="4339940"/>
-            <a:ext cx="1254584" cy="719251"/>
-          </a:xfrm>
-          <a:prstGeom prst="rect">
-            <a:avLst/>
-          </a:prstGeom>
-        </p:spPr>
-      </p:pic>
-      <p:pic>
-        <p:nvPicPr>
           <p:cNvPr id="18" name="Picture 17">
             <a:extLst>
               <a:ext uri="{FF2B5EF4-FFF2-40B4-BE49-F238E27FC236}">
@@ -15962,7 +16454,7 @@
           <p:nvPr userDrawn="1"/>
         </p:nvPicPr>
         <p:blipFill rotWithShape="1">
-          <a:blip r:embed="rId5" cstate="print">
+          <a:blip r:embed="rId4" cstate="print">
             <a:extLst>
               <a:ext uri="{28A0092B-C50C-407E-A947-70E740481C1C}">
                 <a14:useLocalDpi xmlns:a14="http://schemas.microsoft.com/office/drawing/2010/main" val="0"/>
@@ -15976,6 +16468,143 @@
           <a:xfrm>
             <a:off x="5334256" y="175641"/>
             <a:ext cx="3684774" cy="3475844"/>
+          </a:xfrm>
+          <a:prstGeom prst="rect">
+            <a:avLst/>
+          </a:prstGeom>
+        </p:spPr>
+      </p:pic>
+      <p:sp>
+        <p:nvSpPr>
+          <p:cNvPr id="21" name="Rounded Rectangle 20">
+            <a:extLst>
+              <a:ext uri="{FF2B5EF4-FFF2-40B4-BE49-F238E27FC236}">
+                <a16:creationId xmlns:a16="http://schemas.microsoft.com/office/drawing/2014/main" id="{9758DA5B-FA9E-2748-A3EE-37AF6054722D}"/>
+              </a:ext>
+            </a:extLst>
+          </p:cNvPr>
+          <p:cNvSpPr/>
+          <p:nvPr userDrawn="1"/>
+        </p:nvSpPr>
+        <p:spPr>
+          <a:xfrm>
+            <a:off x="5949003" y="4404774"/>
+            <a:ext cx="1591642" cy="563319"/>
+          </a:xfrm>
+          <a:prstGeom prst="roundRect">
+            <a:avLst>
+              <a:gd name="adj" fmla="val 20191"/>
+            </a:avLst>
+          </a:prstGeom>
+          <a:blipFill>
+            <a:blip r:embed="rId5"/>
+            <a:stretch>
+              <a:fillRect/>
+            </a:stretch>
+          </a:blipFill>
+          <a:ln>
+            <a:noFill/>
+          </a:ln>
+        </p:spPr>
+        <p:style>
+          <a:lnRef idx="2">
+            <a:schemeClr val="accent1">
+              <a:shade val="50000"/>
+            </a:schemeClr>
+          </a:lnRef>
+          <a:fillRef idx="1">
+            <a:schemeClr val="accent1"/>
+          </a:fillRef>
+          <a:effectRef idx="0">
+            <a:schemeClr val="accent1"/>
+          </a:effectRef>
+          <a:fontRef idx="minor">
+            <a:schemeClr val="lt1"/>
+          </a:fontRef>
+        </p:style>
+        <p:txBody>
+          <a:bodyPr rtlCol="0" anchor="ctr"/>
+          <a:lstStyle/>
+          <a:p>
+            <a:pPr algn="ctr"/>
+            <a:endParaRPr lang="en-US" dirty="0"/>
+          </a:p>
+        </p:txBody>
+      </p:sp>
+      <p:pic>
+        <p:nvPicPr>
+          <p:cNvPr id="22" name="Picture 21" descr="A picture containing food&#10;&#10;Description automatically generated">
+            <a:extLst>
+              <a:ext uri="{FF2B5EF4-FFF2-40B4-BE49-F238E27FC236}">
+                <a16:creationId xmlns:a16="http://schemas.microsoft.com/office/drawing/2014/main" id="{23BDA75C-A61D-B548-935B-E63663178E5D}"/>
+              </a:ext>
+            </a:extLst>
+          </p:cNvPr>
+          <p:cNvPicPr>
+            <a:picLocks noChangeAspect="1"/>
+          </p:cNvPicPr>
+          <p:nvPr userDrawn="1"/>
+        </p:nvPicPr>
+        <p:blipFill rotWithShape="1">
+          <a:blip r:embed="rId6">
+            <a:extLst>
+              <a:ext uri="{28A0092B-C50C-407E-A947-70E740481C1C}">
+                <a14:useLocalDpi xmlns:a14="http://schemas.microsoft.com/office/drawing/2010/main" val="0"/>
+              </a:ext>
+            </a:extLst>
+          </a:blip>
+          <a:srcRect r="3763" b="19294"/>
+          <a:stretch/>
+        </p:blipFill>
+        <p:spPr>
+          <a:xfrm>
+            <a:off x="7913604" y="4354414"/>
+            <a:ext cx="842588" cy="510860"/>
+          </a:xfrm>
+          <a:prstGeom prst="rect">
+            <a:avLst/>
+          </a:prstGeom>
+        </p:spPr>
+      </p:pic>
+      <p:pic>
+        <p:nvPicPr>
+          <p:cNvPr id="23" name="Picture 22">
+            <a:extLst>
+              <a:ext uri="{FF2B5EF4-FFF2-40B4-BE49-F238E27FC236}">
+                <a16:creationId xmlns:a16="http://schemas.microsoft.com/office/drawing/2014/main" id="{78E6F70B-66E9-6242-95EB-E72722D4C7DD}"/>
+              </a:ext>
+            </a:extLst>
+          </p:cNvPr>
+          <p:cNvPicPr>
+            <a:picLocks noChangeAspect="1"/>
+          </p:cNvPicPr>
+          <p:nvPr userDrawn="1"/>
+        </p:nvPicPr>
+        <p:blipFill>
+          <a:blip r:embed="rId7">
+            <a:extLst>
+              <a:ext uri="{BEBA8EAE-BF5A-486C-A8C5-ECC9F3942E4B}">
+                <a14:imgProps xmlns:a14="http://schemas.microsoft.com/office/drawing/2010/main">
+                  <a14:imgLayer r:embed="rId8">
+                    <a14:imgEffect>
+                      <a14:brightnessContrast bright="100000"/>
+                    </a14:imgEffect>
+                  </a14:imgLayer>
+                </a14:imgProps>
+              </a:ext>
+              <a:ext uri="{28A0092B-C50C-407E-A947-70E740481C1C}">
+                <a14:useLocalDpi xmlns:a14="http://schemas.microsoft.com/office/drawing/2010/main" val="0"/>
+              </a:ext>
+            </a:extLst>
+          </a:blip>
+          <a:stretch>
+            <a:fillRect/>
+          </a:stretch>
+        </p:blipFill>
+        <p:spPr>
+          <a:xfrm>
+            <a:off x="7915543" y="4866336"/>
+            <a:ext cx="875574" cy="121925"/>
           </a:xfrm>
           <a:prstGeom prst="rect">
             <a:avLst/>
@@ -16607,213 +17236,6 @@
           </a:extLst>
         </p:spPr>
       </p:pic>
-      <p:sp>
-        <p:nvSpPr>
-          <p:cNvPr id="7" name="Rectangle 6">
-            <a:extLst>
-              <a:ext uri="{FF2B5EF4-FFF2-40B4-BE49-F238E27FC236}">
-                <a16:creationId xmlns:a16="http://schemas.microsoft.com/office/drawing/2014/main" id="{4C744B30-1622-3A4D-8F13-92EA19511CBF}"/>
-              </a:ext>
-            </a:extLst>
-          </p:cNvPr>
-          <p:cNvSpPr/>
-          <p:nvPr/>
-        </p:nvSpPr>
-        <p:spPr>
-          <a:xfrm>
-            <a:off x="0" y="3685747"/>
-            <a:ext cx="1524000" cy="1400603"/>
-          </a:xfrm>
-          <a:prstGeom prst="rect">
-            <a:avLst/>
-          </a:prstGeom>
-          <a:solidFill>
-            <a:schemeClr val="bg2"/>
-          </a:solidFill>
-          <a:ln>
-            <a:noFill/>
-          </a:ln>
-        </p:spPr>
-        <p:style>
-          <a:lnRef idx="2">
-            <a:schemeClr val="accent1">
-              <a:shade val="50000"/>
-            </a:schemeClr>
-          </a:lnRef>
-          <a:fillRef idx="1">
-            <a:schemeClr val="accent1"/>
-          </a:fillRef>
-          <a:effectRef idx="0">
-            <a:schemeClr val="accent1"/>
-          </a:effectRef>
-          <a:fontRef idx="minor">
-            <a:schemeClr val="lt1"/>
-          </a:fontRef>
-        </p:style>
-        <p:txBody>
-          <a:bodyPr rtlCol="0" anchor="ctr"/>
-          <a:lstStyle/>
-          <a:p>
-            <a:pPr algn="ctr"/>
-            <a:endParaRPr lang="en-US"/>
-          </a:p>
-        </p:txBody>
-      </p:sp>
-      <p:pic>
-        <p:nvPicPr>
-          <p:cNvPr id="8" name="Picture 7" descr="A picture containing food&#10;&#10;Description automatically generated">
-            <a:extLst>
-              <a:ext uri="{FF2B5EF4-FFF2-40B4-BE49-F238E27FC236}">
-                <a16:creationId xmlns:a16="http://schemas.microsoft.com/office/drawing/2014/main" id="{BD9A71F5-0F62-744F-AD40-32047D1CA1E8}"/>
-              </a:ext>
-            </a:extLst>
-          </p:cNvPr>
-          <p:cNvPicPr>
-            <a:picLocks noChangeAspect="1"/>
-          </p:cNvPicPr>
-          <p:nvPr/>
-        </p:nvPicPr>
-        <p:blipFill>
-          <a:blip r:embed="rId4" cstate="print">
-            <a:extLst>
-              <a:ext uri="{28A0092B-C50C-407E-A947-70E740481C1C}">
-                <a14:useLocalDpi xmlns:a14="http://schemas.microsoft.com/office/drawing/2010/main" val="0"/>
-              </a:ext>
-            </a:extLst>
-          </a:blip>
-          <a:stretch>
-            <a:fillRect/>
-          </a:stretch>
-        </p:blipFill>
-        <p:spPr>
-          <a:xfrm>
-            <a:off x="502065" y="3841750"/>
-            <a:ext cx="869535" cy="628650"/>
-          </a:xfrm>
-          <a:prstGeom prst="rect">
-            <a:avLst/>
-          </a:prstGeom>
-        </p:spPr>
-      </p:pic>
-      <p:sp>
-        <p:nvSpPr>
-          <p:cNvPr id="10" name="Rounded Rectangle 9">
-            <a:extLst>
-              <a:ext uri="{FF2B5EF4-FFF2-40B4-BE49-F238E27FC236}">
-                <a16:creationId xmlns:a16="http://schemas.microsoft.com/office/drawing/2014/main" id="{FA070050-88DB-6A4C-8428-64F0FA3F7DE4}"/>
-              </a:ext>
-            </a:extLst>
-          </p:cNvPr>
-          <p:cNvSpPr/>
-          <p:nvPr/>
-        </p:nvSpPr>
-        <p:spPr>
-          <a:xfrm>
-            <a:off x="495300" y="4702175"/>
-            <a:ext cx="4457700" cy="352852"/>
-          </a:xfrm>
-          <a:prstGeom prst="roundRect">
-            <a:avLst>
-              <a:gd name="adj" fmla="val 0"/>
-            </a:avLst>
-          </a:prstGeom>
-          <a:solidFill>
-            <a:srgbClr val="FFFFFF"/>
-          </a:solidFill>
-          <a:ln>
-            <a:noFill/>
-          </a:ln>
-        </p:spPr>
-        <p:style>
-          <a:lnRef idx="2">
-            <a:schemeClr val="accent1">
-              <a:shade val="50000"/>
-            </a:schemeClr>
-          </a:lnRef>
-          <a:fillRef idx="1">
-            <a:schemeClr val="accent1"/>
-          </a:fillRef>
-          <a:effectRef idx="0">
-            <a:schemeClr val="accent1"/>
-          </a:effectRef>
-          <a:fontRef idx="minor">
-            <a:schemeClr val="lt1"/>
-          </a:fontRef>
-        </p:style>
-        <p:txBody>
-          <a:bodyPr lIns="0" tIns="0" rIns="0" bIns="0" rtlCol="0" anchor="b" anchorCtr="0"/>
-          <a:lstStyle/>
-          <a:p>
-            <a:r>
-              <a:rPr lang="en-US" sz="800" dirty="0">
-                <a:solidFill>
-                  <a:srgbClr val="2D2D2D"/>
-                </a:solidFill>
-                <a:latin typeface="Calibri" panose="020F0502020204030204" pitchFamily="34" charset="0"/>
-              </a:rPr>
-              <a:t>The mark “CDC” is owned by the US Dept. of Health and Human Services and is used with permission..</a:t>
-            </a:r>
-          </a:p>
-          <a:p>
-            <a:r>
-              <a:rPr lang="en-US" sz="800" dirty="0">
-                <a:solidFill>
-                  <a:srgbClr val="2D2D2D"/>
-                </a:solidFill>
-                <a:latin typeface="Calibri" panose="020F0502020204030204" pitchFamily="34" charset="0"/>
-              </a:rPr>
-              <a:t>Use of this logo is not an endorsement by HHS or CDC of any particular product, service, or enterprise.</a:t>
-            </a:r>
-          </a:p>
-        </p:txBody>
-      </p:sp>
-      <p:pic>
-        <p:nvPicPr>
-          <p:cNvPr id="9" name="Picture 8" descr="Georgetown Center for Global Health Science and Security — General ...">
-            <a:extLst>
-              <a:ext uri="{FF2B5EF4-FFF2-40B4-BE49-F238E27FC236}">
-                <a16:creationId xmlns:a16="http://schemas.microsoft.com/office/drawing/2014/main" id="{104BA7CA-8779-47C9-876C-CDEFFFC9F0EA}"/>
-              </a:ext>
-            </a:extLst>
-          </p:cNvPr>
-          <p:cNvPicPr>
-            <a:picLocks noChangeAspect="1" noChangeArrowheads="1"/>
-          </p:cNvPicPr>
-          <p:nvPr/>
-        </p:nvPicPr>
-        <p:blipFill>
-          <a:blip r:embed="rId5" cstate="print">
-            <a:extLst>
-              <a:ext uri="{28A0092B-C50C-407E-A947-70E740481C1C}">
-                <a14:useLocalDpi xmlns:a14="http://schemas.microsoft.com/office/drawing/2010/main" val="0"/>
-              </a:ext>
-            </a:extLst>
-          </a:blip>
-          <a:srcRect/>
-          <a:stretch>
-            <a:fillRect/>
-          </a:stretch>
-        </p:blipFill>
-        <p:spPr bwMode="auto">
-          <a:xfrm>
-            <a:off x="1371600" y="3535589"/>
-            <a:ext cx="1985555" cy="1240972"/>
-          </a:xfrm>
-          <a:prstGeom prst="rect">
-            <a:avLst/>
-          </a:prstGeom>
-          <a:noFill/>
-          <a:extLst>
-            <a:ext uri="{909E8E84-426E-40DD-AFC4-6F175D3DCCD1}">
-              <a14:hiddenFill xmlns:a14="http://schemas.microsoft.com/office/drawing/2010/main">
-                <a:solidFill>
-                  <a:srgbClr val="FFFFFF"/>
-                </a:solidFill>
-              </a14:hiddenFill>
-            </a:ext>
-          </a:extLst>
-        </p:spPr>
-      </p:pic>
     </p:spTree>
     <p:extLst>
       <p:ext uri="{BB962C8B-B14F-4D97-AF65-F5344CB8AC3E}">
@@ -16967,141 +17389,6 @@
           </a:p>
         </p:txBody>
       </p:sp>
-      <p:sp>
-        <p:nvSpPr>
-          <p:cNvPr id="7" name="Rectangle 6">
-            <a:extLst>
-              <a:ext uri="{FF2B5EF4-FFF2-40B4-BE49-F238E27FC236}">
-                <a16:creationId xmlns:a16="http://schemas.microsoft.com/office/drawing/2014/main" id="{25AFA8FF-B01C-534F-BB54-6F265B7644FC}"/>
-              </a:ext>
-            </a:extLst>
-          </p:cNvPr>
-          <p:cNvSpPr/>
-          <p:nvPr/>
-        </p:nvSpPr>
-        <p:spPr>
-          <a:xfrm>
-            <a:off x="0" y="4446824"/>
-            <a:ext cx="1524000" cy="556999"/>
-          </a:xfrm>
-          <a:prstGeom prst="rect">
-            <a:avLst/>
-          </a:prstGeom>
-          <a:solidFill>
-            <a:schemeClr val="bg2"/>
-          </a:solidFill>
-          <a:ln>
-            <a:noFill/>
-          </a:ln>
-        </p:spPr>
-        <p:style>
-          <a:lnRef idx="2">
-            <a:schemeClr val="accent1">
-              <a:shade val="50000"/>
-            </a:schemeClr>
-          </a:lnRef>
-          <a:fillRef idx="1">
-            <a:schemeClr val="accent1"/>
-          </a:fillRef>
-          <a:effectRef idx="0">
-            <a:schemeClr val="accent1"/>
-          </a:effectRef>
-          <a:fontRef idx="minor">
-            <a:schemeClr val="lt1"/>
-          </a:fontRef>
-        </p:style>
-        <p:txBody>
-          <a:bodyPr rtlCol="0" anchor="ctr"/>
-          <a:lstStyle/>
-          <a:p>
-            <a:pPr algn="ctr"/>
-            <a:endParaRPr lang="en-US"/>
-          </a:p>
-        </p:txBody>
-      </p:sp>
-      <p:pic>
-        <p:nvPicPr>
-          <p:cNvPr id="9" name="Picture 8" descr="A picture containing food&#10;&#10;Description automatically generated">
-            <a:extLst>
-              <a:ext uri="{FF2B5EF4-FFF2-40B4-BE49-F238E27FC236}">
-                <a16:creationId xmlns:a16="http://schemas.microsoft.com/office/drawing/2014/main" id="{F1161FB3-B95E-0746-8E8F-710773F444C6}"/>
-              </a:ext>
-            </a:extLst>
-          </p:cNvPr>
-          <p:cNvPicPr>
-            <a:picLocks noChangeAspect="1"/>
-          </p:cNvPicPr>
-          <p:nvPr/>
-        </p:nvPicPr>
-        <p:blipFill>
-          <a:blip r:embed="rId3" cstate="print">
-            <a:extLst>
-              <a:ext uri="{28A0092B-C50C-407E-A947-70E740481C1C}">
-                <a14:useLocalDpi xmlns:a14="http://schemas.microsoft.com/office/drawing/2010/main" val="0"/>
-              </a:ext>
-            </a:extLst>
-          </a:blip>
-          <a:stretch>
-            <a:fillRect/>
-          </a:stretch>
-        </p:blipFill>
-        <p:spPr>
-          <a:xfrm>
-            <a:off x="251010" y="4493208"/>
-            <a:ext cx="510990" cy="369432"/>
-          </a:xfrm>
-          <a:prstGeom prst="rect">
-            <a:avLst/>
-          </a:prstGeom>
-        </p:spPr>
-      </p:pic>
-      <p:pic>
-        <p:nvPicPr>
-          <p:cNvPr id="10" name="Picture 9" descr="Georgetown Center for Global Health Science and Security — General ...">
-            <a:extLst>
-              <a:ext uri="{FF2B5EF4-FFF2-40B4-BE49-F238E27FC236}">
-                <a16:creationId xmlns:a16="http://schemas.microsoft.com/office/drawing/2014/main" id="{D7D68019-320D-451D-978A-52CF497FB276}"/>
-              </a:ext>
-            </a:extLst>
-          </p:cNvPr>
-          <p:cNvPicPr>
-            <a:picLocks noChangeAspect="1" noChangeArrowheads="1"/>
-          </p:cNvPicPr>
-          <p:nvPr/>
-        </p:nvPicPr>
-        <p:blipFill>
-          <a:blip r:embed="rId4" cstate="print">
-            <a:extLst>
-              <a:ext uri="{28A0092B-C50C-407E-A947-70E740481C1C}">
-                <a14:useLocalDpi xmlns:a14="http://schemas.microsoft.com/office/drawing/2010/main" val="0"/>
-              </a:ext>
-            </a:extLst>
-          </a:blip>
-          <a:srcRect/>
-          <a:stretch>
-            <a:fillRect/>
-          </a:stretch>
-        </p:blipFill>
-        <p:spPr bwMode="auto">
-          <a:xfrm>
-            <a:off x="762000" y="4264762"/>
-            <a:ext cx="1666646" cy="886378"/>
-          </a:xfrm>
-          <a:prstGeom prst="rect">
-            <a:avLst/>
-          </a:prstGeom>
-          <a:noFill/>
-          <a:extLst>
-            <a:ext uri="{909E8E84-426E-40DD-AFC4-6F175D3DCCD1}">
-              <a14:hiddenFill xmlns:a14="http://schemas.microsoft.com/office/drawing/2010/main">
-                <a:solidFill>
-                  <a:srgbClr val="FFFFFF"/>
-                </a:solidFill>
-              </a14:hiddenFill>
-            </a:ext>
-          </a:extLst>
-        </p:spPr>
-      </p:pic>
     </p:spTree>
     <p:extLst>
       <p:ext uri="{BB962C8B-B14F-4D97-AF65-F5344CB8AC3E}">
@@ -17169,7 +17456,7 @@
         </p:nvSpPr>
         <p:spPr>
           <a:xfrm>
-            <a:off x="457200" y="1151520"/>
+            <a:off x="457200" y="1107975"/>
             <a:ext cx="8158294" cy="3341688"/>
           </a:xfrm>
         </p:spPr>
@@ -17261,159 +17548,8 @@
             </a:pPr>
             <a:endParaRPr lang="en-US" dirty="0"/>
           </a:p>
-          <a:p>
-            <a:pPr lvl="1">
-              <a:buClr>
-                <a:srgbClr val="006A71"/>
-              </a:buClr>
-            </a:pPr>
-            <a:endParaRPr lang="en-US" dirty="0"/>
-          </a:p>
-          <a:p>
-            <a:pPr lvl="1">
-              <a:buClr>
-                <a:srgbClr val="006A71"/>
-              </a:buClr>
-            </a:pPr>
-            <a:endParaRPr lang="en-US" dirty="0"/>
-          </a:p>
         </p:txBody>
       </p:sp>
-      <p:sp>
-        <p:nvSpPr>
-          <p:cNvPr id="7" name="Rectangle 6">
-            <a:extLst>
-              <a:ext uri="{FF2B5EF4-FFF2-40B4-BE49-F238E27FC236}">
-                <a16:creationId xmlns:a16="http://schemas.microsoft.com/office/drawing/2014/main" id="{25AFA8FF-B01C-534F-BB54-6F265B7644FC}"/>
-              </a:ext>
-            </a:extLst>
-          </p:cNvPr>
-          <p:cNvSpPr/>
-          <p:nvPr/>
-        </p:nvSpPr>
-        <p:spPr>
-          <a:xfrm>
-            <a:off x="0" y="4446824"/>
-            <a:ext cx="1524000" cy="556999"/>
-          </a:xfrm>
-          <a:prstGeom prst="rect">
-            <a:avLst/>
-          </a:prstGeom>
-          <a:solidFill>
-            <a:schemeClr val="bg2"/>
-          </a:solidFill>
-          <a:ln>
-            <a:noFill/>
-          </a:ln>
-        </p:spPr>
-        <p:style>
-          <a:lnRef idx="2">
-            <a:schemeClr val="accent1">
-              <a:shade val="50000"/>
-            </a:schemeClr>
-          </a:lnRef>
-          <a:fillRef idx="1">
-            <a:schemeClr val="accent1"/>
-          </a:fillRef>
-          <a:effectRef idx="0">
-            <a:schemeClr val="accent1"/>
-          </a:effectRef>
-          <a:fontRef idx="minor">
-            <a:schemeClr val="lt1"/>
-          </a:fontRef>
-        </p:style>
-        <p:txBody>
-          <a:bodyPr rtlCol="0" anchor="ctr"/>
-          <a:lstStyle/>
-          <a:p>
-            <a:pPr algn="ctr"/>
-            <a:endParaRPr lang="en-US"/>
-          </a:p>
-        </p:txBody>
-      </p:sp>
-      <p:pic>
-        <p:nvPicPr>
-          <p:cNvPr id="9" name="Picture 8" descr="A picture containing food&#10;&#10;Description automatically generated">
-            <a:extLst>
-              <a:ext uri="{FF2B5EF4-FFF2-40B4-BE49-F238E27FC236}">
-                <a16:creationId xmlns:a16="http://schemas.microsoft.com/office/drawing/2014/main" id="{F1161FB3-B95E-0746-8E8F-710773F444C6}"/>
-              </a:ext>
-            </a:extLst>
-          </p:cNvPr>
-          <p:cNvPicPr>
-            <a:picLocks noChangeAspect="1"/>
-          </p:cNvPicPr>
-          <p:nvPr/>
-        </p:nvPicPr>
-        <p:blipFill>
-          <a:blip r:embed="rId3" cstate="print">
-            <a:extLst>
-              <a:ext uri="{28A0092B-C50C-407E-A947-70E740481C1C}">
-                <a14:useLocalDpi xmlns:a14="http://schemas.microsoft.com/office/drawing/2010/main" val="0"/>
-              </a:ext>
-            </a:extLst>
-          </a:blip>
-          <a:stretch>
-            <a:fillRect/>
-          </a:stretch>
-        </p:blipFill>
-        <p:spPr>
-          <a:xfrm>
-            <a:off x="251010" y="4493208"/>
-            <a:ext cx="510990" cy="369432"/>
-          </a:xfrm>
-          <a:prstGeom prst="rect">
-            <a:avLst/>
-          </a:prstGeom>
-        </p:spPr>
-      </p:pic>
-      <p:pic>
-        <p:nvPicPr>
-          <p:cNvPr id="10" name="Picture 9" descr="Georgetown Center for Global Health Science and Security — General ...">
-            <a:extLst>
-              <a:ext uri="{FF2B5EF4-FFF2-40B4-BE49-F238E27FC236}">
-                <a16:creationId xmlns:a16="http://schemas.microsoft.com/office/drawing/2014/main" id="{33359A7F-72CA-4B0A-B9F1-CB79D9E2734B}"/>
-              </a:ext>
-            </a:extLst>
-          </p:cNvPr>
-          <p:cNvPicPr>
-            <a:picLocks noChangeAspect="1" noChangeArrowheads="1"/>
-          </p:cNvPicPr>
-          <p:nvPr/>
-        </p:nvPicPr>
-        <p:blipFill>
-          <a:blip r:embed="rId4" cstate="print">
-            <a:extLst>
-              <a:ext uri="{28A0092B-C50C-407E-A947-70E740481C1C}">
-                <a14:useLocalDpi xmlns:a14="http://schemas.microsoft.com/office/drawing/2010/main" val="0"/>
-              </a:ext>
-            </a:extLst>
-          </a:blip>
-          <a:srcRect/>
-          <a:stretch>
-            <a:fillRect/>
-          </a:stretch>
-        </p:blipFill>
-        <p:spPr bwMode="auto">
-          <a:xfrm>
-            <a:off x="762000" y="4264762"/>
-            <a:ext cx="1666646" cy="886378"/>
-          </a:xfrm>
-          <a:prstGeom prst="rect">
-            <a:avLst/>
-          </a:prstGeom>
-          <a:noFill/>
-          <a:extLst>
-            <a:ext uri="{909E8E84-426E-40DD-AFC4-6F175D3DCCD1}">
-              <a14:hiddenFill xmlns:a14="http://schemas.microsoft.com/office/drawing/2010/main">
-                <a:solidFill>
-                  <a:srgbClr val="FFFFFF"/>
-                </a:solidFill>
-              </a14:hiddenFill>
-            </a:ext>
-          </a:extLst>
-        </p:spPr>
-      </p:pic>
     </p:spTree>
     <p:extLst>
       <p:ext uri="{BB962C8B-B14F-4D97-AF65-F5344CB8AC3E}">
@@ -17481,7 +17617,7 @@
         </p:nvSpPr>
         <p:spPr>
           <a:xfrm>
-            <a:off x="457199" y="1151520"/>
+            <a:off x="457199" y="1020885"/>
             <a:ext cx="8323385" cy="3341688"/>
           </a:xfrm>
         </p:spPr>
@@ -17553,6 +17689,7 @@
               <a:rPr lang="en-US" sz="1900" dirty="0"/>
               <a:t>Developing and implementing action plan to mitigate future public health risks and improve future responses</a:t>
             </a:r>
+            <a:endParaRPr lang="en-US" dirty="0"/>
           </a:p>
           <a:p>
             <a:pPr lvl="1">
@@ -17578,151 +17715,8 @@
             </a:pPr>
             <a:endParaRPr lang="en-US" dirty="0"/>
           </a:p>
-          <a:p>
-            <a:pPr lvl="1">
-              <a:buClr>
-                <a:srgbClr val="006A71"/>
-              </a:buClr>
-            </a:pPr>
-            <a:endParaRPr lang="en-US" dirty="0"/>
-          </a:p>
         </p:txBody>
       </p:sp>
-      <p:sp>
-        <p:nvSpPr>
-          <p:cNvPr id="7" name="Rectangle 6">
-            <a:extLst>
-              <a:ext uri="{FF2B5EF4-FFF2-40B4-BE49-F238E27FC236}">
-                <a16:creationId xmlns:a16="http://schemas.microsoft.com/office/drawing/2014/main" id="{25AFA8FF-B01C-534F-BB54-6F265B7644FC}"/>
-              </a:ext>
-            </a:extLst>
-          </p:cNvPr>
-          <p:cNvSpPr/>
-          <p:nvPr/>
-        </p:nvSpPr>
-        <p:spPr>
-          <a:xfrm>
-            <a:off x="0" y="4446824"/>
-            <a:ext cx="1524000" cy="556999"/>
-          </a:xfrm>
-          <a:prstGeom prst="rect">
-            <a:avLst/>
-          </a:prstGeom>
-          <a:solidFill>
-            <a:schemeClr val="bg2"/>
-          </a:solidFill>
-          <a:ln>
-            <a:noFill/>
-          </a:ln>
-        </p:spPr>
-        <p:style>
-          <a:lnRef idx="2">
-            <a:schemeClr val="accent1">
-              <a:shade val="50000"/>
-            </a:schemeClr>
-          </a:lnRef>
-          <a:fillRef idx="1">
-            <a:schemeClr val="accent1"/>
-          </a:fillRef>
-          <a:effectRef idx="0">
-            <a:schemeClr val="accent1"/>
-          </a:effectRef>
-          <a:fontRef idx="minor">
-            <a:schemeClr val="lt1"/>
-          </a:fontRef>
-        </p:style>
-        <p:txBody>
-          <a:bodyPr rtlCol="0" anchor="ctr"/>
-          <a:lstStyle/>
-          <a:p>
-            <a:pPr algn="ctr"/>
-            <a:endParaRPr lang="en-US"/>
-          </a:p>
-        </p:txBody>
-      </p:sp>
-      <p:pic>
-        <p:nvPicPr>
-          <p:cNvPr id="9" name="Picture 8" descr="A picture containing food&#10;&#10;Description automatically generated">
-            <a:extLst>
-              <a:ext uri="{FF2B5EF4-FFF2-40B4-BE49-F238E27FC236}">
-                <a16:creationId xmlns:a16="http://schemas.microsoft.com/office/drawing/2014/main" id="{F1161FB3-B95E-0746-8E8F-710773F444C6}"/>
-              </a:ext>
-            </a:extLst>
-          </p:cNvPr>
-          <p:cNvPicPr>
-            <a:picLocks noChangeAspect="1"/>
-          </p:cNvPicPr>
-          <p:nvPr/>
-        </p:nvPicPr>
-        <p:blipFill>
-          <a:blip r:embed="rId3" cstate="print">
-            <a:extLst>
-              <a:ext uri="{28A0092B-C50C-407E-A947-70E740481C1C}">
-                <a14:useLocalDpi xmlns:a14="http://schemas.microsoft.com/office/drawing/2010/main" val="0"/>
-              </a:ext>
-            </a:extLst>
-          </a:blip>
-          <a:stretch>
-            <a:fillRect/>
-          </a:stretch>
-        </p:blipFill>
-        <p:spPr>
-          <a:xfrm>
-            <a:off x="251010" y="4493208"/>
-            <a:ext cx="510990" cy="369432"/>
-          </a:xfrm>
-          <a:prstGeom prst="rect">
-            <a:avLst/>
-          </a:prstGeom>
-        </p:spPr>
-      </p:pic>
-      <p:pic>
-        <p:nvPicPr>
-          <p:cNvPr id="10" name="Picture 9" descr="Georgetown Center for Global Health Science and Security — General ...">
-            <a:extLst>
-              <a:ext uri="{FF2B5EF4-FFF2-40B4-BE49-F238E27FC236}">
-                <a16:creationId xmlns:a16="http://schemas.microsoft.com/office/drawing/2014/main" id="{6362C053-EA63-4936-B4BD-E51D6D9CEA48}"/>
-              </a:ext>
-            </a:extLst>
-          </p:cNvPr>
-          <p:cNvPicPr>
-            <a:picLocks noChangeAspect="1" noChangeArrowheads="1"/>
-          </p:cNvPicPr>
-          <p:nvPr/>
-        </p:nvPicPr>
-        <p:blipFill>
-          <a:blip r:embed="rId4" cstate="print">
-            <a:extLst>
-              <a:ext uri="{28A0092B-C50C-407E-A947-70E740481C1C}">
-                <a14:useLocalDpi xmlns:a14="http://schemas.microsoft.com/office/drawing/2010/main" val="0"/>
-              </a:ext>
-            </a:extLst>
-          </a:blip>
-          <a:srcRect/>
-          <a:stretch>
-            <a:fillRect/>
-          </a:stretch>
-        </p:blipFill>
-        <p:spPr bwMode="auto">
-          <a:xfrm>
-            <a:off x="762000" y="4264762"/>
-            <a:ext cx="1666646" cy="886378"/>
-          </a:xfrm>
-          <a:prstGeom prst="rect">
-            <a:avLst/>
-          </a:prstGeom>
-          <a:noFill/>
-          <a:extLst>
-            <a:ext uri="{909E8E84-426E-40DD-AFC4-6F175D3DCCD1}">
-              <a14:hiddenFill xmlns:a14="http://schemas.microsoft.com/office/drawing/2010/main">
-                <a:solidFill>
-                  <a:srgbClr val="FFFFFF"/>
-                </a:solidFill>
-              </a14:hiddenFill>
-            </a:ext>
-          </a:extLst>
-        </p:spPr>
-      </p:pic>
     </p:spTree>
     <p:extLst>
       <p:ext uri="{BB962C8B-B14F-4D97-AF65-F5344CB8AC3E}">
@@ -17808,195 +17802,6 @@
           <a:xfrm>
             <a:off x="4327069" y="506186"/>
             <a:ext cx="4484352" cy="4346372"/>
-          </a:xfrm>
-          <a:prstGeom prst="rect">
-            <a:avLst/>
-          </a:prstGeom>
-        </p:spPr>
-      </p:pic>
-      <p:sp>
-        <p:nvSpPr>
-          <p:cNvPr id="7" name="Rounded Rectangle 6">
-            <a:extLst>
-              <a:ext uri="{FF2B5EF4-FFF2-40B4-BE49-F238E27FC236}">
-                <a16:creationId xmlns:a16="http://schemas.microsoft.com/office/drawing/2014/main" id="{2F99BDB7-AEB8-7A43-8C05-D52734DA8088}"/>
-              </a:ext>
-            </a:extLst>
-          </p:cNvPr>
-          <p:cNvSpPr/>
-          <p:nvPr/>
-        </p:nvSpPr>
-        <p:spPr>
-          <a:xfrm>
-            <a:off x="1886913" y="4019550"/>
-            <a:ext cx="2036355" cy="720713"/>
-          </a:xfrm>
-          <a:prstGeom prst="roundRect">
-            <a:avLst>
-              <a:gd name="adj" fmla="val 20191"/>
-            </a:avLst>
-          </a:prstGeom>
-          <a:blipFill>
-            <a:blip r:embed="rId4"/>
-            <a:stretch>
-              <a:fillRect/>
-            </a:stretch>
-          </a:blipFill>
-          <a:ln>
-            <a:noFill/>
-          </a:ln>
-        </p:spPr>
-        <p:style>
-          <a:lnRef idx="2">
-            <a:schemeClr val="accent1">
-              <a:shade val="50000"/>
-            </a:schemeClr>
-          </a:lnRef>
-          <a:fillRef idx="1">
-            <a:schemeClr val="accent1"/>
-          </a:fillRef>
-          <a:effectRef idx="0">
-            <a:schemeClr val="accent1"/>
-          </a:effectRef>
-          <a:fontRef idx="minor">
-            <a:schemeClr val="lt1"/>
-          </a:fontRef>
-        </p:style>
-        <p:txBody>
-          <a:bodyPr rtlCol="0" anchor="ctr"/>
-          <a:lstStyle/>
-          <a:p>
-            <a:pPr algn="ctr"/>
-            <a:endParaRPr lang="en-US" dirty="0"/>
-          </a:p>
-        </p:txBody>
-      </p:sp>
-      <p:sp>
-        <p:nvSpPr>
-          <p:cNvPr id="8" name="Rectangle 7">
-            <a:extLst>
-              <a:ext uri="{FF2B5EF4-FFF2-40B4-BE49-F238E27FC236}">
-                <a16:creationId xmlns:a16="http://schemas.microsoft.com/office/drawing/2014/main" id="{C4C9FEAC-EE71-1B4C-830A-60461064B7E4}"/>
-              </a:ext>
-            </a:extLst>
-          </p:cNvPr>
-          <p:cNvSpPr/>
-          <p:nvPr/>
-        </p:nvSpPr>
-        <p:spPr>
-          <a:xfrm>
-            <a:off x="0" y="4171950"/>
-            <a:ext cx="1524000" cy="971550"/>
-          </a:xfrm>
-          <a:prstGeom prst="rect">
-            <a:avLst/>
-          </a:prstGeom>
-          <a:solidFill>
-            <a:srgbClr val="326A71"/>
-          </a:solidFill>
-          <a:ln>
-            <a:noFill/>
-          </a:ln>
-        </p:spPr>
-        <p:style>
-          <a:lnRef idx="2">
-            <a:schemeClr val="accent1">
-              <a:shade val="50000"/>
-            </a:schemeClr>
-          </a:lnRef>
-          <a:fillRef idx="1">
-            <a:schemeClr val="accent1"/>
-          </a:fillRef>
-          <a:effectRef idx="0">
-            <a:schemeClr val="accent1"/>
-          </a:effectRef>
-          <a:fontRef idx="minor">
-            <a:schemeClr val="lt1"/>
-          </a:fontRef>
-        </p:style>
-        <p:txBody>
-          <a:bodyPr rtlCol="0" anchor="ctr"/>
-          <a:lstStyle/>
-          <a:p>
-            <a:pPr algn="ctr"/>
-            <a:endParaRPr lang="en-US"/>
-          </a:p>
-        </p:txBody>
-      </p:sp>
-      <p:pic>
-        <p:nvPicPr>
-          <p:cNvPr id="9" name="Picture 8" descr="A picture containing food&#10;&#10;Description automatically generated">
-            <a:extLst>
-              <a:ext uri="{FF2B5EF4-FFF2-40B4-BE49-F238E27FC236}">
-                <a16:creationId xmlns:a16="http://schemas.microsoft.com/office/drawing/2014/main" id="{82C4484F-75A0-C042-8BC4-1779A103BD15}"/>
-              </a:ext>
-            </a:extLst>
-          </p:cNvPr>
-          <p:cNvPicPr>
-            <a:picLocks noChangeAspect="1"/>
-          </p:cNvPicPr>
-          <p:nvPr/>
-        </p:nvPicPr>
-        <p:blipFill rotWithShape="1">
-          <a:blip r:embed="rId5" cstate="print">
-            <a:extLst>
-              <a:ext uri="{28A0092B-C50C-407E-A947-70E740481C1C}">
-                <a14:useLocalDpi xmlns:a14="http://schemas.microsoft.com/office/drawing/2010/main" val="0"/>
-              </a:ext>
-            </a:extLst>
-          </a:blip>
-          <a:srcRect r="3390" b="19294"/>
-          <a:stretch/>
-        </p:blipFill>
-        <p:spPr>
-          <a:xfrm>
-            <a:off x="440924" y="4030406"/>
-            <a:ext cx="996875" cy="602071"/>
-          </a:xfrm>
-          <a:prstGeom prst="rect">
-            <a:avLst/>
-          </a:prstGeom>
-        </p:spPr>
-      </p:pic>
-      <p:pic>
-        <p:nvPicPr>
-          <p:cNvPr id="10" name="Picture 9">
-            <a:extLst>
-              <a:ext uri="{FF2B5EF4-FFF2-40B4-BE49-F238E27FC236}">
-                <a16:creationId xmlns:a16="http://schemas.microsoft.com/office/drawing/2014/main" id="{17CA3E9E-850B-0C4C-8AA9-72FE7D8CEEB1}"/>
-              </a:ext>
-            </a:extLst>
-          </p:cNvPr>
-          <p:cNvPicPr>
-            <a:picLocks noChangeAspect="1"/>
-          </p:cNvPicPr>
-          <p:nvPr/>
-        </p:nvPicPr>
-        <p:blipFill>
-          <a:blip r:embed="rId6" cstate="print">
-            <a:extLst>
-              <a:ext uri="{BEBA8EAE-BF5A-486C-A8C5-ECC9F3942E4B}">
-                <a14:imgProps xmlns:a14="http://schemas.microsoft.com/office/drawing/2010/main">
-                  <a14:imgLayer r:embed="rId7">
-                    <a14:imgEffect>
-                      <a14:brightnessContrast bright="100000"/>
-                    </a14:imgEffect>
-                  </a14:imgLayer>
-                </a14:imgProps>
-              </a:ext>
-              <a:ext uri="{28A0092B-C50C-407E-A947-70E740481C1C}">
-                <a14:useLocalDpi xmlns:a14="http://schemas.microsoft.com/office/drawing/2010/main" val="0"/>
-              </a:ext>
-            </a:extLst>
-          </a:blip>
-          <a:stretch>
-            <a:fillRect/>
-          </a:stretch>
-        </p:blipFill>
-        <p:spPr>
-          <a:xfrm>
-            <a:off x="440924" y="4646083"/>
-            <a:ext cx="1032012" cy="143709"/>
           </a:xfrm>
           <a:prstGeom prst="rect">
             <a:avLst/>
@@ -18158,94 +17963,6 @@
       </p:sp>
       <p:sp>
         <p:nvSpPr>
-          <p:cNvPr id="7" name="Rectangle 6">
-            <a:extLst>
-              <a:ext uri="{FF2B5EF4-FFF2-40B4-BE49-F238E27FC236}">
-                <a16:creationId xmlns:a16="http://schemas.microsoft.com/office/drawing/2014/main" id="{25AFA8FF-B01C-534F-BB54-6F265B7644FC}"/>
-              </a:ext>
-            </a:extLst>
-          </p:cNvPr>
-          <p:cNvSpPr/>
-          <p:nvPr/>
-        </p:nvSpPr>
-        <p:spPr>
-          <a:xfrm>
-            <a:off x="0" y="4446824"/>
-            <a:ext cx="1524000" cy="556999"/>
-          </a:xfrm>
-          <a:prstGeom prst="rect">
-            <a:avLst/>
-          </a:prstGeom>
-          <a:solidFill>
-            <a:schemeClr val="bg2"/>
-          </a:solidFill>
-          <a:ln>
-            <a:noFill/>
-          </a:ln>
-        </p:spPr>
-        <p:style>
-          <a:lnRef idx="2">
-            <a:schemeClr val="accent1">
-              <a:shade val="50000"/>
-            </a:schemeClr>
-          </a:lnRef>
-          <a:fillRef idx="1">
-            <a:schemeClr val="accent1"/>
-          </a:fillRef>
-          <a:effectRef idx="0">
-            <a:schemeClr val="accent1"/>
-          </a:effectRef>
-          <a:fontRef idx="minor">
-            <a:schemeClr val="lt1"/>
-          </a:fontRef>
-        </p:style>
-        <p:txBody>
-          <a:bodyPr rtlCol="0" anchor="ctr"/>
-          <a:lstStyle/>
-          <a:p>
-            <a:pPr algn="ctr"/>
-            <a:endParaRPr lang="en-US"/>
-          </a:p>
-        </p:txBody>
-      </p:sp>
-      <p:pic>
-        <p:nvPicPr>
-          <p:cNvPr id="9" name="Picture 8" descr="A picture containing food&#10;&#10;Description automatically generated">
-            <a:extLst>
-              <a:ext uri="{FF2B5EF4-FFF2-40B4-BE49-F238E27FC236}">
-                <a16:creationId xmlns:a16="http://schemas.microsoft.com/office/drawing/2014/main" id="{F1161FB3-B95E-0746-8E8F-710773F444C6}"/>
-              </a:ext>
-            </a:extLst>
-          </p:cNvPr>
-          <p:cNvPicPr>
-            <a:picLocks noChangeAspect="1"/>
-          </p:cNvPicPr>
-          <p:nvPr/>
-        </p:nvPicPr>
-        <p:blipFill>
-          <a:blip r:embed="rId3" cstate="print">
-            <a:extLst>
-              <a:ext uri="{28A0092B-C50C-407E-A947-70E740481C1C}">
-                <a14:useLocalDpi xmlns:a14="http://schemas.microsoft.com/office/drawing/2010/main" val="0"/>
-              </a:ext>
-            </a:extLst>
-          </a:blip>
-          <a:stretch>
-            <a:fillRect/>
-          </a:stretch>
-        </p:blipFill>
-        <p:spPr>
-          <a:xfrm>
-            <a:off x="251010" y="4493208"/>
-            <a:ext cx="510990" cy="369432"/>
-          </a:xfrm>
-          <a:prstGeom prst="rect">
-            <a:avLst/>
-          </a:prstGeom>
-        </p:spPr>
-      </p:pic>
-      <p:sp>
-        <p:nvSpPr>
           <p:cNvPr id="2" name="Rectangle 1"/>
           <p:cNvSpPr/>
           <p:nvPr/>
@@ -18301,53 +18018,6 @@
           </a:p>
         </p:txBody>
       </p:sp>
-      <p:pic>
-        <p:nvPicPr>
-          <p:cNvPr id="10" name="Picture 9" descr="Georgetown Center for Global Health Science and Security — General ...">
-            <a:extLst>
-              <a:ext uri="{FF2B5EF4-FFF2-40B4-BE49-F238E27FC236}">
-                <a16:creationId xmlns:a16="http://schemas.microsoft.com/office/drawing/2014/main" id="{39146C3C-FB05-48C7-8962-AE66ACE1B701}"/>
-              </a:ext>
-            </a:extLst>
-          </p:cNvPr>
-          <p:cNvPicPr>
-            <a:picLocks noChangeAspect="1" noChangeArrowheads="1"/>
-          </p:cNvPicPr>
-          <p:nvPr/>
-        </p:nvPicPr>
-        <p:blipFill>
-          <a:blip r:embed="rId4" cstate="print">
-            <a:extLst>
-              <a:ext uri="{28A0092B-C50C-407E-A947-70E740481C1C}">
-                <a14:useLocalDpi xmlns:a14="http://schemas.microsoft.com/office/drawing/2010/main" val="0"/>
-              </a:ext>
-            </a:extLst>
-          </a:blip>
-          <a:srcRect/>
-          <a:stretch>
-            <a:fillRect/>
-          </a:stretch>
-        </p:blipFill>
-        <p:spPr bwMode="auto">
-          <a:xfrm>
-            <a:off x="762000" y="4264762"/>
-            <a:ext cx="1666646" cy="886378"/>
-          </a:xfrm>
-          <a:prstGeom prst="rect">
-            <a:avLst/>
-          </a:prstGeom>
-          <a:noFill/>
-          <a:extLst>
-            <a:ext uri="{909E8E84-426E-40DD-AFC4-6F175D3DCCD1}">
-              <a14:hiddenFill xmlns:a14="http://schemas.microsoft.com/office/drawing/2010/main">
-                <a:solidFill>
-                  <a:srgbClr val="FFFFFF"/>
-                </a:solidFill>
-              </a14:hiddenFill>
-            </a:ext>
-          </a:extLst>
-        </p:spPr>
-      </p:pic>
     </p:spTree>
     <p:extLst>
       <p:ext uri="{BB962C8B-B14F-4D97-AF65-F5344CB8AC3E}">
@@ -18465,141 +18135,6 @@
           </a:p>
         </p:txBody>
       </p:sp>
-      <p:sp>
-        <p:nvSpPr>
-          <p:cNvPr id="7" name="Rectangle 6">
-            <a:extLst>
-              <a:ext uri="{FF2B5EF4-FFF2-40B4-BE49-F238E27FC236}">
-                <a16:creationId xmlns:a16="http://schemas.microsoft.com/office/drawing/2014/main" id="{25AFA8FF-B01C-534F-BB54-6F265B7644FC}"/>
-              </a:ext>
-            </a:extLst>
-          </p:cNvPr>
-          <p:cNvSpPr/>
-          <p:nvPr/>
-        </p:nvSpPr>
-        <p:spPr>
-          <a:xfrm>
-            <a:off x="0" y="4446824"/>
-            <a:ext cx="1524000" cy="556999"/>
-          </a:xfrm>
-          <a:prstGeom prst="rect">
-            <a:avLst/>
-          </a:prstGeom>
-          <a:solidFill>
-            <a:schemeClr val="bg2"/>
-          </a:solidFill>
-          <a:ln>
-            <a:noFill/>
-          </a:ln>
-        </p:spPr>
-        <p:style>
-          <a:lnRef idx="2">
-            <a:schemeClr val="accent1">
-              <a:shade val="50000"/>
-            </a:schemeClr>
-          </a:lnRef>
-          <a:fillRef idx="1">
-            <a:schemeClr val="accent1"/>
-          </a:fillRef>
-          <a:effectRef idx="0">
-            <a:schemeClr val="accent1"/>
-          </a:effectRef>
-          <a:fontRef idx="minor">
-            <a:schemeClr val="lt1"/>
-          </a:fontRef>
-        </p:style>
-        <p:txBody>
-          <a:bodyPr rtlCol="0" anchor="ctr"/>
-          <a:lstStyle/>
-          <a:p>
-            <a:pPr algn="ctr"/>
-            <a:endParaRPr lang="en-US"/>
-          </a:p>
-        </p:txBody>
-      </p:sp>
-      <p:pic>
-        <p:nvPicPr>
-          <p:cNvPr id="9" name="Picture 8" descr="A picture containing food&#10;&#10;Description automatically generated">
-            <a:extLst>
-              <a:ext uri="{FF2B5EF4-FFF2-40B4-BE49-F238E27FC236}">
-                <a16:creationId xmlns:a16="http://schemas.microsoft.com/office/drawing/2014/main" id="{F1161FB3-B95E-0746-8E8F-710773F444C6}"/>
-              </a:ext>
-            </a:extLst>
-          </p:cNvPr>
-          <p:cNvPicPr>
-            <a:picLocks noChangeAspect="1"/>
-          </p:cNvPicPr>
-          <p:nvPr/>
-        </p:nvPicPr>
-        <p:blipFill>
-          <a:blip r:embed="rId3" cstate="print">
-            <a:extLst>
-              <a:ext uri="{28A0092B-C50C-407E-A947-70E740481C1C}">
-                <a14:useLocalDpi xmlns:a14="http://schemas.microsoft.com/office/drawing/2010/main" val="0"/>
-              </a:ext>
-            </a:extLst>
-          </a:blip>
-          <a:stretch>
-            <a:fillRect/>
-          </a:stretch>
-        </p:blipFill>
-        <p:spPr>
-          <a:xfrm>
-            <a:off x="251010" y="4493208"/>
-            <a:ext cx="510990" cy="369432"/>
-          </a:xfrm>
-          <a:prstGeom prst="rect">
-            <a:avLst/>
-          </a:prstGeom>
-        </p:spPr>
-      </p:pic>
-      <p:pic>
-        <p:nvPicPr>
-          <p:cNvPr id="10" name="Picture 9" descr="Georgetown Center for Global Health Science and Security — General ...">
-            <a:extLst>
-              <a:ext uri="{FF2B5EF4-FFF2-40B4-BE49-F238E27FC236}">
-                <a16:creationId xmlns:a16="http://schemas.microsoft.com/office/drawing/2014/main" id="{0D4C52BB-8C06-4675-9382-53940A00828C}"/>
-              </a:ext>
-            </a:extLst>
-          </p:cNvPr>
-          <p:cNvPicPr>
-            <a:picLocks noChangeAspect="1" noChangeArrowheads="1"/>
-          </p:cNvPicPr>
-          <p:nvPr/>
-        </p:nvPicPr>
-        <p:blipFill>
-          <a:blip r:embed="rId4" cstate="print">
-            <a:extLst>
-              <a:ext uri="{28A0092B-C50C-407E-A947-70E740481C1C}">
-                <a14:useLocalDpi xmlns:a14="http://schemas.microsoft.com/office/drawing/2010/main" val="0"/>
-              </a:ext>
-            </a:extLst>
-          </a:blip>
-          <a:srcRect/>
-          <a:stretch>
-            <a:fillRect/>
-          </a:stretch>
-        </p:blipFill>
-        <p:spPr bwMode="auto">
-          <a:xfrm>
-            <a:off x="762000" y="4264762"/>
-            <a:ext cx="1666646" cy="886378"/>
-          </a:xfrm>
-          <a:prstGeom prst="rect">
-            <a:avLst/>
-          </a:prstGeom>
-          <a:noFill/>
-          <a:extLst>
-            <a:ext uri="{909E8E84-426E-40DD-AFC4-6F175D3DCCD1}">
-              <a14:hiddenFill xmlns:a14="http://schemas.microsoft.com/office/drawing/2010/main">
-                <a:solidFill>
-                  <a:srgbClr val="FFFFFF"/>
-                </a:solidFill>
-              </a14:hiddenFill>
-            </a:ext>
-          </a:extLst>
-        </p:spPr>
-      </p:pic>
     </p:spTree>
     <p:extLst>
       <p:ext uri="{BB962C8B-B14F-4D97-AF65-F5344CB8AC3E}">
@@ -18667,7 +18202,7 @@
         </p:nvSpPr>
         <p:spPr>
           <a:xfrm>
-            <a:off x="457200" y="1151520"/>
+            <a:off x="457200" y="1012176"/>
             <a:ext cx="8158294" cy="2237723"/>
           </a:xfrm>
         </p:spPr>
@@ -18698,94 +18233,6 @@
           </a:p>
         </p:txBody>
       </p:sp>
-      <p:sp>
-        <p:nvSpPr>
-          <p:cNvPr id="7" name="Rectangle 6">
-            <a:extLst>
-              <a:ext uri="{FF2B5EF4-FFF2-40B4-BE49-F238E27FC236}">
-                <a16:creationId xmlns:a16="http://schemas.microsoft.com/office/drawing/2014/main" id="{25AFA8FF-B01C-534F-BB54-6F265B7644FC}"/>
-              </a:ext>
-            </a:extLst>
-          </p:cNvPr>
-          <p:cNvSpPr/>
-          <p:nvPr/>
-        </p:nvSpPr>
-        <p:spPr>
-          <a:xfrm>
-            <a:off x="0" y="4446824"/>
-            <a:ext cx="1524000" cy="556999"/>
-          </a:xfrm>
-          <a:prstGeom prst="rect">
-            <a:avLst/>
-          </a:prstGeom>
-          <a:solidFill>
-            <a:schemeClr val="bg2"/>
-          </a:solidFill>
-          <a:ln>
-            <a:noFill/>
-          </a:ln>
-        </p:spPr>
-        <p:style>
-          <a:lnRef idx="2">
-            <a:schemeClr val="accent1">
-              <a:shade val="50000"/>
-            </a:schemeClr>
-          </a:lnRef>
-          <a:fillRef idx="1">
-            <a:schemeClr val="accent1"/>
-          </a:fillRef>
-          <a:effectRef idx="0">
-            <a:schemeClr val="accent1"/>
-          </a:effectRef>
-          <a:fontRef idx="minor">
-            <a:schemeClr val="lt1"/>
-          </a:fontRef>
-        </p:style>
-        <p:txBody>
-          <a:bodyPr rtlCol="0" anchor="ctr"/>
-          <a:lstStyle/>
-          <a:p>
-            <a:pPr algn="ctr"/>
-            <a:endParaRPr lang="en-US"/>
-          </a:p>
-        </p:txBody>
-      </p:sp>
-      <p:pic>
-        <p:nvPicPr>
-          <p:cNvPr id="9" name="Picture 8" descr="A picture containing food&#10;&#10;Description automatically generated">
-            <a:extLst>
-              <a:ext uri="{FF2B5EF4-FFF2-40B4-BE49-F238E27FC236}">
-                <a16:creationId xmlns:a16="http://schemas.microsoft.com/office/drawing/2014/main" id="{F1161FB3-B95E-0746-8E8F-710773F444C6}"/>
-              </a:ext>
-            </a:extLst>
-          </p:cNvPr>
-          <p:cNvPicPr>
-            <a:picLocks noChangeAspect="1"/>
-          </p:cNvPicPr>
-          <p:nvPr/>
-        </p:nvPicPr>
-        <p:blipFill>
-          <a:blip r:embed="rId3" cstate="print">
-            <a:extLst>
-              <a:ext uri="{28A0092B-C50C-407E-A947-70E740481C1C}">
-                <a14:useLocalDpi xmlns:a14="http://schemas.microsoft.com/office/drawing/2010/main" val="0"/>
-              </a:ext>
-            </a:extLst>
-          </a:blip>
-          <a:stretch>
-            <a:fillRect/>
-          </a:stretch>
-        </p:blipFill>
-        <p:spPr>
-          <a:xfrm>
-            <a:off x="251010" y="4493208"/>
-            <a:ext cx="510990" cy="369432"/>
-          </a:xfrm>
-          <a:prstGeom prst="rect">
-            <a:avLst/>
-          </a:prstGeom>
-        </p:spPr>
-      </p:pic>
       <p:sp>
         <p:nvSpPr>
           <p:cNvPr id="10" name="Content Placeholder 2">
@@ -18802,7 +18249,7 @@
         </p:nvSpPr>
         <p:spPr bwMode="auto">
           <a:xfrm>
-            <a:off x="457200" y="2487600"/>
+            <a:off x="457200" y="2348256"/>
             <a:ext cx="8158294" cy="2237723"/>
           </a:xfrm>
           <a:prstGeom prst="rect">
@@ -19071,53 +18518,6 @@
           </a:p>
         </p:txBody>
       </p:sp>
-      <p:pic>
-        <p:nvPicPr>
-          <p:cNvPr id="11" name="Picture 10" descr="Georgetown Center for Global Health Science and Security — General ...">
-            <a:extLst>
-              <a:ext uri="{FF2B5EF4-FFF2-40B4-BE49-F238E27FC236}">
-                <a16:creationId xmlns:a16="http://schemas.microsoft.com/office/drawing/2014/main" id="{91BD8B49-B029-4541-A46E-D6AE1F3098ED}"/>
-              </a:ext>
-            </a:extLst>
-          </p:cNvPr>
-          <p:cNvPicPr>
-            <a:picLocks noChangeAspect="1" noChangeArrowheads="1"/>
-          </p:cNvPicPr>
-          <p:nvPr/>
-        </p:nvPicPr>
-        <p:blipFill>
-          <a:blip r:embed="rId4" cstate="print">
-            <a:extLst>
-              <a:ext uri="{28A0092B-C50C-407E-A947-70E740481C1C}">
-                <a14:useLocalDpi xmlns:a14="http://schemas.microsoft.com/office/drawing/2010/main" val="0"/>
-              </a:ext>
-            </a:extLst>
-          </a:blip>
-          <a:srcRect/>
-          <a:stretch>
-            <a:fillRect/>
-          </a:stretch>
-        </p:blipFill>
-        <p:spPr bwMode="auto">
-          <a:xfrm>
-            <a:off x="762000" y="4264762"/>
-            <a:ext cx="1666646" cy="886378"/>
-          </a:xfrm>
-          <a:prstGeom prst="rect">
-            <a:avLst/>
-          </a:prstGeom>
-          <a:noFill/>
-          <a:extLst>
-            <a:ext uri="{909E8E84-426E-40DD-AFC4-6F175D3DCCD1}">
-              <a14:hiddenFill xmlns:a14="http://schemas.microsoft.com/office/drawing/2010/main">
-                <a:solidFill>
-                  <a:srgbClr val="FFFFFF"/>
-                </a:solidFill>
-              </a14:hiddenFill>
-            </a:ext>
-          </a:extLst>
-        </p:spPr>
-      </p:pic>
     </p:spTree>
     <p:extLst>
       <p:ext uri="{BB962C8B-B14F-4D97-AF65-F5344CB8AC3E}">
@@ -19271,141 +18671,6 @@
           </a:p>
         </p:txBody>
       </p:sp>
-      <p:sp>
-        <p:nvSpPr>
-          <p:cNvPr id="7" name="Rectangle 6">
-            <a:extLst>
-              <a:ext uri="{FF2B5EF4-FFF2-40B4-BE49-F238E27FC236}">
-                <a16:creationId xmlns:a16="http://schemas.microsoft.com/office/drawing/2014/main" id="{25AFA8FF-B01C-534F-BB54-6F265B7644FC}"/>
-              </a:ext>
-            </a:extLst>
-          </p:cNvPr>
-          <p:cNvSpPr/>
-          <p:nvPr/>
-        </p:nvSpPr>
-        <p:spPr>
-          <a:xfrm>
-            <a:off x="0" y="4446824"/>
-            <a:ext cx="1524000" cy="556999"/>
-          </a:xfrm>
-          <a:prstGeom prst="rect">
-            <a:avLst/>
-          </a:prstGeom>
-          <a:solidFill>
-            <a:schemeClr val="bg2"/>
-          </a:solidFill>
-          <a:ln>
-            <a:noFill/>
-          </a:ln>
-        </p:spPr>
-        <p:style>
-          <a:lnRef idx="2">
-            <a:schemeClr val="accent1">
-              <a:shade val="50000"/>
-            </a:schemeClr>
-          </a:lnRef>
-          <a:fillRef idx="1">
-            <a:schemeClr val="accent1"/>
-          </a:fillRef>
-          <a:effectRef idx="0">
-            <a:schemeClr val="accent1"/>
-          </a:effectRef>
-          <a:fontRef idx="minor">
-            <a:schemeClr val="lt1"/>
-          </a:fontRef>
-        </p:style>
-        <p:txBody>
-          <a:bodyPr rtlCol="0" anchor="ctr"/>
-          <a:lstStyle/>
-          <a:p>
-            <a:pPr algn="ctr"/>
-            <a:endParaRPr lang="en-US"/>
-          </a:p>
-        </p:txBody>
-      </p:sp>
-      <p:pic>
-        <p:nvPicPr>
-          <p:cNvPr id="9" name="Picture 8" descr="A picture containing food&#10;&#10;Description automatically generated">
-            <a:extLst>
-              <a:ext uri="{FF2B5EF4-FFF2-40B4-BE49-F238E27FC236}">
-                <a16:creationId xmlns:a16="http://schemas.microsoft.com/office/drawing/2014/main" id="{F1161FB3-B95E-0746-8E8F-710773F444C6}"/>
-              </a:ext>
-            </a:extLst>
-          </p:cNvPr>
-          <p:cNvPicPr>
-            <a:picLocks noChangeAspect="1"/>
-          </p:cNvPicPr>
-          <p:nvPr/>
-        </p:nvPicPr>
-        <p:blipFill>
-          <a:blip r:embed="rId3" cstate="print">
-            <a:extLst>
-              <a:ext uri="{28A0092B-C50C-407E-A947-70E740481C1C}">
-                <a14:useLocalDpi xmlns:a14="http://schemas.microsoft.com/office/drawing/2010/main" val="0"/>
-              </a:ext>
-            </a:extLst>
-          </a:blip>
-          <a:stretch>
-            <a:fillRect/>
-          </a:stretch>
-        </p:blipFill>
-        <p:spPr>
-          <a:xfrm>
-            <a:off x="251010" y="4493208"/>
-            <a:ext cx="510990" cy="369432"/>
-          </a:xfrm>
-          <a:prstGeom prst="rect">
-            <a:avLst/>
-          </a:prstGeom>
-        </p:spPr>
-      </p:pic>
-      <p:pic>
-        <p:nvPicPr>
-          <p:cNvPr id="10" name="Picture 9" descr="Georgetown Center for Global Health Science and Security — General ...">
-            <a:extLst>
-              <a:ext uri="{FF2B5EF4-FFF2-40B4-BE49-F238E27FC236}">
-                <a16:creationId xmlns:a16="http://schemas.microsoft.com/office/drawing/2014/main" id="{A148EB6B-2243-49FF-B52D-A2C9B58ED57F}"/>
-              </a:ext>
-            </a:extLst>
-          </p:cNvPr>
-          <p:cNvPicPr>
-            <a:picLocks noChangeAspect="1" noChangeArrowheads="1"/>
-          </p:cNvPicPr>
-          <p:nvPr/>
-        </p:nvPicPr>
-        <p:blipFill>
-          <a:blip r:embed="rId4" cstate="print">
-            <a:extLst>
-              <a:ext uri="{28A0092B-C50C-407E-A947-70E740481C1C}">
-                <a14:useLocalDpi xmlns:a14="http://schemas.microsoft.com/office/drawing/2010/main" val="0"/>
-              </a:ext>
-            </a:extLst>
-          </a:blip>
-          <a:srcRect/>
-          <a:stretch>
-            <a:fillRect/>
-          </a:stretch>
-        </p:blipFill>
-        <p:spPr bwMode="auto">
-          <a:xfrm>
-            <a:off x="762000" y="4264762"/>
-            <a:ext cx="1666646" cy="886378"/>
-          </a:xfrm>
-          <a:prstGeom prst="rect">
-            <a:avLst/>
-          </a:prstGeom>
-          <a:noFill/>
-          <a:extLst>
-            <a:ext uri="{909E8E84-426E-40DD-AFC4-6F175D3DCCD1}">
-              <a14:hiddenFill xmlns:a14="http://schemas.microsoft.com/office/drawing/2010/main">
-                <a:solidFill>
-                  <a:srgbClr val="FFFFFF"/>
-                </a:solidFill>
-              </a14:hiddenFill>
-            </a:ext>
-          </a:extLst>
-        </p:spPr>
-      </p:pic>
     </p:spTree>
     <p:extLst>
       <p:ext uri="{BB962C8B-B14F-4D97-AF65-F5344CB8AC3E}">
@@ -19559,141 +18824,6 @@
           </a:p>
         </p:txBody>
       </p:sp>
-      <p:sp>
-        <p:nvSpPr>
-          <p:cNvPr id="7" name="Rectangle 6">
-            <a:extLst>
-              <a:ext uri="{FF2B5EF4-FFF2-40B4-BE49-F238E27FC236}">
-                <a16:creationId xmlns:a16="http://schemas.microsoft.com/office/drawing/2014/main" id="{25AFA8FF-B01C-534F-BB54-6F265B7644FC}"/>
-              </a:ext>
-            </a:extLst>
-          </p:cNvPr>
-          <p:cNvSpPr/>
-          <p:nvPr/>
-        </p:nvSpPr>
-        <p:spPr>
-          <a:xfrm>
-            <a:off x="0" y="4446824"/>
-            <a:ext cx="1524000" cy="556999"/>
-          </a:xfrm>
-          <a:prstGeom prst="rect">
-            <a:avLst/>
-          </a:prstGeom>
-          <a:solidFill>
-            <a:schemeClr val="bg2"/>
-          </a:solidFill>
-          <a:ln>
-            <a:noFill/>
-          </a:ln>
-        </p:spPr>
-        <p:style>
-          <a:lnRef idx="2">
-            <a:schemeClr val="accent1">
-              <a:shade val="50000"/>
-            </a:schemeClr>
-          </a:lnRef>
-          <a:fillRef idx="1">
-            <a:schemeClr val="accent1"/>
-          </a:fillRef>
-          <a:effectRef idx="0">
-            <a:schemeClr val="accent1"/>
-          </a:effectRef>
-          <a:fontRef idx="minor">
-            <a:schemeClr val="lt1"/>
-          </a:fontRef>
-        </p:style>
-        <p:txBody>
-          <a:bodyPr rtlCol="0" anchor="ctr"/>
-          <a:lstStyle/>
-          <a:p>
-            <a:pPr algn="ctr"/>
-            <a:endParaRPr lang="en-US"/>
-          </a:p>
-        </p:txBody>
-      </p:sp>
-      <p:pic>
-        <p:nvPicPr>
-          <p:cNvPr id="9" name="Picture 8" descr="A picture containing food&#10;&#10;Description automatically generated">
-            <a:extLst>
-              <a:ext uri="{FF2B5EF4-FFF2-40B4-BE49-F238E27FC236}">
-                <a16:creationId xmlns:a16="http://schemas.microsoft.com/office/drawing/2014/main" id="{F1161FB3-B95E-0746-8E8F-710773F444C6}"/>
-              </a:ext>
-            </a:extLst>
-          </p:cNvPr>
-          <p:cNvPicPr>
-            <a:picLocks noChangeAspect="1"/>
-          </p:cNvPicPr>
-          <p:nvPr/>
-        </p:nvPicPr>
-        <p:blipFill>
-          <a:blip r:embed="rId3" cstate="print">
-            <a:extLst>
-              <a:ext uri="{28A0092B-C50C-407E-A947-70E740481C1C}">
-                <a14:useLocalDpi xmlns:a14="http://schemas.microsoft.com/office/drawing/2010/main" val="0"/>
-              </a:ext>
-            </a:extLst>
-          </a:blip>
-          <a:stretch>
-            <a:fillRect/>
-          </a:stretch>
-        </p:blipFill>
-        <p:spPr>
-          <a:xfrm>
-            <a:off x="251010" y="4493208"/>
-            <a:ext cx="510990" cy="369432"/>
-          </a:xfrm>
-          <a:prstGeom prst="rect">
-            <a:avLst/>
-          </a:prstGeom>
-        </p:spPr>
-      </p:pic>
-      <p:pic>
-        <p:nvPicPr>
-          <p:cNvPr id="10" name="Picture 9" descr="Georgetown Center for Global Health Science and Security — General ...">
-            <a:extLst>
-              <a:ext uri="{FF2B5EF4-FFF2-40B4-BE49-F238E27FC236}">
-                <a16:creationId xmlns:a16="http://schemas.microsoft.com/office/drawing/2014/main" id="{9EFE80E0-5F01-427D-B585-B0D9D8AB2F02}"/>
-              </a:ext>
-            </a:extLst>
-          </p:cNvPr>
-          <p:cNvPicPr>
-            <a:picLocks noChangeAspect="1" noChangeArrowheads="1"/>
-          </p:cNvPicPr>
-          <p:nvPr/>
-        </p:nvPicPr>
-        <p:blipFill>
-          <a:blip r:embed="rId4" cstate="print">
-            <a:extLst>
-              <a:ext uri="{28A0092B-C50C-407E-A947-70E740481C1C}">
-                <a14:useLocalDpi xmlns:a14="http://schemas.microsoft.com/office/drawing/2010/main" val="0"/>
-              </a:ext>
-            </a:extLst>
-          </a:blip>
-          <a:srcRect/>
-          <a:stretch>
-            <a:fillRect/>
-          </a:stretch>
-        </p:blipFill>
-        <p:spPr bwMode="auto">
-          <a:xfrm>
-            <a:off x="762000" y="4264762"/>
-            <a:ext cx="1666646" cy="886378"/>
-          </a:xfrm>
-          <a:prstGeom prst="rect">
-            <a:avLst/>
-          </a:prstGeom>
-          <a:noFill/>
-          <a:extLst>
-            <a:ext uri="{909E8E84-426E-40DD-AFC4-6F175D3DCCD1}">
-              <a14:hiddenFill xmlns:a14="http://schemas.microsoft.com/office/drawing/2010/main">
-                <a:solidFill>
-                  <a:srgbClr val="FFFFFF"/>
-                </a:solidFill>
-              </a14:hiddenFill>
-            </a:ext>
-          </a:extLst>
-        </p:spPr>
-      </p:pic>
     </p:spTree>
     <p:extLst>
       <p:ext uri="{BB962C8B-B14F-4D97-AF65-F5344CB8AC3E}">
@@ -19819,141 +18949,6 @@
           </a:p>
         </p:txBody>
       </p:sp>
-      <p:sp>
-        <p:nvSpPr>
-          <p:cNvPr id="7" name="Rectangle 6">
-            <a:extLst>
-              <a:ext uri="{FF2B5EF4-FFF2-40B4-BE49-F238E27FC236}">
-                <a16:creationId xmlns:a16="http://schemas.microsoft.com/office/drawing/2014/main" id="{25AFA8FF-B01C-534F-BB54-6F265B7644FC}"/>
-              </a:ext>
-            </a:extLst>
-          </p:cNvPr>
-          <p:cNvSpPr/>
-          <p:nvPr/>
-        </p:nvSpPr>
-        <p:spPr>
-          <a:xfrm>
-            <a:off x="0" y="4446824"/>
-            <a:ext cx="1524000" cy="556999"/>
-          </a:xfrm>
-          <a:prstGeom prst="rect">
-            <a:avLst/>
-          </a:prstGeom>
-          <a:solidFill>
-            <a:schemeClr val="bg2"/>
-          </a:solidFill>
-          <a:ln>
-            <a:noFill/>
-          </a:ln>
-        </p:spPr>
-        <p:style>
-          <a:lnRef idx="2">
-            <a:schemeClr val="accent1">
-              <a:shade val="50000"/>
-            </a:schemeClr>
-          </a:lnRef>
-          <a:fillRef idx="1">
-            <a:schemeClr val="accent1"/>
-          </a:fillRef>
-          <a:effectRef idx="0">
-            <a:schemeClr val="accent1"/>
-          </a:effectRef>
-          <a:fontRef idx="minor">
-            <a:schemeClr val="lt1"/>
-          </a:fontRef>
-        </p:style>
-        <p:txBody>
-          <a:bodyPr rtlCol="0" anchor="ctr"/>
-          <a:lstStyle/>
-          <a:p>
-            <a:pPr algn="ctr"/>
-            <a:endParaRPr lang="en-US"/>
-          </a:p>
-        </p:txBody>
-      </p:sp>
-      <p:pic>
-        <p:nvPicPr>
-          <p:cNvPr id="9" name="Picture 8" descr="A picture containing food&#10;&#10;Description automatically generated">
-            <a:extLst>
-              <a:ext uri="{FF2B5EF4-FFF2-40B4-BE49-F238E27FC236}">
-                <a16:creationId xmlns:a16="http://schemas.microsoft.com/office/drawing/2014/main" id="{F1161FB3-B95E-0746-8E8F-710773F444C6}"/>
-              </a:ext>
-            </a:extLst>
-          </p:cNvPr>
-          <p:cNvPicPr>
-            <a:picLocks noChangeAspect="1"/>
-          </p:cNvPicPr>
-          <p:nvPr/>
-        </p:nvPicPr>
-        <p:blipFill>
-          <a:blip r:embed="rId3" cstate="print">
-            <a:extLst>
-              <a:ext uri="{28A0092B-C50C-407E-A947-70E740481C1C}">
-                <a14:useLocalDpi xmlns:a14="http://schemas.microsoft.com/office/drawing/2010/main" val="0"/>
-              </a:ext>
-            </a:extLst>
-          </a:blip>
-          <a:stretch>
-            <a:fillRect/>
-          </a:stretch>
-        </p:blipFill>
-        <p:spPr>
-          <a:xfrm>
-            <a:off x="251010" y="4493208"/>
-            <a:ext cx="510990" cy="369432"/>
-          </a:xfrm>
-          <a:prstGeom prst="rect">
-            <a:avLst/>
-          </a:prstGeom>
-        </p:spPr>
-      </p:pic>
-      <p:pic>
-        <p:nvPicPr>
-          <p:cNvPr id="10" name="Picture 9" descr="Georgetown Center for Global Health Science and Security — General ...">
-            <a:extLst>
-              <a:ext uri="{FF2B5EF4-FFF2-40B4-BE49-F238E27FC236}">
-                <a16:creationId xmlns:a16="http://schemas.microsoft.com/office/drawing/2014/main" id="{6B5B8CE9-AB07-448A-82E0-FE78DD335667}"/>
-              </a:ext>
-            </a:extLst>
-          </p:cNvPr>
-          <p:cNvPicPr>
-            <a:picLocks noChangeAspect="1" noChangeArrowheads="1"/>
-          </p:cNvPicPr>
-          <p:nvPr/>
-        </p:nvPicPr>
-        <p:blipFill>
-          <a:blip r:embed="rId4" cstate="print">
-            <a:extLst>
-              <a:ext uri="{28A0092B-C50C-407E-A947-70E740481C1C}">
-                <a14:useLocalDpi xmlns:a14="http://schemas.microsoft.com/office/drawing/2010/main" val="0"/>
-              </a:ext>
-            </a:extLst>
-          </a:blip>
-          <a:srcRect/>
-          <a:stretch>
-            <a:fillRect/>
-          </a:stretch>
-        </p:blipFill>
-        <p:spPr bwMode="auto">
-          <a:xfrm>
-            <a:off x="762000" y="4264762"/>
-            <a:ext cx="1666646" cy="886378"/>
-          </a:xfrm>
-          <a:prstGeom prst="rect">
-            <a:avLst/>
-          </a:prstGeom>
-          <a:noFill/>
-          <a:extLst>
-            <a:ext uri="{909E8E84-426E-40DD-AFC4-6F175D3DCCD1}">
-              <a14:hiddenFill xmlns:a14="http://schemas.microsoft.com/office/drawing/2010/main">
-                <a:solidFill>
-                  <a:srgbClr val="FFFFFF"/>
-                </a:solidFill>
-              </a14:hiddenFill>
-            </a:ext>
-          </a:extLst>
-        </p:spPr>
-      </p:pic>
     </p:spTree>
     <p:extLst>
       <p:ext uri="{BB962C8B-B14F-4D97-AF65-F5344CB8AC3E}">
@@ -20067,141 +19062,6 @@
           </a:p>
         </p:txBody>
       </p:sp>
-      <p:sp>
-        <p:nvSpPr>
-          <p:cNvPr id="7" name="Rectangle 6">
-            <a:extLst>
-              <a:ext uri="{FF2B5EF4-FFF2-40B4-BE49-F238E27FC236}">
-                <a16:creationId xmlns:a16="http://schemas.microsoft.com/office/drawing/2014/main" id="{25AFA8FF-B01C-534F-BB54-6F265B7644FC}"/>
-              </a:ext>
-            </a:extLst>
-          </p:cNvPr>
-          <p:cNvSpPr/>
-          <p:nvPr/>
-        </p:nvSpPr>
-        <p:spPr>
-          <a:xfrm>
-            <a:off x="0" y="4446824"/>
-            <a:ext cx="1524000" cy="556999"/>
-          </a:xfrm>
-          <a:prstGeom prst="rect">
-            <a:avLst/>
-          </a:prstGeom>
-          <a:solidFill>
-            <a:schemeClr val="bg2"/>
-          </a:solidFill>
-          <a:ln>
-            <a:noFill/>
-          </a:ln>
-        </p:spPr>
-        <p:style>
-          <a:lnRef idx="2">
-            <a:schemeClr val="accent1">
-              <a:shade val="50000"/>
-            </a:schemeClr>
-          </a:lnRef>
-          <a:fillRef idx="1">
-            <a:schemeClr val="accent1"/>
-          </a:fillRef>
-          <a:effectRef idx="0">
-            <a:schemeClr val="accent1"/>
-          </a:effectRef>
-          <a:fontRef idx="minor">
-            <a:schemeClr val="lt1"/>
-          </a:fontRef>
-        </p:style>
-        <p:txBody>
-          <a:bodyPr rtlCol="0" anchor="ctr"/>
-          <a:lstStyle/>
-          <a:p>
-            <a:pPr algn="ctr"/>
-            <a:endParaRPr lang="en-US"/>
-          </a:p>
-        </p:txBody>
-      </p:sp>
-      <p:pic>
-        <p:nvPicPr>
-          <p:cNvPr id="9" name="Picture 8" descr="A picture containing food&#10;&#10;Description automatically generated">
-            <a:extLst>
-              <a:ext uri="{FF2B5EF4-FFF2-40B4-BE49-F238E27FC236}">
-                <a16:creationId xmlns:a16="http://schemas.microsoft.com/office/drawing/2014/main" id="{F1161FB3-B95E-0746-8E8F-710773F444C6}"/>
-              </a:ext>
-            </a:extLst>
-          </p:cNvPr>
-          <p:cNvPicPr>
-            <a:picLocks noChangeAspect="1"/>
-          </p:cNvPicPr>
-          <p:nvPr/>
-        </p:nvPicPr>
-        <p:blipFill>
-          <a:blip r:embed="rId3" cstate="print">
-            <a:extLst>
-              <a:ext uri="{28A0092B-C50C-407E-A947-70E740481C1C}">
-                <a14:useLocalDpi xmlns:a14="http://schemas.microsoft.com/office/drawing/2010/main" val="0"/>
-              </a:ext>
-            </a:extLst>
-          </a:blip>
-          <a:stretch>
-            <a:fillRect/>
-          </a:stretch>
-        </p:blipFill>
-        <p:spPr>
-          <a:xfrm>
-            <a:off x="251010" y="4493208"/>
-            <a:ext cx="510990" cy="369432"/>
-          </a:xfrm>
-          <a:prstGeom prst="rect">
-            <a:avLst/>
-          </a:prstGeom>
-        </p:spPr>
-      </p:pic>
-      <p:pic>
-        <p:nvPicPr>
-          <p:cNvPr id="10" name="Picture 9" descr="Georgetown Center for Global Health Science and Security — General ...">
-            <a:extLst>
-              <a:ext uri="{FF2B5EF4-FFF2-40B4-BE49-F238E27FC236}">
-                <a16:creationId xmlns:a16="http://schemas.microsoft.com/office/drawing/2014/main" id="{7C3C6FAE-873C-4BCF-B625-7250EFF2A1A8}"/>
-              </a:ext>
-            </a:extLst>
-          </p:cNvPr>
-          <p:cNvPicPr>
-            <a:picLocks noChangeAspect="1" noChangeArrowheads="1"/>
-          </p:cNvPicPr>
-          <p:nvPr/>
-        </p:nvPicPr>
-        <p:blipFill>
-          <a:blip r:embed="rId4" cstate="print">
-            <a:extLst>
-              <a:ext uri="{28A0092B-C50C-407E-A947-70E740481C1C}">
-                <a14:useLocalDpi xmlns:a14="http://schemas.microsoft.com/office/drawing/2010/main" val="0"/>
-              </a:ext>
-            </a:extLst>
-          </a:blip>
-          <a:srcRect/>
-          <a:stretch>
-            <a:fillRect/>
-          </a:stretch>
-        </p:blipFill>
-        <p:spPr bwMode="auto">
-          <a:xfrm>
-            <a:off x="762000" y="4264762"/>
-            <a:ext cx="1666646" cy="886378"/>
-          </a:xfrm>
-          <a:prstGeom prst="rect">
-            <a:avLst/>
-          </a:prstGeom>
-          <a:noFill/>
-          <a:extLst>
-            <a:ext uri="{909E8E84-426E-40DD-AFC4-6F175D3DCCD1}">
-              <a14:hiddenFill xmlns:a14="http://schemas.microsoft.com/office/drawing/2010/main">
-                <a:solidFill>
-                  <a:srgbClr val="FFFFFF"/>
-                </a:solidFill>
-              </a14:hiddenFill>
-            </a:ext>
-          </a:extLst>
-        </p:spPr>
-      </p:pic>
     </p:spTree>
     <p:extLst>
       <p:ext uri="{BB962C8B-B14F-4D97-AF65-F5344CB8AC3E}">
@@ -20269,7 +19129,7 @@
         </p:nvSpPr>
         <p:spPr>
           <a:xfrm>
-            <a:off x="457200" y="1151520"/>
+            <a:off x="457200" y="1107975"/>
             <a:ext cx="8158294" cy="3341688"/>
           </a:xfrm>
         </p:spPr>
@@ -20369,159 +19229,8 @@
             </a:pPr>
             <a:endParaRPr lang="en-US" dirty="0"/>
           </a:p>
-          <a:p>
-            <a:pPr>
-              <a:buClr>
-                <a:srgbClr val="006A71"/>
-              </a:buClr>
-            </a:pPr>
-            <a:endParaRPr lang="en-US" dirty="0"/>
-          </a:p>
-          <a:p>
-            <a:pPr>
-              <a:buClr>
-                <a:srgbClr val="006A71"/>
-              </a:buClr>
-            </a:pPr>
-            <a:endParaRPr lang="en-US" dirty="0"/>
-          </a:p>
         </p:txBody>
       </p:sp>
-      <p:sp>
-        <p:nvSpPr>
-          <p:cNvPr id="7" name="Rectangle 6">
-            <a:extLst>
-              <a:ext uri="{FF2B5EF4-FFF2-40B4-BE49-F238E27FC236}">
-                <a16:creationId xmlns:a16="http://schemas.microsoft.com/office/drawing/2014/main" id="{25AFA8FF-B01C-534F-BB54-6F265B7644FC}"/>
-              </a:ext>
-            </a:extLst>
-          </p:cNvPr>
-          <p:cNvSpPr/>
-          <p:nvPr/>
-        </p:nvSpPr>
-        <p:spPr>
-          <a:xfrm>
-            <a:off x="0" y="4446824"/>
-            <a:ext cx="1524000" cy="556999"/>
-          </a:xfrm>
-          <a:prstGeom prst="rect">
-            <a:avLst/>
-          </a:prstGeom>
-          <a:solidFill>
-            <a:schemeClr val="bg2"/>
-          </a:solidFill>
-          <a:ln>
-            <a:noFill/>
-          </a:ln>
-        </p:spPr>
-        <p:style>
-          <a:lnRef idx="2">
-            <a:schemeClr val="accent1">
-              <a:shade val="50000"/>
-            </a:schemeClr>
-          </a:lnRef>
-          <a:fillRef idx="1">
-            <a:schemeClr val="accent1"/>
-          </a:fillRef>
-          <a:effectRef idx="0">
-            <a:schemeClr val="accent1"/>
-          </a:effectRef>
-          <a:fontRef idx="minor">
-            <a:schemeClr val="lt1"/>
-          </a:fontRef>
-        </p:style>
-        <p:txBody>
-          <a:bodyPr rtlCol="0" anchor="ctr"/>
-          <a:lstStyle/>
-          <a:p>
-            <a:pPr algn="ctr"/>
-            <a:endParaRPr lang="en-US"/>
-          </a:p>
-        </p:txBody>
-      </p:sp>
-      <p:pic>
-        <p:nvPicPr>
-          <p:cNvPr id="9" name="Picture 8" descr="A picture containing food&#10;&#10;Description automatically generated">
-            <a:extLst>
-              <a:ext uri="{FF2B5EF4-FFF2-40B4-BE49-F238E27FC236}">
-                <a16:creationId xmlns:a16="http://schemas.microsoft.com/office/drawing/2014/main" id="{F1161FB3-B95E-0746-8E8F-710773F444C6}"/>
-              </a:ext>
-            </a:extLst>
-          </p:cNvPr>
-          <p:cNvPicPr>
-            <a:picLocks noChangeAspect="1"/>
-          </p:cNvPicPr>
-          <p:nvPr/>
-        </p:nvPicPr>
-        <p:blipFill>
-          <a:blip r:embed="rId3" cstate="print">
-            <a:extLst>
-              <a:ext uri="{28A0092B-C50C-407E-A947-70E740481C1C}">
-                <a14:useLocalDpi xmlns:a14="http://schemas.microsoft.com/office/drawing/2010/main" val="0"/>
-              </a:ext>
-            </a:extLst>
-          </a:blip>
-          <a:stretch>
-            <a:fillRect/>
-          </a:stretch>
-        </p:blipFill>
-        <p:spPr>
-          <a:xfrm>
-            <a:off x="251010" y="4493208"/>
-            <a:ext cx="510990" cy="369432"/>
-          </a:xfrm>
-          <a:prstGeom prst="rect">
-            <a:avLst/>
-          </a:prstGeom>
-        </p:spPr>
-      </p:pic>
-      <p:pic>
-        <p:nvPicPr>
-          <p:cNvPr id="10" name="Picture 9" descr="Georgetown Center for Global Health Science and Security — General ...">
-            <a:extLst>
-              <a:ext uri="{FF2B5EF4-FFF2-40B4-BE49-F238E27FC236}">
-                <a16:creationId xmlns:a16="http://schemas.microsoft.com/office/drawing/2014/main" id="{14B13273-68F3-4567-B7D6-50CF45A18E0C}"/>
-              </a:ext>
-            </a:extLst>
-          </p:cNvPr>
-          <p:cNvPicPr>
-            <a:picLocks noChangeAspect="1" noChangeArrowheads="1"/>
-          </p:cNvPicPr>
-          <p:nvPr/>
-        </p:nvPicPr>
-        <p:blipFill>
-          <a:blip r:embed="rId4" cstate="print">
-            <a:extLst>
-              <a:ext uri="{28A0092B-C50C-407E-A947-70E740481C1C}">
-                <a14:useLocalDpi xmlns:a14="http://schemas.microsoft.com/office/drawing/2010/main" val="0"/>
-              </a:ext>
-            </a:extLst>
-          </a:blip>
-          <a:srcRect/>
-          <a:stretch>
-            <a:fillRect/>
-          </a:stretch>
-        </p:blipFill>
-        <p:spPr bwMode="auto">
-          <a:xfrm>
-            <a:off x="762000" y="4264762"/>
-            <a:ext cx="1666646" cy="886378"/>
-          </a:xfrm>
-          <a:prstGeom prst="rect">
-            <a:avLst/>
-          </a:prstGeom>
-          <a:noFill/>
-          <a:extLst>
-            <a:ext uri="{909E8E84-426E-40DD-AFC4-6F175D3DCCD1}">
-              <a14:hiddenFill xmlns:a14="http://schemas.microsoft.com/office/drawing/2010/main">
-                <a:solidFill>
-                  <a:srgbClr val="FFFFFF"/>
-                </a:solidFill>
-              </a14:hiddenFill>
-            </a:ext>
-          </a:extLst>
-        </p:spPr>
-      </p:pic>
     </p:spTree>
     <p:extLst>
       <p:ext uri="{BB962C8B-B14F-4D97-AF65-F5344CB8AC3E}">
@@ -20654,15 +19363,6 @@
               <a:rPr lang="en-US" sz="1800" i="1" dirty="0"/>
               <a:t>Handbook for Developing a Public Health Emergency Operations Centre Part C: Training and Exercises</a:t>
             </a:r>
-            <a:endParaRPr lang="en-US" sz="1800" dirty="0"/>
-          </a:p>
-          <a:p>
-            <a:pPr marL="0" indent="0">
-              <a:buClr>
-                <a:srgbClr val="006A71"/>
-              </a:buClr>
-              <a:buNone/>
-            </a:pPr>
             <a:endParaRPr lang="en-US" sz="1900" dirty="0"/>
           </a:p>
           <a:p>
@@ -20673,151 +19373,8 @@
             </a:pPr>
             <a:endParaRPr lang="en-US" sz="1900" dirty="0"/>
           </a:p>
-          <a:p>
-            <a:pPr>
-              <a:buClr>
-                <a:srgbClr val="006A71"/>
-              </a:buClr>
-            </a:pPr>
-            <a:endParaRPr lang="en-US" sz="1900" dirty="0"/>
-          </a:p>
         </p:txBody>
       </p:sp>
-      <p:sp>
-        <p:nvSpPr>
-          <p:cNvPr id="7" name="Rectangle 6">
-            <a:extLst>
-              <a:ext uri="{FF2B5EF4-FFF2-40B4-BE49-F238E27FC236}">
-                <a16:creationId xmlns:a16="http://schemas.microsoft.com/office/drawing/2014/main" id="{25AFA8FF-B01C-534F-BB54-6F265B7644FC}"/>
-              </a:ext>
-            </a:extLst>
-          </p:cNvPr>
-          <p:cNvSpPr/>
-          <p:nvPr/>
-        </p:nvSpPr>
-        <p:spPr>
-          <a:xfrm>
-            <a:off x="0" y="4446824"/>
-            <a:ext cx="1524000" cy="556999"/>
-          </a:xfrm>
-          <a:prstGeom prst="rect">
-            <a:avLst/>
-          </a:prstGeom>
-          <a:solidFill>
-            <a:schemeClr val="bg2"/>
-          </a:solidFill>
-          <a:ln>
-            <a:noFill/>
-          </a:ln>
-        </p:spPr>
-        <p:style>
-          <a:lnRef idx="2">
-            <a:schemeClr val="accent1">
-              <a:shade val="50000"/>
-            </a:schemeClr>
-          </a:lnRef>
-          <a:fillRef idx="1">
-            <a:schemeClr val="accent1"/>
-          </a:fillRef>
-          <a:effectRef idx="0">
-            <a:schemeClr val="accent1"/>
-          </a:effectRef>
-          <a:fontRef idx="minor">
-            <a:schemeClr val="lt1"/>
-          </a:fontRef>
-        </p:style>
-        <p:txBody>
-          <a:bodyPr rtlCol="0" anchor="ctr"/>
-          <a:lstStyle/>
-          <a:p>
-            <a:pPr algn="ctr"/>
-            <a:endParaRPr lang="en-US"/>
-          </a:p>
-        </p:txBody>
-      </p:sp>
-      <p:pic>
-        <p:nvPicPr>
-          <p:cNvPr id="9" name="Picture 8" descr="A picture containing food&#10;&#10;Description automatically generated">
-            <a:extLst>
-              <a:ext uri="{FF2B5EF4-FFF2-40B4-BE49-F238E27FC236}">
-                <a16:creationId xmlns:a16="http://schemas.microsoft.com/office/drawing/2014/main" id="{F1161FB3-B95E-0746-8E8F-710773F444C6}"/>
-              </a:ext>
-            </a:extLst>
-          </p:cNvPr>
-          <p:cNvPicPr>
-            <a:picLocks noChangeAspect="1"/>
-          </p:cNvPicPr>
-          <p:nvPr/>
-        </p:nvPicPr>
-        <p:blipFill>
-          <a:blip r:embed="rId3" cstate="print">
-            <a:extLst>
-              <a:ext uri="{28A0092B-C50C-407E-A947-70E740481C1C}">
-                <a14:useLocalDpi xmlns:a14="http://schemas.microsoft.com/office/drawing/2010/main" val="0"/>
-              </a:ext>
-            </a:extLst>
-          </a:blip>
-          <a:stretch>
-            <a:fillRect/>
-          </a:stretch>
-        </p:blipFill>
-        <p:spPr>
-          <a:xfrm>
-            <a:off x="251010" y="4493208"/>
-            <a:ext cx="510990" cy="369432"/>
-          </a:xfrm>
-          <a:prstGeom prst="rect">
-            <a:avLst/>
-          </a:prstGeom>
-        </p:spPr>
-      </p:pic>
-      <p:pic>
-        <p:nvPicPr>
-          <p:cNvPr id="10" name="Picture 9" descr="Georgetown Center for Global Health Science and Security — General ...">
-            <a:extLst>
-              <a:ext uri="{FF2B5EF4-FFF2-40B4-BE49-F238E27FC236}">
-                <a16:creationId xmlns:a16="http://schemas.microsoft.com/office/drawing/2014/main" id="{4BB40C7C-BFD9-4950-8976-CB0BEE7755C4}"/>
-              </a:ext>
-            </a:extLst>
-          </p:cNvPr>
-          <p:cNvPicPr>
-            <a:picLocks noChangeAspect="1" noChangeArrowheads="1"/>
-          </p:cNvPicPr>
-          <p:nvPr/>
-        </p:nvPicPr>
-        <p:blipFill>
-          <a:blip r:embed="rId4" cstate="print">
-            <a:extLst>
-              <a:ext uri="{28A0092B-C50C-407E-A947-70E740481C1C}">
-                <a14:useLocalDpi xmlns:a14="http://schemas.microsoft.com/office/drawing/2010/main" val="0"/>
-              </a:ext>
-            </a:extLst>
-          </a:blip>
-          <a:srcRect/>
-          <a:stretch>
-            <a:fillRect/>
-          </a:stretch>
-        </p:blipFill>
-        <p:spPr bwMode="auto">
-          <a:xfrm>
-            <a:off x="762000" y="4264762"/>
-            <a:ext cx="1666646" cy="886378"/>
-          </a:xfrm>
-          <a:prstGeom prst="rect">
-            <a:avLst/>
-          </a:prstGeom>
-          <a:noFill/>
-          <a:extLst>
-            <a:ext uri="{909E8E84-426E-40DD-AFC4-6F175D3DCCD1}">
-              <a14:hiddenFill xmlns:a14="http://schemas.microsoft.com/office/drawing/2010/main">
-                <a:solidFill>
-                  <a:srgbClr val="FFFFFF"/>
-                </a:solidFill>
-              </a14:hiddenFill>
-            </a:ext>
-          </a:extLst>
-        </p:spPr>
-      </p:pic>
     </p:spTree>
     <p:extLst>
       <p:ext uri="{BB962C8B-B14F-4D97-AF65-F5344CB8AC3E}">
@@ -20977,141 +19534,6 @@
           </a:p>
         </p:txBody>
       </p:sp>
-      <p:sp>
-        <p:nvSpPr>
-          <p:cNvPr id="7" name="Rectangle 6">
-            <a:extLst>
-              <a:ext uri="{FF2B5EF4-FFF2-40B4-BE49-F238E27FC236}">
-                <a16:creationId xmlns:a16="http://schemas.microsoft.com/office/drawing/2014/main" id="{25AFA8FF-B01C-534F-BB54-6F265B7644FC}"/>
-              </a:ext>
-            </a:extLst>
-          </p:cNvPr>
-          <p:cNvSpPr/>
-          <p:nvPr/>
-        </p:nvSpPr>
-        <p:spPr>
-          <a:xfrm>
-            <a:off x="0" y="4446824"/>
-            <a:ext cx="1524000" cy="556999"/>
-          </a:xfrm>
-          <a:prstGeom prst="rect">
-            <a:avLst/>
-          </a:prstGeom>
-          <a:solidFill>
-            <a:schemeClr val="bg2"/>
-          </a:solidFill>
-          <a:ln>
-            <a:noFill/>
-          </a:ln>
-        </p:spPr>
-        <p:style>
-          <a:lnRef idx="2">
-            <a:schemeClr val="accent1">
-              <a:shade val="50000"/>
-            </a:schemeClr>
-          </a:lnRef>
-          <a:fillRef idx="1">
-            <a:schemeClr val="accent1"/>
-          </a:fillRef>
-          <a:effectRef idx="0">
-            <a:schemeClr val="accent1"/>
-          </a:effectRef>
-          <a:fontRef idx="minor">
-            <a:schemeClr val="lt1"/>
-          </a:fontRef>
-        </p:style>
-        <p:txBody>
-          <a:bodyPr rtlCol="0" anchor="ctr"/>
-          <a:lstStyle/>
-          <a:p>
-            <a:pPr algn="ctr"/>
-            <a:endParaRPr lang="en-US"/>
-          </a:p>
-        </p:txBody>
-      </p:sp>
-      <p:pic>
-        <p:nvPicPr>
-          <p:cNvPr id="9" name="Picture 8" descr="A picture containing food&#10;&#10;Description automatically generated">
-            <a:extLst>
-              <a:ext uri="{FF2B5EF4-FFF2-40B4-BE49-F238E27FC236}">
-                <a16:creationId xmlns:a16="http://schemas.microsoft.com/office/drawing/2014/main" id="{F1161FB3-B95E-0746-8E8F-710773F444C6}"/>
-              </a:ext>
-            </a:extLst>
-          </p:cNvPr>
-          <p:cNvPicPr>
-            <a:picLocks noChangeAspect="1"/>
-          </p:cNvPicPr>
-          <p:nvPr/>
-        </p:nvPicPr>
-        <p:blipFill>
-          <a:blip r:embed="rId3" cstate="print">
-            <a:extLst>
-              <a:ext uri="{28A0092B-C50C-407E-A947-70E740481C1C}">
-                <a14:useLocalDpi xmlns:a14="http://schemas.microsoft.com/office/drawing/2010/main" val="0"/>
-              </a:ext>
-            </a:extLst>
-          </a:blip>
-          <a:stretch>
-            <a:fillRect/>
-          </a:stretch>
-        </p:blipFill>
-        <p:spPr>
-          <a:xfrm>
-            <a:off x="251010" y="4493208"/>
-            <a:ext cx="510990" cy="369432"/>
-          </a:xfrm>
-          <a:prstGeom prst="rect">
-            <a:avLst/>
-          </a:prstGeom>
-        </p:spPr>
-      </p:pic>
-      <p:pic>
-        <p:nvPicPr>
-          <p:cNvPr id="10" name="Picture 9" descr="Georgetown Center for Global Health Science and Security — General ...">
-            <a:extLst>
-              <a:ext uri="{FF2B5EF4-FFF2-40B4-BE49-F238E27FC236}">
-                <a16:creationId xmlns:a16="http://schemas.microsoft.com/office/drawing/2014/main" id="{89B84C45-03DB-4BF3-8C7C-11D283B12D47}"/>
-              </a:ext>
-            </a:extLst>
-          </p:cNvPr>
-          <p:cNvPicPr>
-            <a:picLocks noChangeAspect="1" noChangeArrowheads="1"/>
-          </p:cNvPicPr>
-          <p:nvPr/>
-        </p:nvPicPr>
-        <p:blipFill>
-          <a:blip r:embed="rId4" cstate="print">
-            <a:extLst>
-              <a:ext uri="{28A0092B-C50C-407E-A947-70E740481C1C}">
-                <a14:useLocalDpi xmlns:a14="http://schemas.microsoft.com/office/drawing/2010/main" val="0"/>
-              </a:ext>
-            </a:extLst>
-          </a:blip>
-          <a:srcRect/>
-          <a:stretch>
-            <a:fillRect/>
-          </a:stretch>
-        </p:blipFill>
-        <p:spPr bwMode="auto">
-          <a:xfrm>
-            <a:off x="762000" y="4264762"/>
-            <a:ext cx="1666646" cy="886378"/>
-          </a:xfrm>
-          <a:prstGeom prst="rect">
-            <a:avLst/>
-          </a:prstGeom>
-          <a:noFill/>
-          <a:extLst>
-            <a:ext uri="{909E8E84-426E-40DD-AFC4-6F175D3DCCD1}">
-              <a14:hiddenFill xmlns:a14="http://schemas.microsoft.com/office/drawing/2010/main">
-                <a:solidFill>
-                  <a:srgbClr val="FFFFFF"/>
-                </a:solidFill>
-              </a14:hiddenFill>
-            </a:ext>
-          </a:extLst>
-        </p:spPr>
-      </p:pic>
     </p:spTree>
     <p:extLst>
       <p:ext uri="{BB962C8B-B14F-4D97-AF65-F5344CB8AC3E}">
@@ -21179,7 +19601,7 @@
         </p:nvSpPr>
         <p:spPr>
           <a:xfrm>
-            <a:off x="457200" y="1151520"/>
+            <a:off x="457200" y="1038303"/>
             <a:ext cx="8158294" cy="2237723"/>
           </a:xfrm>
         </p:spPr>
@@ -21230,156 +19652,8 @@
               <a:t>During COVID-19, EOCs should carefully consider their epidemiological context to assess benefits to conducting exercises at this time.  </a:t>
             </a:r>
           </a:p>
-          <a:p>
-            <a:pPr marL="0" indent="0">
-              <a:buClr>
-                <a:srgbClr val="006A71"/>
-              </a:buClr>
-              <a:buNone/>
-            </a:pPr>
-            <a:endParaRPr lang="en-US" dirty="0">
-              <a:highlight>
-                <a:srgbClr val="FFFF00"/>
-              </a:highlight>
-            </a:endParaRPr>
-          </a:p>
         </p:txBody>
       </p:sp>
-      <p:sp>
-        <p:nvSpPr>
-          <p:cNvPr id="7" name="Rectangle 6">
-            <a:extLst>
-              <a:ext uri="{FF2B5EF4-FFF2-40B4-BE49-F238E27FC236}">
-                <a16:creationId xmlns:a16="http://schemas.microsoft.com/office/drawing/2014/main" id="{25AFA8FF-B01C-534F-BB54-6F265B7644FC}"/>
-              </a:ext>
-            </a:extLst>
-          </p:cNvPr>
-          <p:cNvSpPr/>
-          <p:nvPr/>
-        </p:nvSpPr>
-        <p:spPr>
-          <a:xfrm>
-            <a:off x="0" y="4446824"/>
-            <a:ext cx="1524000" cy="556999"/>
-          </a:xfrm>
-          <a:prstGeom prst="rect">
-            <a:avLst/>
-          </a:prstGeom>
-          <a:solidFill>
-            <a:schemeClr val="bg2"/>
-          </a:solidFill>
-          <a:ln>
-            <a:noFill/>
-          </a:ln>
-        </p:spPr>
-        <p:style>
-          <a:lnRef idx="2">
-            <a:schemeClr val="accent1">
-              <a:shade val="50000"/>
-            </a:schemeClr>
-          </a:lnRef>
-          <a:fillRef idx="1">
-            <a:schemeClr val="accent1"/>
-          </a:fillRef>
-          <a:effectRef idx="0">
-            <a:schemeClr val="accent1"/>
-          </a:effectRef>
-          <a:fontRef idx="minor">
-            <a:schemeClr val="lt1"/>
-          </a:fontRef>
-        </p:style>
-        <p:txBody>
-          <a:bodyPr rtlCol="0" anchor="ctr"/>
-          <a:lstStyle/>
-          <a:p>
-            <a:pPr algn="ctr"/>
-            <a:endParaRPr lang="en-US"/>
-          </a:p>
-        </p:txBody>
-      </p:sp>
-      <p:pic>
-        <p:nvPicPr>
-          <p:cNvPr id="9" name="Picture 8" descr="A picture containing food&#10;&#10;Description automatically generated">
-            <a:extLst>
-              <a:ext uri="{FF2B5EF4-FFF2-40B4-BE49-F238E27FC236}">
-                <a16:creationId xmlns:a16="http://schemas.microsoft.com/office/drawing/2014/main" id="{F1161FB3-B95E-0746-8E8F-710773F444C6}"/>
-              </a:ext>
-            </a:extLst>
-          </p:cNvPr>
-          <p:cNvPicPr>
-            <a:picLocks noChangeAspect="1"/>
-          </p:cNvPicPr>
-          <p:nvPr/>
-        </p:nvPicPr>
-        <p:blipFill>
-          <a:blip r:embed="rId3" cstate="print">
-            <a:extLst>
-              <a:ext uri="{28A0092B-C50C-407E-A947-70E740481C1C}">
-                <a14:useLocalDpi xmlns:a14="http://schemas.microsoft.com/office/drawing/2010/main" val="0"/>
-              </a:ext>
-            </a:extLst>
-          </a:blip>
-          <a:stretch>
-            <a:fillRect/>
-          </a:stretch>
-        </p:blipFill>
-        <p:spPr>
-          <a:xfrm>
-            <a:off x="251010" y="4493208"/>
-            <a:ext cx="510990" cy="369432"/>
-          </a:xfrm>
-          <a:prstGeom prst="rect">
-            <a:avLst/>
-          </a:prstGeom>
-        </p:spPr>
-      </p:pic>
-      <p:pic>
-        <p:nvPicPr>
-          <p:cNvPr id="10" name="Picture 9" descr="Georgetown Center for Global Health Science and Security — General ...">
-            <a:extLst>
-              <a:ext uri="{FF2B5EF4-FFF2-40B4-BE49-F238E27FC236}">
-                <a16:creationId xmlns:a16="http://schemas.microsoft.com/office/drawing/2014/main" id="{FC32F3D8-C152-4A98-A6B8-82A4C334FD51}"/>
-              </a:ext>
-            </a:extLst>
-          </p:cNvPr>
-          <p:cNvPicPr>
-            <a:picLocks noChangeAspect="1" noChangeArrowheads="1"/>
-          </p:cNvPicPr>
-          <p:nvPr/>
-        </p:nvPicPr>
-        <p:blipFill>
-          <a:blip r:embed="rId4" cstate="print">
-            <a:extLst>
-              <a:ext uri="{28A0092B-C50C-407E-A947-70E740481C1C}">
-                <a14:useLocalDpi xmlns:a14="http://schemas.microsoft.com/office/drawing/2010/main" val="0"/>
-              </a:ext>
-            </a:extLst>
-          </a:blip>
-          <a:srcRect/>
-          <a:stretch>
-            <a:fillRect/>
-          </a:stretch>
-        </p:blipFill>
-        <p:spPr bwMode="auto">
-          <a:xfrm>
-            <a:off x="762000" y="4264762"/>
-            <a:ext cx="1666646" cy="886378"/>
-          </a:xfrm>
-          <a:prstGeom prst="rect">
-            <a:avLst/>
-          </a:prstGeom>
-          <a:noFill/>
-          <a:extLst>
-            <a:ext uri="{909E8E84-426E-40DD-AFC4-6F175D3DCCD1}">
-              <a14:hiddenFill xmlns:a14="http://schemas.microsoft.com/office/drawing/2010/main">
-                <a:solidFill>
-                  <a:srgbClr val="FFFFFF"/>
-                </a:solidFill>
-              </a14:hiddenFill>
-            </a:ext>
-          </a:extLst>
-        </p:spPr>
-      </p:pic>
     </p:spTree>
     <p:extLst>
       <p:ext uri="{BB962C8B-B14F-4D97-AF65-F5344CB8AC3E}">
@@ -21516,141 +19790,6 @@
           </a:p>
         </p:txBody>
       </p:sp>
-      <p:sp>
-        <p:nvSpPr>
-          <p:cNvPr id="7" name="Rectangle 6">
-            <a:extLst>
-              <a:ext uri="{FF2B5EF4-FFF2-40B4-BE49-F238E27FC236}">
-                <a16:creationId xmlns:a16="http://schemas.microsoft.com/office/drawing/2014/main" id="{25AFA8FF-B01C-534F-BB54-6F265B7644FC}"/>
-              </a:ext>
-            </a:extLst>
-          </p:cNvPr>
-          <p:cNvSpPr/>
-          <p:nvPr/>
-        </p:nvSpPr>
-        <p:spPr>
-          <a:xfrm>
-            <a:off x="0" y="4446824"/>
-            <a:ext cx="1524000" cy="556999"/>
-          </a:xfrm>
-          <a:prstGeom prst="rect">
-            <a:avLst/>
-          </a:prstGeom>
-          <a:solidFill>
-            <a:schemeClr val="bg2"/>
-          </a:solidFill>
-          <a:ln>
-            <a:noFill/>
-          </a:ln>
-        </p:spPr>
-        <p:style>
-          <a:lnRef idx="2">
-            <a:schemeClr val="accent1">
-              <a:shade val="50000"/>
-            </a:schemeClr>
-          </a:lnRef>
-          <a:fillRef idx="1">
-            <a:schemeClr val="accent1"/>
-          </a:fillRef>
-          <a:effectRef idx="0">
-            <a:schemeClr val="accent1"/>
-          </a:effectRef>
-          <a:fontRef idx="minor">
-            <a:schemeClr val="lt1"/>
-          </a:fontRef>
-        </p:style>
-        <p:txBody>
-          <a:bodyPr rtlCol="0" anchor="ctr"/>
-          <a:lstStyle/>
-          <a:p>
-            <a:pPr algn="ctr"/>
-            <a:endParaRPr lang="en-US"/>
-          </a:p>
-        </p:txBody>
-      </p:sp>
-      <p:pic>
-        <p:nvPicPr>
-          <p:cNvPr id="9" name="Picture 8" descr="A picture containing food&#10;&#10;Description automatically generated">
-            <a:extLst>
-              <a:ext uri="{FF2B5EF4-FFF2-40B4-BE49-F238E27FC236}">
-                <a16:creationId xmlns:a16="http://schemas.microsoft.com/office/drawing/2014/main" id="{F1161FB3-B95E-0746-8E8F-710773F444C6}"/>
-              </a:ext>
-            </a:extLst>
-          </p:cNvPr>
-          <p:cNvPicPr>
-            <a:picLocks noChangeAspect="1"/>
-          </p:cNvPicPr>
-          <p:nvPr/>
-        </p:nvPicPr>
-        <p:blipFill>
-          <a:blip r:embed="rId3" cstate="print">
-            <a:extLst>
-              <a:ext uri="{28A0092B-C50C-407E-A947-70E740481C1C}">
-                <a14:useLocalDpi xmlns:a14="http://schemas.microsoft.com/office/drawing/2010/main" val="0"/>
-              </a:ext>
-            </a:extLst>
-          </a:blip>
-          <a:stretch>
-            <a:fillRect/>
-          </a:stretch>
-        </p:blipFill>
-        <p:spPr>
-          <a:xfrm>
-            <a:off x="251010" y="4493208"/>
-            <a:ext cx="510990" cy="369432"/>
-          </a:xfrm>
-          <a:prstGeom prst="rect">
-            <a:avLst/>
-          </a:prstGeom>
-        </p:spPr>
-      </p:pic>
-      <p:pic>
-        <p:nvPicPr>
-          <p:cNvPr id="10" name="Picture 9" descr="Georgetown Center for Global Health Science and Security — General ...">
-            <a:extLst>
-              <a:ext uri="{FF2B5EF4-FFF2-40B4-BE49-F238E27FC236}">
-                <a16:creationId xmlns:a16="http://schemas.microsoft.com/office/drawing/2014/main" id="{874EF655-AA70-4187-BB52-8F146A5E796E}"/>
-              </a:ext>
-            </a:extLst>
-          </p:cNvPr>
-          <p:cNvPicPr>
-            <a:picLocks noChangeAspect="1" noChangeArrowheads="1"/>
-          </p:cNvPicPr>
-          <p:nvPr/>
-        </p:nvPicPr>
-        <p:blipFill>
-          <a:blip r:embed="rId4" cstate="print">
-            <a:extLst>
-              <a:ext uri="{28A0092B-C50C-407E-A947-70E740481C1C}">
-                <a14:useLocalDpi xmlns:a14="http://schemas.microsoft.com/office/drawing/2010/main" val="0"/>
-              </a:ext>
-            </a:extLst>
-          </a:blip>
-          <a:srcRect/>
-          <a:stretch>
-            <a:fillRect/>
-          </a:stretch>
-        </p:blipFill>
-        <p:spPr bwMode="auto">
-          <a:xfrm>
-            <a:off x="762000" y="4264762"/>
-            <a:ext cx="1666646" cy="886378"/>
-          </a:xfrm>
-          <a:prstGeom prst="rect">
-            <a:avLst/>
-          </a:prstGeom>
-          <a:noFill/>
-          <a:extLst>
-            <a:ext uri="{909E8E84-426E-40DD-AFC4-6F175D3DCCD1}">
-              <a14:hiddenFill xmlns:a14="http://schemas.microsoft.com/office/drawing/2010/main">
-                <a:solidFill>
-                  <a:srgbClr val="FFFFFF"/>
-                </a:solidFill>
-              </a14:hiddenFill>
-            </a:ext>
-          </a:extLst>
-        </p:spPr>
-      </p:pic>
     </p:spTree>
     <p:extLst>
       <p:ext uri="{BB962C8B-B14F-4D97-AF65-F5344CB8AC3E}">
@@ -21791,141 +19930,6 @@
           </a:p>
         </p:txBody>
       </p:sp>
-      <p:sp>
-        <p:nvSpPr>
-          <p:cNvPr id="7" name="Rectangle 6">
-            <a:extLst>
-              <a:ext uri="{FF2B5EF4-FFF2-40B4-BE49-F238E27FC236}">
-                <a16:creationId xmlns:a16="http://schemas.microsoft.com/office/drawing/2014/main" id="{25AFA8FF-B01C-534F-BB54-6F265B7644FC}"/>
-              </a:ext>
-            </a:extLst>
-          </p:cNvPr>
-          <p:cNvSpPr/>
-          <p:nvPr/>
-        </p:nvSpPr>
-        <p:spPr>
-          <a:xfrm>
-            <a:off x="0" y="4446824"/>
-            <a:ext cx="1524000" cy="556999"/>
-          </a:xfrm>
-          <a:prstGeom prst="rect">
-            <a:avLst/>
-          </a:prstGeom>
-          <a:solidFill>
-            <a:schemeClr val="bg2"/>
-          </a:solidFill>
-          <a:ln>
-            <a:noFill/>
-          </a:ln>
-        </p:spPr>
-        <p:style>
-          <a:lnRef idx="2">
-            <a:schemeClr val="accent1">
-              <a:shade val="50000"/>
-            </a:schemeClr>
-          </a:lnRef>
-          <a:fillRef idx="1">
-            <a:schemeClr val="accent1"/>
-          </a:fillRef>
-          <a:effectRef idx="0">
-            <a:schemeClr val="accent1"/>
-          </a:effectRef>
-          <a:fontRef idx="minor">
-            <a:schemeClr val="lt1"/>
-          </a:fontRef>
-        </p:style>
-        <p:txBody>
-          <a:bodyPr rtlCol="0" anchor="ctr"/>
-          <a:lstStyle/>
-          <a:p>
-            <a:pPr algn="ctr"/>
-            <a:endParaRPr lang="en-US"/>
-          </a:p>
-        </p:txBody>
-      </p:sp>
-      <p:pic>
-        <p:nvPicPr>
-          <p:cNvPr id="9" name="Picture 8" descr="A picture containing food&#10;&#10;Description automatically generated">
-            <a:extLst>
-              <a:ext uri="{FF2B5EF4-FFF2-40B4-BE49-F238E27FC236}">
-                <a16:creationId xmlns:a16="http://schemas.microsoft.com/office/drawing/2014/main" id="{F1161FB3-B95E-0746-8E8F-710773F444C6}"/>
-              </a:ext>
-            </a:extLst>
-          </p:cNvPr>
-          <p:cNvPicPr>
-            <a:picLocks noChangeAspect="1"/>
-          </p:cNvPicPr>
-          <p:nvPr/>
-        </p:nvPicPr>
-        <p:blipFill>
-          <a:blip r:embed="rId3" cstate="print">
-            <a:extLst>
-              <a:ext uri="{28A0092B-C50C-407E-A947-70E740481C1C}">
-                <a14:useLocalDpi xmlns:a14="http://schemas.microsoft.com/office/drawing/2010/main" val="0"/>
-              </a:ext>
-            </a:extLst>
-          </a:blip>
-          <a:stretch>
-            <a:fillRect/>
-          </a:stretch>
-        </p:blipFill>
-        <p:spPr>
-          <a:xfrm>
-            <a:off x="251010" y="4493208"/>
-            <a:ext cx="510990" cy="369432"/>
-          </a:xfrm>
-          <a:prstGeom prst="rect">
-            <a:avLst/>
-          </a:prstGeom>
-        </p:spPr>
-      </p:pic>
-      <p:pic>
-        <p:nvPicPr>
-          <p:cNvPr id="10" name="Picture 9" descr="Georgetown Center for Global Health Science and Security — General ...">
-            <a:extLst>
-              <a:ext uri="{FF2B5EF4-FFF2-40B4-BE49-F238E27FC236}">
-                <a16:creationId xmlns:a16="http://schemas.microsoft.com/office/drawing/2014/main" id="{62476DEF-8BD3-44F1-9B1F-7A242BD94ECD}"/>
-              </a:ext>
-            </a:extLst>
-          </p:cNvPr>
-          <p:cNvPicPr>
-            <a:picLocks noChangeAspect="1" noChangeArrowheads="1"/>
-          </p:cNvPicPr>
-          <p:nvPr/>
-        </p:nvPicPr>
-        <p:blipFill>
-          <a:blip r:embed="rId4" cstate="print">
-            <a:extLst>
-              <a:ext uri="{28A0092B-C50C-407E-A947-70E740481C1C}">
-                <a14:useLocalDpi xmlns:a14="http://schemas.microsoft.com/office/drawing/2010/main" val="0"/>
-              </a:ext>
-            </a:extLst>
-          </a:blip>
-          <a:srcRect/>
-          <a:stretch>
-            <a:fillRect/>
-          </a:stretch>
-        </p:blipFill>
-        <p:spPr bwMode="auto">
-          <a:xfrm>
-            <a:off x="762000" y="4264762"/>
-            <a:ext cx="1666646" cy="886378"/>
-          </a:xfrm>
-          <a:prstGeom prst="rect">
-            <a:avLst/>
-          </a:prstGeom>
-          <a:noFill/>
-          <a:extLst>
-            <a:ext uri="{909E8E84-426E-40DD-AFC4-6F175D3DCCD1}">
-              <a14:hiddenFill xmlns:a14="http://schemas.microsoft.com/office/drawing/2010/main">
-                <a:solidFill>
-                  <a:srgbClr val="FFFFFF"/>
-                </a:solidFill>
-              </a14:hiddenFill>
-            </a:ext>
-          </a:extLst>
-        </p:spPr>
-      </p:pic>
     </p:spTree>
     <p:extLst>
       <p:ext uri="{BB962C8B-B14F-4D97-AF65-F5344CB8AC3E}">
@@ -22066,141 +20070,6 @@
           </a:p>
         </p:txBody>
       </p:sp>
-      <p:sp>
-        <p:nvSpPr>
-          <p:cNvPr id="7" name="Rectangle 6">
-            <a:extLst>
-              <a:ext uri="{FF2B5EF4-FFF2-40B4-BE49-F238E27FC236}">
-                <a16:creationId xmlns:a16="http://schemas.microsoft.com/office/drawing/2014/main" id="{25AFA8FF-B01C-534F-BB54-6F265B7644FC}"/>
-              </a:ext>
-            </a:extLst>
-          </p:cNvPr>
-          <p:cNvSpPr/>
-          <p:nvPr/>
-        </p:nvSpPr>
-        <p:spPr>
-          <a:xfrm>
-            <a:off x="0" y="4446824"/>
-            <a:ext cx="1524000" cy="556999"/>
-          </a:xfrm>
-          <a:prstGeom prst="rect">
-            <a:avLst/>
-          </a:prstGeom>
-          <a:solidFill>
-            <a:schemeClr val="bg2"/>
-          </a:solidFill>
-          <a:ln>
-            <a:noFill/>
-          </a:ln>
-        </p:spPr>
-        <p:style>
-          <a:lnRef idx="2">
-            <a:schemeClr val="accent1">
-              <a:shade val="50000"/>
-            </a:schemeClr>
-          </a:lnRef>
-          <a:fillRef idx="1">
-            <a:schemeClr val="accent1"/>
-          </a:fillRef>
-          <a:effectRef idx="0">
-            <a:schemeClr val="accent1"/>
-          </a:effectRef>
-          <a:fontRef idx="minor">
-            <a:schemeClr val="lt1"/>
-          </a:fontRef>
-        </p:style>
-        <p:txBody>
-          <a:bodyPr rtlCol="0" anchor="ctr"/>
-          <a:lstStyle/>
-          <a:p>
-            <a:pPr algn="ctr"/>
-            <a:endParaRPr lang="en-US"/>
-          </a:p>
-        </p:txBody>
-      </p:sp>
-      <p:pic>
-        <p:nvPicPr>
-          <p:cNvPr id="9" name="Picture 8" descr="A picture containing food&#10;&#10;Description automatically generated">
-            <a:extLst>
-              <a:ext uri="{FF2B5EF4-FFF2-40B4-BE49-F238E27FC236}">
-                <a16:creationId xmlns:a16="http://schemas.microsoft.com/office/drawing/2014/main" id="{F1161FB3-B95E-0746-8E8F-710773F444C6}"/>
-              </a:ext>
-            </a:extLst>
-          </p:cNvPr>
-          <p:cNvPicPr>
-            <a:picLocks noChangeAspect="1"/>
-          </p:cNvPicPr>
-          <p:nvPr/>
-        </p:nvPicPr>
-        <p:blipFill>
-          <a:blip r:embed="rId3" cstate="print">
-            <a:extLst>
-              <a:ext uri="{28A0092B-C50C-407E-A947-70E740481C1C}">
-                <a14:useLocalDpi xmlns:a14="http://schemas.microsoft.com/office/drawing/2010/main" val="0"/>
-              </a:ext>
-            </a:extLst>
-          </a:blip>
-          <a:stretch>
-            <a:fillRect/>
-          </a:stretch>
-        </p:blipFill>
-        <p:spPr>
-          <a:xfrm>
-            <a:off x="251010" y="4493208"/>
-            <a:ext cx="510990" cy="369432"/>
-          </a:xfrm>
-          <a:prstGeom prst="rect">
-            <a:avLst/>
-          </a:prstGeom>
-        </p:spPr>
-      </p:pic>
-      <p:pic>
-        <p:nvPicPr>
-          <p:cNvPr id="10" name="Picture 9" descr="Georgetown Center for Global Health Science and Security — General ...">
-            <a:extLst>
-              <a:ext uri="{FF2B5EF4-FFF2-40B4-BE49-F238E27FC236}">
-                <a16:creationId xmlns:a16="http://schemas.microsoft.com/office/drawing/2014/main" id="{71D03DC4-6A09-42E3-A0BE-A368CAF7ABB1}"/>
-              </a:ext>
-            </a:extLst>
-          </p:cNvPr>
-          <p:cNvPicPr>
-            <a:picLocks noChangeAspect="1" noChangeArrowheads="1"/>
-          </p:cNvPicPr>
-          <p:nvPr/>
-        </p:nvPicPr>
-        <p:blipFill>
-          <a:blip r:embed="rId4" cstate="print">
-            <a:extLst>
-              <a:ext uri="{28A0092B-C50C-407E-A947-70E740481C1C}">
-                <a14:useLocalDpi xmlns:a14="http://schemas.microsoft.com/office/drawing/2010/main" val="0"/>
-              </a:ext>
-            </a:extLst>
-          </a:blip>
-          <a:srcRect/>
-          <a:stretch>
-            <a:fillRect/>
-          </a:stretch>
-        </p:blipFill>
-        <p:spPr bwMode="auto">
-          <a:xfrm>
-            <a:off x="762000" y="4264762"/>
-            <a:ext cx="1666646" cy="886378"/>
-          </a:xfrm>
-          <a:prstGeom prst="rect">
-            <a:avLst/>
-          </a:prstGeom>
-          <a:noFill/>
-          <a:extLst>
-            <a:ext uri="{909E8E84-426E-40DD-AFC4-6F175D3DCCD1}">
-              <a14:hiddenFill xmlns:a14="http://schemas.microsoft.com/office/drawing/2010/main">
-                <a:solidFill>
-                  <a:srgbClr val="FFFFFF"/>
-                </a:solidFill>
-              </a14:hiddenFill>
-            </a:ext>
-          </a:extLst>
-        </p:spPr>
-      </p:pic>
     </p:spTree>
     <p:extLst>
       <p:ext uri="{BB962C8B-B14F-4D97-AF65-F5344CB8AC3E}">
@@ -22288,94 +20157,6 @@
           </a:p>
         </p:txBody>
       </p:sp>
-      <p:sp>
-        <p:nvSpPr>
-          <p:cNvPr id="7" name="Rectangle 6">
-            <a:extLst>
-              <a:ext uri="{FF2B5EF4-FFF2-40B4-BE49-F238E27FC236}">
-                <a16:creationId xmlns:a16="http://schemas.microsoft.com/office/drawing/2014/main" id="{25AFA8FF-B01C-534F-BB54-6F265B7644FC}"/>
-              </a:ext>
-            </a:extLst>
-          </p:cNvPr>
-          <p:cNvSpPr/>
-          <p:nvPr/>
-        </p:nvSpPr>
-        <p:spPr>
-          <a:xfrm>
-            <a:off x="0" y="4446824"/>
-            <a:ext cx="1524000" cy="556999"/>
-          </a:xfrm>
-          <a:prstGeom prst="rect">
-            <a:avLst/>
-          </a:prstGeom>
-          <a:solidFill>
-            <a:schemeClr val="bg2"/>
-          </a:solidFill>
-          <a:ln>
-            <a:noFill/>
-          </a:ln>
-        </p:spPr>
-        <p:style>
-          <a:lnRef idx="2">
-            <a:schemeClr val="accent1">
-              <a:shade val="50000"/>
-            </a:schemeClr>
-          </a:lnRef>
-          <a:fillRef idx="1">
-            <a:schemeClr val="accent1"/>
-          </a:fillRef>
-          <a:effectRef idx="0">
-            <a:schemeClr val="accent1"/>
-          </a:effectRef>
-          <a:fontRef idx="minor">
-            <a:schemeClr val="lt1"/>
-          </a:fontRef>
-        </p:style>
-        <p:txBody>
-          <a:bodyPr rtlCol="0" anchor="ctr"/>
-          <a:lstStyle/>
-          <a:p>
-            <a:pPr algn="ctr"/>
-            <a:endParaRPr lang="en-US"/>
-          </a:p>
-        </p:txBody>
-      </p:sp>
-      <p:pic>
-        <p:nvPicPr>
-          <p:cNvPr id="9" name="Picture 8" descr="A picture containing food&#10;&#10;Description automatically generated">
-            <a:extLst>
-              <a:ext uri="{FF2B5EF4-FFF2-40B4-BE49-F238E27FC236}">
-                <a16:creationId xmlns:a16="http://schemas.microsoft.com/office/drawing/2014/main" id="{F1161FB3-B95E-0746-8E8F-710773F444C6}"/>
-              </a:ext>
-            </a:extLst>
-          </p:cNvPr>
-          <p:cNvPicPr>
-            <a:picLocks noChangeAspect="1"/>
-          </p:cNvPicPr>
-          <p:nvPr/>
-        </p:nvPicPr>
-        <p:blipFill>
-          <a:blip r:embed="rId3" cstate="print">
-            <a:extLst>
-              <a:ext uri="{28A0092B-C50C-407E-A947-70E740481C1C}">
-                <a14:useLocalDpi xmlns:a14="http://schemas.microsoft.com/office/drawing/2010/main" val="0"/>
-              </a:ext>
-            </a:extLst>
-          </a:blip>
-          <a:stretch>
-            <a:fillRect/>
-          </a:stretch>
-        </p:blipFill>
-        <p:spPr>
-          <a:xfrm>
-            <a:off x="251010" y="4493208"/>
-            <a:ext cx="510990" cy="369432"/>
-          </a:xfrm>
-          <a:prstGeom prst="rect">
-            <a:avLst/>
-          </a:prstGeom>
-        </p:spPr>
-      </p:pic>
       <p:graphicFrame>
         <p:nvGraphicFramePr>
           <p:cNvPr id="10" name="Diagram 9">
@@ -22400,57 +20181,10 @@
         </p:xfrm>
         <a:graphic>
           <a:graphicData uri="http://schemas.openxmlformats.org/drawingml/2006/diagram">
-            <dgm:relIds xmlns:dgm="http://schemas.openxmlformats.org/drawingml/2006/diagram" xmlns:r="http://schemas.openxmlformats.org/officeDocument/2006/relationships" r:dm="rId4" r:lo="rId5" r:qs="rId6" r:cs="rId7"/>
+            <dgm:relIds xmlns:dgm="http://schemas.openxmlformats.org/drawingml/2006/diagram" xmlns:r="http://schemas.openxmlformats.org/officeDocument/2006/relationships" r:dm="rId3" r:lo="rId4" r:qs="rId5" r:cs="rId6"/>
           </a:graphicData>
         </a:graphic>
       </p:graphicFrame>
-      <p:pic>
-        <p:nvPicPr>
-          <p:cNvPr id="11" name="Picture 10" descr="Georgetown Center for Global Health Science and Security — General ...">
-            <a:extLst>
-              <a:ext uri="{FF2B5EF4-FFF2-40B4-BE49-F238E27FC236}">
-                <a16:creationId xmlns:a16="http://schemas.microsoft.com/office/drawing/2014/main" id="{89B2F8CC-EFAB-4CB0-9DE2-BE87B22CC21D}"/>
-              </a:ext>
-            </a:extLst>
-          </p:cNvPr>
-          <p:cNvPicPr>
-            <a:picLocks noChangeAspect="1" noChangeArrowheads="1"/>
-          </p:cNvPicPr>
-          <p:nvPr/>
-        </p:nvPicPr>
-        <p:blipFill>
-          <a:blip r:embed="rId9" cstate="print">
-            <a:extLst>
-              <a:ext uri="{28A0092B-C50C-407E-A947-70E740481C1C}">
-                <a14:useLocalDpi xmlns:a14="http://schemas.microsoft.com/office/drawing/2010/main" val="0"/>
-              </a:ext>
-            </a:extLst>
-          </a:blip>
-          <a:srcRect/>
-          <a:stretch>
-            <a:fillRect/>
-          </a:stretch>
-        </p:blipFill>
-        <p:spPr bwMode="auto">
-          <a:xfrm>
-            <a:off x="762000" y="4264762"/>
-            <a:ext cx="1666646" cy="886378"/>
-          </a:xfrm>
-          <a:prstGeom prst="rect">
-            <a:avLst/>
-          </a:prstGeom>
-          <a:noFill/>
-          <a:extLst>
-            <a:ext uri="{909E8E84-426E-40DD-AFC4-6F175D3DCCD1}">
-              <a14:hiddenFill xmlns:a14="http://schemas.microsoft.com/office/drawing/2010/main">
-                <a:solidFill>
-                  <a:srgbClr val="FFFFFF"/>
-                </a:solidFill>
-              </a14:hiddenFill>
-            </a:ext>
-          </a:extLst>
-        </p:spPr>
-      </p:pic>
     </p:spTree>
     <p:extLst>
       <p:ext uri="{BB962C8B-B14F-4D97-AF65-F5344CB8AC3E}">
@@ -22582,141 +20316,6 @@
           </a:p>
         </p:txBody>
       </p:sp>
-      <p:sp>
-        <p:nvSpPr>
-          <p:cNvPr id="7" name="Rectangle 6">
-            <a:extLst>
-              <a:ext uri="{FF2B5EF4-FFF2-40B4-BE49-F238E27FC236}">
-                <a16:creationId xmlns:a16="http://schemas.microsoft.com/office/drawing/2014/main" id="{25AFA8FF-B01C-534F-BB54-6F265B7644FC}"/>
-              </a:ext>
-            </a:extLst>
-          </p:cNvPr>
-          <p:cNvSpPr/>
-          <p:nvPr/>
-        </p:nvSpPr>
-        <p:spPr>
-          <a:xfrm>
-            <a:off x="0" y="4446824"/>
-            <a:ext cx="1524000" cy="556999"/>
-          </a:xfrm>
-          <a:prstGeom prst="rect">
-            <a:avLst/>
-          </a:prstGeom>
-          <a:solidFill>
-            <a:schemeClr val="bg2"/>
-          </a:solidFill>
-          <a:ln>
-            <a:noFill/>
-          </a:ln>
-        </p:spPr>
-        <p:style>
-          <a:lnRef idx="2">
-            <a:schemeClr val="accent1">
-              <a:shade val="50000"/>
-            </a:schemeClr>
-          </a:lnRef>
-          <a:fillRef idx="1">
-            <a:schemeClr val="accent1"/>
-          </a:fillRef>
-          <a:effectRef idx="0">
-            <a:schemeClr val="accent1"/>
-          </a:effectRef>
-          <a:fontRef idx="minor">
-            <a:schemeClr val="lt1"/>
-          </a:fontRef>
-        </p:style>
-        <p:txBody>
-          <a:bodyPr rtlCol="0" anchor="ctr"/>
-          <a:lstStyle/>
-          <a:p>
-            <a:pPr algn="ctr"/>
-            <a:endParaRPr lang="en-US"/>
-          </a:p>
-        </p:txBody>
-      </p:sp>
-      <p:pic>
-        <p:nvPicPr>
-          <p:cNvPr id="9" name="Picture 8" descr="A picture containing food&#10;&#10;Description automatically generated">
-            <a:extLst>
-              <a:ext uri="{FF2B5EF4-FFF2-40B4-BE49-F238E27FC236}">
-                <a16:creationId xmlns:a16="http://schemas.microsoft.com/office/drawing/2014/main" id="{F1161FB3-B95E-0746-8E8F-710773F444C6}"/>
-              </a:ext>
-            </a:extLst>
-          </p:cNvPr>
-          <p:cNvPicPr>
-            <a:picLocks noChangeAspect="1"/>
-          </p:cNvPicPr>
-          <p:nvPr/>
-        </p:nvPicPr>
-        <p:blipFill>
-          <a:blip r:embed="rId3" cstate="print">
-            <a:extLst>
-              <a:ext uri="{28A0092B-C50C-407E-A947-70E740481C1C}">
-                <a14:useLocalDpi xmlns:a14="http://schemas.microsoft.com/office/drawing/2010/main" val="0"/>
-              </a:ext>
-            </a:extLst>
-          </a:blip>
-          <a:stretch>
-            <a:fillRect/>
-          </a:stretch>
-        </p:blipFill>
-        <p:spPr>
-          <a:xfrm>
-            <a:off x="251010" y="4493208"/>
-            <a:ext cx="510990" cy="369432"/>
-          </a:xfrm>
-          <a:prstGeom prst="rect">
-            <a:avLst/>
-          </a:prstGeom>
-        </p:spPr>
-      </p:pic>
-      <p:pic>
-        <p:nvPicPr>
-          <p:cNvPr id="10" name="Picture 9" descr="Georgetown Center for Global Health Science and Security — General ...">
-            <a:extLst>
-              <a:ext uri="{FF2B5EF4-FFF2-40B4-BE49-F238E27FC236}">
-                <a16:creationId xmlns:a16="http://schemas.microsoft.com/office/drawing/2014/main" id="{CB4D81F0-BDEF-4C7A-966B-ACD570607437}"/>
-              </a:ext>
-            </a:extLst>
-          </p:cNvPr>
-          <p:cNvPicPr>
-            <a:picLocks noChangeAspect="1" noChangeArrowheads="1"/>
-          </p:cNvPicPr>
-          <p:nvPr/>
-        </p:nvPicPr>
-        <p:blipFill>
-          <a:blip r:embed="rId4" cstate="print">
-            <a:extLst>
-              <a:ext uri="{28A0092B-C50C-407E-A947-70E740481C1C}">
-                <a14:useLocalDpi xmlns:a14="http://schemas.microsoft.com/office/drawing/2010/main" val="0"/>
-              </a:ext>
-            </a:extLst>
-          </a:blip>
-          <a:srcRect/>
-          <a:stretch>
-            <a:fillRect/>
-          </a:stretch>
-        </p:blipFill>
-        <p:spPr bwMode="auto">
-          <a:xfrm>
-            <a:off x="762000" y="4264762"/>
-            <a:ext cx="1666646" cy="886378"/>
-          </a:xfrm>
-          <a:prstGeom prst="rect">
-            <a:avLst/>
-          </a:prstGeom>
-          <a:noFill/>
-          <a:extLst>
-            <a:ext uri="{909E8E84-426E-40DD-AFC4-6F175D3DCCD1}">
-              <a14:hiddenFill xmlns:a14="http://schemas.microsoft.com/office/drawing/2010/main">
-                <a:solidFill>
-                  <a:srgbClr val="FFFFFF"/>
-                </a:solidFill>
-              </a14:hiddenFill>
-            </a:ext>
-          </a:extLst>
-        </p:spPr>
-      </p:pic>
     </p:spTree>
     <p:extLst>
       <p:ext uri="{BB962C8B-B14F-4D97-AF65-F5344CB8AC3E}">
@@ -22815,141 +20414,6 @@
           </a:p>
         </p:txBody>
       </p:sp>
-      <p:sp>
-        <p:nvSpPr>
-          <p:cNvPr id="7" name="Rectangle 6">
-            <a:extLst>
-              <a:ext uri="{FF2B5EF4-FFF2-40B4-BE49-F238E27FC236}">
-                <a16:creationId xmlns:a16="http://schemas.microsoft.com/office/drawing/2014/main" id="{25AFA8FF-B01C-534F-BB54-6F265B7644FC}"/>
-              </a:ext>
-            </a:extLst>
-          </p:cNvPr>
-          <p:cNvSpPr/>
-          <p:nvPr/>
-        </p:nvSpPr>
-        <p:spPr>
-          <a:xfrm>
-            <a:off x="0" y="4446824"/>
-            <a:ext cx="1524000" cy="556999"/>
-          </a:xfrm>
-          <a:prstGeom prst="rect">
-            <a:avLst/>
-          </a:prstGeom>
-          <a:solidFill>
-            <a:schemeClr val="bg2"/>
-          </a:solidFill>
-          <a:ln>
-            <a:noFill/>
-          </a:ln>
-        </p:spPr>
-        <p:style>
-          <a:lnRef idx="2">
-            <a:schemeClr val="accent1">
-              <a:shade val="50000"/>
-            </a:schemeClr>
-          </a:lnRef>
-          <a:fillRef idx="1">
-            <a:schemeClr val="accent1"/>
-          </a:fillRef>
-          <a:effectRef idx="0">
-            <a:schemeClr val="accent1"/>
-          </a:effectRef>
-          <a:fontRef idx="minor">
-            <a:schemeClr val="lt1"/>
-          </a:fontRef>
-        </p:style>
-        <p:txBody>
-          <a:bodyPr rtlCol="0" anchor="ctr"/>
-          <a:lstStyle/>
-          <a:p>
-            <a:pPr algn="ctr"/>
-            <a:endParaRPr lang="en-US"/>
-          </a:p>
-        </p:txBody>
-      </p:sp>
-      <p:pic>
-        <p:nvPicPr>
-          <p:cNvPr id="9" name="Picture 8" descr="A picture containing food&#10;&#10;Description automatically generated">
-            <a:extLst>
-              <a:ext uri="{FF2B5EF4-FFF2-40B4-BE49-F238E27FC236}">
-                <a16:creationId xmlns:a16="http://schemas.microsoft.com/office/drawing/2014/main" id="{F1161FB3-B95E-0746-8E8F-710773F444C6}"/>
-              </a:ext>
-            </a:extLst>
-          </p:cNvPr>
-          <p:cNvPicPr>
-            <a:picLocks noChangeAspect="1"/>
-          </p:cNvPicPr>
-          <p:nvPr/>
-        </p:nvPicPr>
-        <p:blipFill>
-          <a:blip r:embed="rId3" cstate="print">
-            <a:extLst>
-              <a:ext uri="{28A0092B-C50C-407E-A947-70E740481C1C}">
-                <a14:useLocalDpi xmlns:a14="http://schemas.microsoft.com/office/drawing/2010/main" val="0"/>
-              </a:ext>
-            </a:extLst>
-          </a:blip>
-          <a:stretch>
-            <a:fillRect/>
-          </a:stretch>
-        </p:blipFill>
-        <p:spPr>
-          <a:xfrm>
-            <a:off x="251010" y="4493208"/>
-            <a:ext cx="510990" cy="369432"/>
-          </a:xfrm>
-          <a:prstGeom prst="rect">
-            <a:avLst/>
-          </a:prstGeom>
-        </p:spPr>
-      </p:pic>
-      <p:pic>
-        <p:nvPicPr>
-          <p:cNvPr id="10" name="Picture 9" descr="Georgetown Center for Global Health Science and Security — General ...">
-            <a:extLst>
-              <a:ext uri="{FF2B5EF4-FFF2-40B4-BE49-F238E27FC236}">
-                <a16:creationId xmlns:a16="http://schemas.microsoft.com/office/drawing/2014/main" id="{D6226C77-9E03-4F08-A339-D28803D6BAE9}"/>
-              </a:ext>
-            </a:extLst>
-          </p:cNvPr>
-          <p:cNvPicPr>
-            <a:picLocks noChangeAspect="1" noChangeArrowheads="1"/>
-          </p:cNvPicPr>
-          <p:nvPr/>
-        </p:nvPicPr>
-        <p:blipFill>
-          <a:blip r:embed="rId4" cstate="print">
-            <a:extLst>
-              <a:ext uri="{28A0092B-C50C-407E-A947-70E740481C1C}">
-                <a14:useLocalDpi xmlns:a14="http://schemas.microsoft.com/office/drawing/2010/main" val="0"/>
-              </a:ext>
-            </a:extLst>
-          </a:blip>
-          <a:srcRect/>
-          <a:stretch>
-            <a:fillRect/>
-          </a:stretch>
-        </p:blipFill>
-        <p:spPr bwMode="auto">
-          <a:xfrm>
-            <a:off x="762000" y="4264762"/>
-            <a:ext cx="1666646" cy="886378"/>
-          </a:xfrm>
-          <a:prstGeom prst="rect">
-            <a:avLst/>
-          </a:prstGeom>
-          <a:noFill/>
-          <a:extLst>
-            <a:ext uri="{909E8E84-426E-40DD-AFC4-6F175D3DCCD1}">
-              <a14:hiddenFill xmlns:a14="http://schemas.microsoft.com/office/drawing/2010/main">
-                <a:solidFill>
-                  <a:srgbClr val="FFFFFF"/>
-                </a:solidFill>
-              </a14:hiddenFill>
-            </a:ext>
-          </a:extLst>
-        </p:spPr>
-      </p:pic>
     </p:spTree>
     <p:extLst>
       <p:ext uri="{BB962C8B-B14F-4D97-AF65-F5344CB8AC3E}">
@@ -23035,195 +20499,6 @@
           <a:xfrm>
             <a:off x="4327069" y="506186"/>
             <a:ext cx="4484352" cy="4346372"/>
-          </a:xfrm>
-          <a:prstGeom prst="rect">
-            <a:avLst/>
-          </a:prstGeom>
-        </p:spPr>
-      </p:pic>
-      <p:sp>
-        <p:nvSpPr>
-          <p:cNvPr id="7" name="Rounded Rectangle 6">
-            <a:extLst>
-              <a:ext uri="{FF2B5EF4-FFF2-40B4-BE49-F238E27FC236}">
-                <a16:creationId xmlns:a16="http://schemas.microsoft.com/office/drawing/2014/main" id="{2F99BDB7-AEB8-7A43-8C05-D52734DA8088}"/>
-              </a:ext>
-            </a:extLst>
-          </p:cNvPr>
-          <p:cNvSpPr/>
-          <p:nvPr/>
-        </p:nvSpPr>
-        <p:spPr>
-          <a:xfrm>
-            <a:off x="1886913" y="4019550"/>
-            <a:ext cx="2036355" cy="720713"/>
-          </a:xfrm>
-          <a:prstGeom prst="roundRect">
-            <a:avLst>
-              <a:gd name="adj" fmla="val 20191"/>
-            </a:avLst>
-          </a:prstGeom>
-          <a:blipFill>
-            <a:blip r:embed="rId4"/>
-            <a:stretch>
-              <a:fillRect/>
-            </a:stretch>
-          </a:blipFill>
-          <a:ln>
-            <a:noFill/>
-          </a:ln>
-        </p:spPr>
-        <p:style>
-          <a:lnRef idx="2">
-            <a:schemeClr val="accent1">
-              <a:shade val="50000"/>
-            </a:schemeClr>
-          </a:lnRef>
-          <a:fillRef idx="1">
-            <a:schemeClr val="accent1"/>
-          </a:fillRef>
-          <a:effectRef idx="0">
-            <a:schemeClr val="accent1"/>
-          </a:effectRef>
-          <a:fontRef idx="minor">
-            <a:schemeClr val="lt1"/>
-          </a:fontRef>
-        </p:style>
-        <p:txBody>
-          <a:bodyPr rtlCol="0" anchor="ctr"/>
-          <a:lstStyle/>
-          <a:p>
-            <a:pPr algn="ctr"/>
-            <a:endParaRPr lang="en-US" dirty="0"/>
-          </a:p>
-        </p:txBody>
-      </p:sp>
-      <p:sp>
-        <p:nvSpPr>
-          <p:cNvPr id="8" name="Rectangle 7">
-            <a:extLst>
-              <a:ext uri="{FF2B5EF4-FFF2-40B4-BE49-F238E27FC236}">
-                <a16:creationId xmlns:a16="http://schemas.microsoft.com/office/drawing/2014/main" id="{C4C9FEAC-EE71-1B4C-830A-60461064B7E4}"/>
-              </a:ext>
-            </a:extLst>
-          </p:cNvPr>
-          <p:cNvSpPr/>
-          <p:nvPr/>
-        </p:nvSpPr>
-        <p:spPr>
-          <a:xfrm>
-            <a:off x="0" y="4171950"/>
-            <a:ext cx="1524000" cy="971550"/>
-          </a:xfrm>
-          <a:prstGeom prst="rect">
-            <a:avLst/>
-          </a:prstGeom>
-          <a:solidFill>
-            <a:srgbClr val="326A71"/>
-          </a:solidFill>
-          <a:ln>
-            <a:noFill/>
-          </a:ln>
-        </p:spPr>
-        <p:style>
-          <a:lnRef idx="2">
-            <a:schemeClr val="accent1">
-              <a:shade val="50000"/>
-            </a:schemeClr>
-          </a:lnRef>
-          <a:fillRef idx="1">
-            <a:schemeClr val="accent1"/>
-          </a:fillRef>
-          <a:effectRef idx="0">
-            <a:schemeClr val="accent1"/>
-          </a:effectRef>
-          <a:fontRef idx="minor">
-            <a:schemeClr val="lt1"/>
-          </a:fontRef>
-        </p:style>
-        <p:txBody>
-          <a:bodyPr rtlCol="0" anchor="ctr"/>
-          <a:lstStyle/>
-          <a:p>
-            <a:pPr algn="ctr"/>
-            <a:endParaRPr lang="en-US"/>
-          </a:p>
-        </p:txBody>
-      </p:sp>
-      <p:pic>
-        <p:nvPicPr>
-          <p:cNvPr id="9" name="Picture 8" descr="A picture containing food&#10;&#10;Description automatically generated">
-            <a:extLst>
-              <a:ext uri="{FF2B5EF4-FFF2-40B4-BE49-F238E27FC236}">
-                <a16:creationId xmlns:a16="http://schemas.microsoft.com/office/drawing/2014/main" id="{82C4484F-75A0-C042-8BC4-1779A103BD15}"/>
-              </a:ext>
-            </a:extLst>
-          </p:cNvPr>
-          <p:cNvPicPr>
-            <a:picLocks noChangeAspect="1"/>
-          </p:cNvPicPr>
-          <p:nvPr/>
-        </p:nvPicPr>
-        <p:blipFill rotWithShape="1">
-          <a:blip r:embed="rId5" cstate="print">
-            <a:extLst>
-              <a:ext uri="{28A0092B-C50C-407E-A947-70E740481C1C}">
-                <a14:useLocalDpi xmlns:a14="http://schemas.microsoft.com/office/drawing/2010/main" val="0"/>
-              </a:ext>
-            </a:extLst>
-          </a:blip>
-          <a:srcRect r="3390" b="19294"/>
-          <a:stretch/>
-        </p:blipFill>
-        <p:spPr>
-          <a:xfrm>
-            <a:off x="440924" y="4030406"/>
-            <a:ext cx="996875" cy="602071"/>
-          </a:xfrm>
-          <a:prstGeom prst="rect">
-            <a:avLst/>
-          </a:prstGeom>
-        </p:spPr>
-      </p:pic>
-      <p:pic>
-        <p:nvPicPr>
-          <p:cNvPr id="10" name="Picture 9">
-            <a:extLst>
-              <a:ext uri="{FF2B5EF4-FFF2-40B4-BE49-F238E27FC236}">
-                <a16:creationId xmlns:a16="http://schemas.microsoft.com/office/drawing/2014/main" id="{17CA3E9E-850B-0C4C-8AA9-72FE7D8CEEB1}"/>
-              </a:ext>
-            </a:extLst>
-          </p:cNvPr>
-          <p:cNvPicPr>
-            <a:picLocks noChangeAspect="1"/>
-          </p:cNvPicPr>
-          <p:nvPr/>
-        </p:nvPicPr>
-        <p:blipFill>
-          <a:blip r:embed="rId6" cstate="print">
-            <a:extLst>
-              <a:ext uri="{BEBA8EAE-BF5A-486C-A8C5-ECC9F3942E4B}">
-                <a14:imgProps xmlns:a14="http://schemas.microsoft.com/office/drawing/2010/main">
-                  <a14:imgLayer r:embed="rId7">
-                    <a14:imgEffect>
-                      <a14:brightnessContrast bright="100000"/>
-                    </a14:imgEffect>
-                  </a14:imgLayer>
-                </a14:imgProps>
-              </a:ext>
-              <a:ext uri="{28A0092B-C50C-407E-A947-70E740481C1C}">
-                <a14:useLocalDpi xmlns:a14="http://schemas.microsoft.com/office/drawing/2010/main" val="0"/>
-              </a:ext>
-            </a:extLst>
-          </a:blip>
-          <a:stretch>
-            <a:fillRect/>
-          </a:stretch>
-        </p:blipFill>
-        <p:spPr>
-          <a:xfrm>
-            <a:off x="440924" y="4646083"/>
-            <a:ext cx="1032012" cy="143709"/>
           </a:xfrm>
           <a:prstGeom prst="rect">
             <a:avLst/>
@@ -23321,195 +20596,6 @@
           </a:prstGeom>
         </p:spPr>
       </p:pic>
-      <p:sp>
-        <p:nvSpPr>
-          <p:cNvPr id="7" name="Rounded Rectangle 6">
-            <a:extLst>
-              <a:ext uri="{FF2B5EF4-FFF2-40B4-BE49-F238E27FC236}">
-                <a16:creationId xmlns:a16="http://schemas.microsoft.com/office/drawing/2014/main" id="{2F99BDB7-AEB8-7A43-8C05-D52734DA8088}"/>
-              </a:ext>
-            </a:extLst>
-          </p:cNvPr>
-          <p:cNvSpPr/>
-          <p:nvPr/>
-        </p:nvSpPr>
-        <p:spPr>
-          <a:xfrm>
-            <a:off x="1886913" y="4019550"/>
-            <a:ext cx="2036355" cy="720713"/>
-          </a:xfrm>
-          <a:prstGeom prst="roundRect">
-            <a:avLst>
-              <a:gd name="adj" fmla="val 20191"/>
-            </a:avLst>
-          </a:prstGeom>
-          <a:blipFill>
-            <a:blip r:embed="rId4"/>
-            <a:stretch>
-              <a:fillRect/>
-            </a:stretch>
-          </a:blipFill>
-          <a:ln>
-            <a:noFill/>
-          </a:ln>
-        </p:spPr>
-        <p:style>
-          <a:lnRef idx="2">
-            <a:schemeClr val="accent1">
-              <a:shade val="50000"/>
-            </a:schemeClr>
-          </a:lnRef>
-          <a:fillRef idx="1">
-            <a:schemeClr val="accent1"/>
-          </a:fillRef>
-          <a:effectRef idx="0">
-            <a:schemeClr val="accent1"/>
-          </a:effectRef>
-          <a:fontRef idx="minor">
-            <a:schemeClr val="lt1"/>
-          </a:fontRef>
-        </p:style>
-        <p:txBody>
-          <a:bodyPr rtlCol="0" anchor="ctr"/>
-          <a:lstStyle/>
-          <a:p>
-            <a:pPr algn="ctr"/>
-            <a:endParaRPr lang="en-US" dirty="0"/>
-          </a:p>
-        </p:txBody>
-      </p:sp>
-      <p:sp>
-        <p:nvSpPr>
-          <p:cNvPr id="8" name="Rectangle 7">
-            <a:extLst>
-              <a:ext uri="{FF2B5EF4-FFF2-40B4-BE49-F238E27FC236}">
-                <a16:creationId xmlns:a16="http://schemas.microsoft.com/office/drawing/2014/main" id="{C4C9FEAC-EE71-1B4C-830A-60461064B7E4}"/>
-              </a:ext>
-            </a:extLst>
-          </p:cNvPr>
-          <p:cNvSpPr/>
-          <p:nvPr/>
-        </p:nvSpPr>
-        <p:spPr>
-          <a:xfrm>
-            <a:off x="0" y="4171950"/>
-            <a:ext cx="1524000" cy="971550"/>
-          </a:xfrm>
-          <a:prstGeom prst="rect">
-            <a:avLst/>
-          </a:prstGeom>
-          <a:solidFill>
-            <a:srgbClr val="326A71"/>
-          </a:solidFill>
-          <a:ln>
-            <a:noFill/>
-          </a:ln>
-        </p:spPr>
-        <p:style>
-          <a:lnRef idx="2">
-            <a:schemeClr val="accent1">
-              <a:shade val="50000"/>
-            </a:schemeClr>
-          </a:lnRef>
-          <a:fillRef idx="1">
-            <a:schemeClr val="accent1"/>
-          </a:fillRef>
-          <a:effectRef idx="0">
-            <a:schemeClr val="accent1"/>
-          </a:effectRef>
-          <a:fontRef idx="minor">
-            <a:schemeClr val="lt1"/>
-          </a:fontRef>
-        </p:style>
-        <p:txBody>
-          <a:bodyPr rtlCol="0" anchor="ctr"/>
-          <a:lstStyle/>
-          <a:p>
-            <a:pPr algn="ctr"/>
-            <a:endParaRPr lang="en-US"/>
-          </a:p>
-        </p:txBody>
-      </p:sp>
-      <p:pic>
-        <p:nvPicPr>
-          <p:cNvPr id="9" name="Picture 8" descr="A picture containing food&#10;&#10;Description automatically generated">
-            <a:extLst>
-              <a:ext uri="{FF2B5EF4-FFF2-40B4-BE49-F238E27FC236}">
-                <a16:creationId xmlns:a16="http://schemas.microsoft.com/office/drawing/2014/main" id="{82C4484F-75A0-C042-8BC4-1779A103BD15}"/>
-              </a:ext>
-            </a:extLst>
-          </p:cNvPr>
-          <p:cNvPicPr>
-            <a:picLocks noChangeAspect="1"/>
-          </p:cNvPicPr>
-          <p:nvPr/>
-        </p:nvPicPr>
-        <p:blipFill rotWithShape="1">
-          <a:blip r:embed="rId5" cstate="print">
-            <a:extLst>
-              <a:ext uri="{28A0092B-C50C-407E-A947-70E740481C1C}">
-                <a14:useLocalDpi xmlns:a14="http://schemas.microsoft.com/office/drawing/2010/main" val="0"/>
-              </a:ext>
-            </a:extLst>
-          </a:blip>
-          <a:srcRect r="3390" b="19294"/>
-          <a:stretch/>
-        </p:blipFill>
-        <p:spPr>
-          <a:xfrm>
-            <a:off x="440924" y="4030406"/>
-            <a:ext cx="996875" cy="602071"/>
-          </a:xfrm>
-          <a:prstGeom prst="rect">
-            <a:avLst/>
-          </a:prstGeom>
-        </p:spPr>
-      </p:pic>
-      <p:pic>
-        <p:nvPicPr>
-          <p:cNvPr id="10" name="Picture 9">
-            <a:extLst>
-              <a:ext uri="{FF2B5EF4-FFF2-40B4-BE49-F238E27FC236}">
-                <a16:creationId xmlns:a16="http://schemas.microsoft.com/office/drawing/2014/main" id="{17CA3E9E-850B-0C4C-8AA9-72FE7D8CEEB1}"/>
-              </a:ext>
-            </a:extLst>
-          </p:cNvPr>
-          <p:cNvPicPr>
-            <a:picLocks noChangeAspect="1"/>
-          </p:cNvPicPr>
-          <p:nvPr/>
-        </p:nvPicPr>
-        <p:blipFill>
-          <a:blip r:embed="rId6" cstate="print">
-            <a:extLst>
-              <a:ext uri="{BEBA8EAE-BF5A-486C-A8C5-ECC9F3942E4B}">
-                <a14:imgProps xmlns:a14="http://schemas.microsoft.com/office/drawing/2010/main">
-                  <a14:imgLayer r:embed="rId7">
-                    <a14:imgEffect>
-                      <a14:brightnessContrast bright="100000"/>
-                    </a14:imgEffect>
-                  </a14:imgLayer>
-                </a14:imgProps>
-              </a:ext>
-              <a:ext uri="{28A0092B-C50C-407E-A947-70E740481C1C}">
-                <a14:useLocalDpi xmlns:a14="http://schemas.microsoft.com/office/drawing/2010/main" val="0"/>
-              </a:ext>
-            </a:extLst>
-          </a:blip>
-          <a:stretch>
-            <a:fillRect/>
-          </a:stretch>
-        </p:blipFill>
-        <p:spPr>
-          <a:xfrm>
-            <a:off x="440924" y="4646083"/>
-            <a:ext cx="1032012" cy="143709"/>
-          </a:xfrm>
-          <a:prstGeom prst="rect">
-            <a:avLst/>
-          </a:prstGeom>
-        </p:spPr>
-      </p:pic>
     </p:spTree>
     <p:extLst>
       <p:ext uri="{BB962C8B-B14F-4D97-AF65-F5344CB8AC3E}">
@@ -23577,7 +20663,7 @@
         </p:nvSpPr>
         <p:spPr>
           <a:xfrm>
-            <a:off x="457200" y="1151520"/>
+            <a:off x="457200" y="959928"/>
             <a:ext cx="8229600" cy="3341688"/>
           </a:xfrm>
         </p:spPr>
@@ -23639,141 +20725,6 @@
           </a:p>
         </p:txBody>
       </p:sp>
-      <p:sp>
-        <p:nvSpPr>
-          <p:cNvPr id="7" name="Rectangle 6">
-            <a:extLst>
-              <a:ext uri="{FF2B5EF4-FFF2-40B4-BE49-F238E27FC236}">
-                <a16:creationId xmlns:a16="http://schemas.microsoft.com/office/drawing/2014/main" id="{25AFA8FF-B01C-534F-BB54-6F265B7644FC}"/>
-              </a:ext>
-            </a:extLst>
-          </p:cNvPr>
-          <p:cNvSpPr/>
-          <p:nvPr/>
-        </p:nvSpPr>
-        <p:spPr>
-          <a:xfrm>
-            <a:off x="0" y="4446824"/>
-            <a:ext cx="1524000" cy="556999"/>
-          </a:xfrm>
-          <a:prstGeom prst="rect">
-            <a:avLst/>
-          </a:prstGeom>
-          <a:solidFill>
-            <a:schemeClr val="bg2"/>
-          </a:solidFill>
-          <a:ln>
-            <a:noFill/>
-          </a:ln>
-        </p:spPr>
-        <p:style>
-          <a:lnRef idx="2">
-            <a:schemeClr val="accent1">
-              <a:shade val="50000"/>
-            </a:schemeClr>
-          </a:lnRef>
-          <a:fillRef idx="1">
-            <a:schemeClr val="accent1"/>
-          </a:fillRef>
-          <a:effectRef idx="0">
-            <a:schemeClr val="accent1"/>
-          </a:effectRef>
-          <a:fontRef idx="minor">
-            <a:schemeClr val="lt1"/>
-          </a:fontRef>
-        </p:style>
-        <p:txBody>
-          <a:bodyPr rtlCol="0" anchor="ctr"/>
-          <a:lstStyle/>
-          <a:p>
-            <a:pPr algn="ctr"/>
-            <a:endParaRPr lang="en-US"/>
-          </a:p>
-        </p:txBody>
-      </p:sp>
-      <p:pic>
-        <p:nvPicPr>
-          <p:cNvPr id="9" name="Picture 8" descr="A picture containing food&#10;&#10;Description automatically generated">
-            <a:extLst>
-              <a:ext uri="{FF2B5EF4-FFF2-40B4-BE49-F238E27FC236}">
-                <a16:creationId xmlns:a16="http://schemas.microsoft.com/office/drawing/2014/main" id="{F1161FB3-B95E-0746-8E8F-710773F444C6}"/>
-              </a:ext>
-            </a:extLst>
-          </p:cNvPr>
-          <p:cNvPicPr>
-            <a:picLocks noChangeAspect="1"/>
-          </p:cNvPicPr>
-          <p:nvPr/>
-        </p:nvPicPr>
-        <p:blipFill>
-          <a:blip r:embed="rId3" cstate="print">
-            <a:extLst>
-              <a:ext uri="{28A0092B-C50C-407E-A947-70E740481C1C}">
-                <a14:useLocalDpi xmlns:a14="http://schemas.microsoft.com/office/drawing/2010/main" val="0"/>
-              </a:ext>
-            </a:extLst>
-          </a:blip>
-          <a:stretch>
-            <a:fillRect/>
-          </a:stretch>
-        </p:blipFill>
-        <p:spPr>
-          <a:xfrm>
-            <a:off x="251010" y="4493208"/>
-            <a:ext cx="510990" cy="369432"/>
-          </a:xfrm>
-          <a:prstGeom prst="rect">
-            <a:avLst/>
-          </a:prstGeom>
-        </p:spPr>
-      </p:pic>
-      <p:pic>
-        <p:nvPicPr>
-          <p:cNvPr id="10" name="Picture 9" descr="Georgetown Center for Global Health Science and Security — General ...">
-            <a:extLst>
-              <a:ext uri="{FF2B5EF4-FFF2-40B4-BE49-F238E27FC236}">
-                <a16:creationId xmlns:a16="http://schemas.microsoft.com/office/drawing/2014/main" id="{E3F6A0A7-E952-48D7-81E0-F82D39FDDC3D}"/>
-              </a:ext>
-            </a:extLst>
-          </p:cNvPr>
-          <p:cNvPicPr>
-            <a:picLocks noChangeAspect="1" noChangeArrowheads="1"/>
-          </p:cNvPicPr>
-          <p:nvPr/>
-        </p:nvPicPr>
-        <p:blipFill>
-          <a:blip r:embed="rId4" cstate="print">
-            <a:extLst>
-              <a:ext uri="{28A0092B-C50C-407E-A947-70E740481C1C}">
-                <a14:useLocalDpi xmlns:a14="http://schemas.microsoft.com/office/drawing/2010/main" val="0"/>
-              </a:ext>
-            </a:extLst>
-          </a:blip>
-          <a:srcRect/>
-          <a:stretch>
-            <a:fillRect/>
-          </a:stretch>
-        </p:blipFill>
-        <p:spPr bwMode="auto">
-          <a:xfrm>
-            <a:off x="762000" y="4264762"/>
-            <a:ext cx="1666646" cy="886378"/>
-          </a:xfrm>
-          <a:prstGeom prst="rect">
-            <a:avLst/>
-          </a:prstGeom>
-          <a:noFill/>
-          <a:extLst>
-            <a:ext uri="{909E8E84-426E-40DD-AFC4-6F175D3DCCD1}">
-              <a14:hiddenFill xmlns:a14="http://schemas.microsoft.com/office/drawing/2010/main">
-                <a:solidFill>
-                  <a:srgbClr val="FFFFFF"/>
-                </a:solidFill>
-              </a14:hiddenFill>
-            </a:ext>
-          </a:extLst>
-        </p:spPr>
-      </p:pic>
     </p:spTree>
     <p:extLst>
       <p:ext uri="{BB962C8B-B14F-4D97-AF65-F5344CB8AC3E}">
@@ -23921,15 +20872,6 @@
             </a:r>
           </a:p>
           <a:p>
-            <a:pPr marL="457200" lvl="1" indent="0">
-              <a:buClr>
-                <a:srgbClr val="006A71"/>
-              </a:buClr>
-              <a:buNone/>
-            </a:pPr>
-            <a:endParaRPr lang="en-US" dirty="0"/>
-          </a:p>
-          <a:p>
             <a:pPr>
               <a:buClr>
                 <a:srgbClr val="006A71"/>
@@ -23937,151 +20879,8 @@
             </a:pPr>
             <a:endParaRPr lang="en-US" dirty="0"/>
           </a:p>
-          <a:p>
-            <a:pPr>
-              <a:buClr>
-                <a:srgbClr val="006A71"/>
-              </a:buClr>
-            </a:pPr>
-            <a:endParaRPr lang="en-US" dirty="0"/>
-          </a:p>
         </p:txBody>
       </p:sp>
-      <p:sp>
-        <p:nvSpPr>
-          <p:cNvPr id="7" name="Rectangle 6">
-            <a:extLst>
-              <a:ext uri="{FF2B5EF4-FFF2-40B4-BE49-F238E27FC236}">
-                <a16:creationId xmlns:a16="http://schemas.microsoft.com/office/drawing/2014/main" id="{25AFA8FF-B01C-534F-BB54-6F265B7644FC}"/>
-              </a:ext>
-            </a:extLst>
-          </p:cNvPr>
-          <p:cNvSpPr/>
-          <p:nvPr/>
-        </p:nvSpPr>
-        <p:spPr>
-          <a:xfrm>
-            <a:off x="0" y="4446824"/>
-            <a:ext cx="1524000" cy="556999"/>
-          </a:xfrm>
-          <a:prstGeom prst="rect">
-            <a:avLst/>
-          </a:prstGeom>
-          <a:solidFill>
-            <a:schemeClr val="bg2"/>
-          </a:solidFill>
-          <a:ln>
-            <a:noFill/>
-          </a:ln>
-        </p:spPr>
-        <p:style>
-          <a:lnRef idx="2">
-            <a:schemeClr val="accent1">
-              <a:shade val="50000"/>
-            </a:schemeClr>
-          </a:lnRef>
-          <a:fillRef idx="1">
-            <a:schemeClr val="accent1"/>
-          </a:fillRef>
-          <a:effectRef idx="0">
-            <a:schemeClr val="accent1"/>
-          </a:effectRef>
-          <a:fontRef idx="minor">
-            <a:schemeClr val="lt1"/>
-          </a:fontRef>
-        </p:style>
-        <p:txBody>
-          <a:bodyPr rtlCol="0" anchor="ctr"/>
-          <a:lstStyle/>
-          <a:p>
-            <a:pPr algn="ctr"/>
-            <a:endParaRPr lang="en-US"/>
-          </a:p>
-        </p:txBody>
-      </p:sp>
-      <p:pic>
-        <p:nvPicPr>
-          <p:cNvPr id="9" name="Picture 8" descr="A picture containing food&#10;&#10;Description automatically generated">
-            <a:extLst>
-              <a:ext uri="{FF2B5EF4-FFF2-40B4-BE49-F238E27FC236}">
-                <a16:creationId xmlns:a16="http://schemas.microsoft.com/office/drawing/2014/main" id="{F1161FB3-B95E-0746-8E8F-710773F444C6}"/>
-              </a:ext>
-            </a:extLst>
-          </p:cNvPr>
-          <p:cNvPicPr>
-            <a:picLocks noChangeAspect="1"/>
-          </p:cNvPicPr>
-          <p:nvPr/>
-        </p:nvPicPr>
-        <p:blipFill>
-          <a:blip r:embed="rId3" cstate="print">
-            <a:extLst>
-              <a:ext uri="{28A0092B-C50C-407E-A947-70E740481C1C}">
-                <a14:useLocalDpi xmlns:a14="http://schemas.microsoft.com/office/drawing/2010/main" val="0"/>
-              </a:ext>
-            </a:extLst>
-          </a:blip>
-          <a:stretch>
-            <a:fillRect/>
-          </a:stretch>
-        </p:blipFill>
-        <p:spPr>
-          <a:xfrm>
-            <a:off x="251010" y="4493208"/>
-            <a:ext cx="510990" cy="369432"/>
-          </a:xfrm>
-          <a:prstGeom prst="rect">
-            <a:avLst/>
-          </a:prstGeom>
-        </p:spPr>
-      </p:pic>
-      <p:pic>
-        <p:nvPicPr>
-          <p:cNvPr id="10" name="Picture 9" descr="Georgetown Center for Global Health Science and Security — General ...">
-            <a:extLst>
-              <a:ext uri="{FF2B5EF4-FFF2-40B4-BE49-F238E27FC236}">
-                <a16:creationId xmlns:a16="http://schemas.microsoft.com/office/drawing/2014/main" id="{579F0B08-3EA4-45E6-8EE2-5EF19CFEE5C6}"/>
-              </a:ext>
-            </a:extLst>
-          </p:cNvPr>
-          <p:cNvPicPr>
-            <a:picLocks noChangeAspect="1" noChangeArrowheads="1"/>
-          </p:cNvPicPr>
-          <p:nvPr/>
-        </p:nvPicPr>
-        <p:blipFill>
-          <a:blip r:embed="rId4" cstate="print">
-            <a:extLst>
-              <a:ext uri="{28A0092B-C50C-407E-A947-70E740481C1C}">
-                <a14:useLocalDpi xmlns:a14="http://schemas.microsoft.com/office/drawing/2010/main" val="0"/>
-              </a:ext>
-            </a:extLst>
-          </a:blip>
-          <a:srcRect/>
-          <a:stretch>
-            <a:fillRect/>
-          </a:stretch>
-        </p:blipFill>
-        <p:spPr bwMode="auto">
-          <a:xfrm>
-            <a:off x="762000" y="4264762"/>
-            <a:ext cx="1666646" cy="886378"/>
-          </a:xfrm>
-          <a:prstGeom prst="rect">
-            <a:avLst/>
-          </a:prstGeom>
-          <a:noFill/>
-          <a:extLst>
-            <a:ext uri="{909E8E84-426E-40DD-AFC4-6F175D3DCCD1}">
-              <a14:hiddenFill xmlns:a14="http://schemas.microsoft.com/office/drawing/2010/main">
-                <a:solidFill>
-                  <a:srgbClr val="FFFFFF"/>
-                </a:solidFill>
-              </a14:hiddenFill>
-            </a:ext>
-          </a:extLst>
-        </p:spPr>
-      </p:pic>
     </p:spTree>
     <p:extLst>
       <p:ext uri="{BB962C8B-B14F-4D97-AF65-F5344CB8AC3E}">
@@ -24149,7 +20948,7 @@
         </p:nvSpPr>
         <p:spPr>
           <a:xfrm>
-            <a:off x="457199" y="1151520"/>
+            <a:off x="457199" y="1073139"/>
             <a:ext cx="8440615" cy="3341688"/>
           </a:xfrm>
         </p:spPr>
@@ -24221,14 +21020,7 @@
               <a:rPr lang="en-US" sz="1900" dirty="0"/>
               <a:t>Even during the COVID-19 response, planning can begin for the AAR. </a:t>
             </a:r>
-          </a:p>
-          <a:p>
-            <a:pPr lvl="1">
-              <a:buClr>
-                <a:srgbClr val="006A71"/>
-              </a:buClr>
-            </a:pPr>
-            <a:endParaRPr lang="en-US" sz="1900" dirty="0"/>
+            <a:endParaRPr lang="en-US" dirty="0"/>
           </a:p>
           <a:p>
             <a:pPr>
@@ -24238,151 +21030,8 @@
             </a:pPr>
             <a:endParaRPr lang="en-US" dirty="0"/>
           </a:p>
-          <a:p>
-            <a:pPr>
-              <a:buClr>
-                <a:srgbClr val="006A71"/>
-              </a:buClr>
-            </a:pPr>
-            <a:endParaRPr lang="en-US" dirty="0"/>
-          </a:p>
         </p:txBody>
       </p:sp>
-      <p:sp>
-        <p:nvSpPr>
-          <p:cNvPr id="7" name="Rectangle 6">
-            <a:extLst>
-              <a:ext uri="{FF2B5EF4-FFF2-40B4-BE49-F238E27FC236}">
-                <a16:creationId xmlns:a16="http://schemas.microsoft.com/office/drawing/2014/main" id="{25AFA8FF-B01C-534F-BB54-6F265B7644FC}"/>
-              </a:ext>
-            </a:extLst>
-          </p:cNvPr>
-          <p:cNvSpPr/>
-          <p:nvPr/>
-        </p:nvSpPr>
-        <p:spPr>
-          <a:xfrm>
-            <a:off x="0" y="4446824"/>
-            <a:ext cx="1524000" cy="556999"/>
-          </a:xfrm>
-          <a:prstGeom prst="rect">
-            <a:avLst/>
-          </a:prstGeom>
-          <a:solidFill>
-            <a:schemeClr val="bg2"/>
-          </a:solidFill>
-          <a:ln>
-            <a:noFill/>
-          </a:ln>
-        </p:spPr>
-        <p:style>
-          <a:lnRef idx="2">
-            <a:schemeClr val="accent1">
-              <a:shade val="50000"/>
-            </a:schemeClr>
-          </a:lnRef>
-          <a:fillRef idx="1">
-            <a:schemeClr val="accent1"/>
-          </a:fillRef>
-          <a:effectRef idx="0">
-            <a:schemeClr val="accent1"/>
-          </a:effectRef>
-          <a:fontRef idx="minor">
-            <a:schemeClr val="lt1"/>
-          </a:fontRef>
-        </p:style>
-        <p:txBody>
-          <a:bodyPr rtlCol="0" anchor="ctr"/>
-          <a:lstStyle/>
-          <a:p>
-            <a:pPr algn="ctr"/>
-            <a:endParaRPr lang="en-US"/>
-          </a:p>
-        </p:txBody>
-      </p:sp>
-      <p:pic>
-        <p:nvPicPr>
-          <p:cNvPr id="9" name="Picture 8" descr="A picture containing food&#10;&#10;Description automatically generated">
-            <a:extLst>
-              <a:ext uri="{FF2B5EF4-FFF2-40B4-BE49-F238E27FC236}">
-                <a16:creationId xmlns:a16="http://schemas.microsoft.com/office/drawing/2014/main" id="{F1161FB3-B95E-0746-8E8F-710773F444C6}"/>
-              </a:ext>
-            </a:extLst>
-          </p:cNvPr>
-          <p:cNvPicPr>
-            <a:picLocks noChangeAspect="1"/>
-          </p:cNvPicPr>
-          <p:nvPr/>
-        </p:nvPicPr>
-        <p:blipFill>
-          <a:blip r:embed="rId3" cstate="print">
-            <a:extLst>
-              <a:ext uri="{28A0092B-C50C-407E-A947-70E740481C1C}">
-                <a14:useLocalDpi xmlns:a14="http://schemas.microsoft.com/office/drawing/2010/main" val="0"/>
-              </a:ext>
-            </a:extLst>
-          </a:blip>
-          <a:stretch>
-            <a:fillRect/>
-          </a:stretch>
-        </p:blipFill>
-        <p:spPr>
-          <a:xfrm>
-            <a:off x="251010" y="4493208"/>
-            <a:ext cx="510990" cy="369432"/>
-          </a:xfrm>
-          <a:prstGeom prst="rect">
-            <a:avLst/>
-          </a:prstGeom>
-        </p:spPr>
-      </p:pic>
-      <p:pic>
-        <p:nvPicPr>
-          <p:cNvPr id="10" name="Picture 9" descr="Georgetown Center for Global Health Science and Security — General ...">
-            <a:extLst>
-              <a:ext uri="{FF2B5EF4-FFF2-40B4-BE49-F238E27FC236}">
-                <a16:creationId xmlns:a16="http://schemas.microsoft.com/office/drawing/2014/main" id="{1A4812BA-1950-4C29-8505-7701F107C7B7}"/>
-              </a:ext>
-            </a:extLst>
-          </p:cNvPr>
-          <p:cNvPicPr>
-            <a:picLocks noChangeAspect="1" noChangeArrowheads="1"/>
-          </p:cNvPicPr>
-          <p:nvPr/>
-        </p:nvPicPr>
-        <p:blipFill>
-          <a:blip r:embed="rId4" cstate="print">
-            <a:extLst>
-              <a:ext uri="{28A0092B-C50C-407E-A947-70E740481C1C}">
-                <a14:useLocalDpi xmlns:a14="http://schemas.microsoft.com/office/drawing/2010/main" val="0"/>
-              </a:ext>
-            </a:extLst>
-          </a:blip>
-          <a:srcRect/>
-          <a:stretch>
-            <a:fillRect/>
-          </a:stretch>
-        </p:blipFill>
-        <p:spPr bwMode="auto">
-          <a:xfrm>
-            <a:off x="762000" y="4264762"/>
-            <a:ext cx="1666646" cy="886378"/>
-          </a:xfrm>
-          <a:prstGeom prst="rect">
-            <a:avLst/>
-          </a:prstGeom>
-          <a:noFill/>
-          <a:extLst>
-            <a:ext uri="{909E8E84-426E-40DD-AFC4-6F175D3DCCD1}">
-              <a14:hiddenFill xmlns:a14="http://schemas.microsoft.com/office/drawing/2010/main">
-                <a:solidFill>
-                  <a:srgbClr val="FFFFFF"/>
-                </a:solidFill>
-              </a14:hiddenFill>
-            </a:ext>
-          </a:extLst>
-        </p:spPr>
-      </p:pic>
     </p:spTree>
     <p:extLst>
       <p:ext uri="{BB962C8B-B14F-4D97-AF65-F5344CB8AC3E}">
@@ -24527,141 +21176,6 @@
           </a:p>
         </p:txBody>
       </p:sp>
-      <p:sp>
-        <p:nvSpPr>
-          <p:cNvPr id="7" name="Rectangle 6">
-            <a:extLst>
-              <a:ext uri="{FF2B5EF4-FFF2-40B4-BE49-F238E27FC236}">
-                <a16:creationId xmlns:a16="http://schemas.microsoft.com/office/drawing/2014/main" id="{25AFA8FF-B01C-534F-BB54-6F265B7644FC}"/>
-              </a:ext>
-            </a:extLst>
-          </p:cNvPr>
-          <p:cNvSpPr/>
-          <p:nvPr/>
-        </p:nvSpPr>
-        <p:spPr>
-          <a:xfrm>
-            <a:off x="0" y="4446824"/>
-            <a:ext cx="1524000" cy="556999"/>
-          </a:xfrm>
-          <a:prstGeom prst="rect">
-            <a:avLst/>
-          </a:prstGeom>
-          <a:solidFill>
-            <a:schemeClr val="bg2"/>
-          </a:solidFill>
-          <a:ln>
-            <a:noFill/>
-          </a:ln>
-        </p:spPr>
-        <p:style>
-          <a:lnRef idx="2">
-            <a:schemeClr val="accent1">
-              <a:shade val="50000"/>
-            </a:schemeClr>
-          </a:lnRef>
-          <a:fillRef idx="1">
-            <a:schemeClr val="accent1"/>
-          </a:fillRef>
-          <a:effectRef idx="0">
-            <a:schemeClr val="accent1"/>
-          </a:effectRef>
-          <a:fontRef idx="minor">
-            <a:schemeClr val="lt1"/>
-          </a:fontRef>
-        </p:style>
-        <p:txBody>
-          <a:bodyPr rtlCol="0" anchor="ctr"/>
-          <a:lstStyle/>
-          <a:p>
-            <a:pPr algn="ctr"/>
-            <a:endParaRPr lang="en-US"/>
-          </a:p>
-        </p:txBody>
-      </p:sp>
-      <p:pic>
-        <p:nvPicPr>
-          <p:cNvPr id="9" name="Picture 8" descr="A picture containing food&#10;&#10;Description automatically generated">
-            <a:extLst>
-              <a:ext uri="{FF2B5EF4-FFF2-40B4-BE49-F238E27FC236}">
-                <a16:creationId xmlns:a16="http://schemas.microsoft.com/office/drawing/2014/main" id="{F1161FB3-B95E-0746-8E8F-710773F444C6}"/>
-              </a:ext>
-            </a:extLst>
-          </p:cNvPr>
-          <p:cNvPicPr>
-            <a:picLocks noChangeAspect="1"/>
-          </p:cNvPicPr>
-          <p:nvPr/>
-        </p:nvPicPr>
-        <p:blipFill>
-          <a:blip r:embed="rId3" cstate="print">
-            <a:extLst>
-              <a:ext uri="{28A0092B-C50C-407E-A947-70E740481C1C}">
-                <a14:useLocalDpi xmlns:a14="http://schemas.microsoft.com/office/drawing/2010/main" val="0"/>
-              </a:ext>
-            </a:extLst>
-          </a:blip>
-          <a:stretch>
-            <a:fillRect/>
-          </a:stretch>
-        </p:blipFill>
-        <p:spPr>
-          <a:xfrm>
-            <a:off x="251010" y="4493208"/>
-            <a:ext cx="510990" cy="369432"/>
-          </a:xfrm>
-          <a:prstGeom prst="rect">
-            <a:avLst/>
-          </a:prstGeom>
-        </p:spPr>
-      </p:pic>
-      <p:pic>
-        <p:nvPicPr>
-          <p:cNvPr id="10" name="Picture 9" descr="Georgetown Center for Global Health Science and Security — General ...">
-            <a:extLst>
-              <a:ext uri="{FF2B5EF4-FFF2-40B4-BE49-F238E27FC236}">
-                <a16:creationId xmlns:a16="http://schemas.microsoft.com/office/drawing/2014/main" id="{0134476A-F337-421D-B564-547C9B4E0EE0}"/>
-              </a:ext>
-            </a:extLst>
-          </p:cNvPr>
-          <p:cNvPicPr>
-            <a:picLocks noChangeAspect="1" noChangeArrowheads="1"/>
-          </p:cNvPicPr>
-          <p:nvPr/>
-        </p:nvPicPr>
-        <p:blipFill>
-          <a:blip r:embed="rId4" cstate="print">
-            <a:extLst>
-              <a:ext uri="{28A0092B-C50C-407E-A947-70E740481C1C}">
-                <a14:useLocalDpi xmlns:a14="http://schemas.microsoft.com/office/drawing/2010/main" val="0"/>
-              </a:ext>
-            </a:extLst>
-          </a:blip>
-          <a:srcRect/>
-          <a:stretch>
-            <a:fillRect/>
-          </a:stretch>
-        </p:blipFill>
-        <p:spPr bwMode="auto">
-          <a:xfrm>
-            <a:off x="762000" y="4264762"/>
-            <a:ext cx="1666646" cy="886378"/>
-          </a:xfrm>
-          <a:prstGeom prst="rect">
-            <a:avLst/>
-          </a:prstGeom>
-          <a:noFill/>
-          <a:extLst>
-            <a:ext uri="{909E8E84-426E-40DD-AFC4-6F175D3DCCD1}">
-              <a14:hiddenFill xmlns:a14="http://schemas.microsoft.com/office/drawing/2010/main">
-                <a:solidFill>
-                  <a:srgbClr val="FFFFFF"/>
-                </a:solidFill>
-              </a14:hiddenFill>
-            </a:ext>
-          </a:extLst>
-        </p:spPr>
-      </p:pic>
     </p:spTree>
     <p:extLst>
       <p:ext uri="{BB962C8B-B14F-4D97-AF65-F5344CB8AC3E}">
@@ -24817,167 +21331,8 @@
             </a:pPr>
             <a:endParaRPr lang="en-US" sz="1950" dirty="0"/>
           </a:p>
-          <a:p>
-            <a:pPr>
-              <a:buClr>
-                <a:srgbClr val="006A71"/>
-              </a:buClr>
-            </a:pPr>
-            <a:endParaRPr lang="en-US" sz="1950" dirty="0"/>
-          </a:p>
-          <a:p>
-            <a:pPr>
-              <a:buClr>
-                <a:srgbClr val="006A71"/>
-              </a:buClr>
-            </a:pPr>
-            <a:endParaRPr lang="en-US" sz="1950" dirty="0"/>
-          </a:p>
-          <a:p>
-            <a:pPr>
-              <a:buClr>
-                <a:srgbClr val="006A71"/>
-              </a:buClr>
-            </a:pPr>
-            <a:endParaRPr lang="en-US" sz="1950" dirty="0"/>
-          </a:p>
         </p:txBody>
       </p:sp>
-      <p:sp>
-        <p:nvSpPr>
-          <p:cNvPr id="7" name="Rectangle 6">
-            <a:extLst>
-              <a:ext uri="{FF2B5EF4-FFF2-40B4-BE49-F238E27FC236}">
-                <a16:creationId xmlns:a16="http://schemas.microsoft.com/office/drawing/2014/main" id="{25AFA8FF-B01C-534F-BB54-6F265B7644FC}"/>
-              </a:ext>
-            </a:extLst>
-          </p:cNvPr>
-          <p:cNvSpPr/>
-          <p:nvPr/>
-        </p:nvSpPr>
-        <p:spPr>
-          <a:xfrm>
-            <a:off x="0" y="4446824"/>
-            <a:ext cx="1524000" cy="556999"/>
-          </a:xfrm>
-          <a:prstGeom prst="rect">
-            <a:avLst/>
-          </a:prstGeom>
-          <a:solidFill>
-            <a:schemeClr val="bg2"/>
-          </a:solidFill>
-          <a:ln>
-            <a:noFill/>
-          </a:ln>
-        </p:spPr>
-        <p:style>
-          <a:lnRef idx="2">
-            <a:schemeClr val="accent1">
-              <a:shade val="50000"/>
-            </a:schemeClr>
-          </a:lnRef>
-          <a:fillRef idx="1">
-            <a:schemeClr val="accent1"/>
-          </a:fillRef>
-          <a:effectRef idx="0">
-            <a:schemeClr val="accent1"/>
-          </a:effectRef>
-          <a:fontRef idx="minor">
-            <a:schemeClr val="lt1"/>
-          </a:fontRef>
-        </p:style>
-        <p:txBody>
-          <a:bodyPr rtlCol="0" anchor="ctr"/>
-          <a:lstStyle/>
-          <a:p>
-            <a:pPr algn="ctr"/>
-            <a:endParaRPr lang="en-US"/>
-          </a:p>
-        </p:txBody>
-      </p:sp>
-      <p:pic>
-        <p:nvPicPr>
-          <p:cNvPr id="9" name="Picture 8" descr="A picture containing food&#10;&#10;Description automatically generated">
-            <a:extLst>
-              <a:ext uri="{FF2B5EF4-FFF2-40B4-BE49-F238E27FC236}">
-                <a16:creationId xmlns:a16="http://schemas.microsoft.com/office/drawing/2014/main" id="{F1161FB3-B95E-0746-8E8F-710773F444C6}"/>
-              </a:ext>
-            </a:extLst>
-          </p:cNvPr>
-          <p:cNvPicPr>
-            <a:picLocks noChangeAspect="1"/>
-          </p:cNvPicPr>
-          <p:nvPr/>
-        </p:nvPicPr>
-        <p:blipFill>
-          <a:blip r:embed="rId3" cstate="print">
-            <a:extLst>
-              <a:ext uri="{28A0092B-C50C-407E-A947-70E740481C1C}">
-                <a14:useLocalDpi xmlns:a14="http://schemas.microsoft.com/office/drawing/2010/main" val="0"/>
-              </a:ext>
-            </a:extLst>
-          </a:blip>
-          <a:stretch>
-            <a:fillRect/>
-          </a:stretch>
-        </p:blipFill>
-        <p:spPr>
-          <a:xfrm>
-            <a:off x="251010" y="4493208"/>
-            <a:ext cx="510990" cy="369432"/>
-          </a:xfrm>
-          <a:prstGeom prst="rect">
-            <a:avLst/>
-          </a:prstGeom>
-        </p:spPr>
-      </p:pic>
-      <p:pic>
-        <p:nvPicPr>
-          <p:cNvPr id="10" name="Picture 9" descr="Georgetown Center for Global Health Science and Security — General ...">
-            <a:extLst>
-              <a:ext uri="{FF2B5EF4-FFF2-40B4-BE49-F238E27FC236}">
-                <a16:creationId xmlns:a16="http://schemas.microsoft.com/office/drawing/2014/main" id="{14913752-02FA-4B4C-A2CB-D7495AAF2368}"/>
-              </a:ext>
-            </a:extLst>
-          </p:cNvPr>
-          <p:cNvPicPr>
-            <a:picLocks noChangeAspect="1" noChangeArrowheads="1"/>
-          </p:cNvPicPr>
-          <p:nvPr/>
-        </p:nvPicPr>
-        <p:blipFill>
-          <a:blip r:embed="rId4" cstate="print">
-            <a:extLst>
-              <a:ext uri="{28A0092B-C50C-407E-A947-70E740481C1C}">
-                <a14:useLocalDpi xmlns:a14="http://schemas.microsoft.com/office/drawing/2010/main" val="0"/>
-              </a:ext>
-            </a:extLst>
-          </a:blip>
-          <a:srcRect/>
-          <a:stretch>
-            <a:fillRect/>
-          </a:stretch>
-        </p:blipFill>
-        <p:spPr bwMode="auto">
-          <a:xfrm>
-            <a:off x="762000" y="4264762"/>
-            <a:ext cx="1666646" cy="886378"/>
-          </a:xfrm>
-          <a:prstGeom prst="rect">
-            <a:avLst/>
-          </a:prstGeom>
-          <a:noFill/>
-          <a:extLst>
-            <a:ext uri="{909E8E84-426E-40DD-AFC4-6F175D3DCCD1}">
-              <a14:hiddenFill xmlns:a14="http://schemas.microsoft.com/office/drawing/2010/main">
-                <a:solidFill>
-                  <a:srgbClr val="FFFFFF"/>
-                </a:solidFill>
-              </a14:hiddenFill>
-            </a:ext>
-          </a:extLst>
-        </p:spPr>
-      </p:pic>
     </p:spTree>
     <p:extLst>
       <p:ext uri="{BB962C8B-B14F-4D97-AF65-F5344CB8AC3E}">
@@ -25119,38 +21474,6 @@
             </a:r>
           </a:p>
           <a:p>
-            <a:pPr lvl="1">
-              <a:buClr>
-                <a:srgbClr val="006A71"/>
-              </a:buClr>
-            </a:pPr>
-            <a:endParaRPr lang="en-US" dirty="0"/>
-          </a:p>
-          <a:p>
-            <a:pPr lvl="1">
-              <a:buClr>
-                <a:srgbClr val="006A71"/>
-              </a:buClr>
-            </a:pPr>
-            <a:endParaRPr lang="en-US" dirty="0"/>
-          </a:p>
-          <a:p>
-            <a:pPr lvl="1">
-              <a:buClr>
-                <a:srgbClr val="006A71"/>
-              </a:buClr>
-            </a:pPr>
-            <a:endParaRPr lang="en-US" dirty="0"/>
-          </a:p>
-          <a:p>
-            <a:pPr lvl="1">
-              <a:buClr>
-                <a:srgbClr val="006A71"/>
-              </a:buClr>
-            </a:pPr>
-            <a:endParaRPr lang="en-US" dirty="0"/>
-          </a:p>
-          <a:p>
             <a:pPr marL="457200" lvl="1" indent="0">
               <a:buClr>
                 <a:srgbClr val="006A71"/>
@@ -25159,183 +21482,8 @@
             </a:pPr>
             <a:endParaRPr lang="en-US" dirty="0"/>
           </a:p>
-          <a:p>
-            <a:pPr lvl="1">
-              <a:buClr>
-                <a:srgbClr val="006A71"/>
-              </a:buClr>
-            </a:pPr>
-            <a:endParaRPr lang="en-US" dirty="0"/>
-          </a:p>
-          <a:p>
-            <a:pPr lvl="1">
-              <a:buClr>
-                <a:srgbClr val="006A71"/>
-              </a:buClr>
-            </a:pPr>
-            <a:endParaRPr lang="en-US" dirty="0"/>
-          </a:p>
-          <a:p>
-            <a:pPr>
-              <a:buClr>
-                <a:srgbClr val="006A71"/>
-              </a:buClr>
-            </a:pPr>
-            <a:endParaRPr lang="en-US" dirty="0"/>
-          </a:p>
-          <a:p>
-            <a:pPr>
-              <a:buClr>
-                <a:srgbClr val="006A71"/>
-              </a:buClr>
-            </a:pPr>
-            <a:endParaRPr lang="en-US" dirty="0"/>
-          </a:p>
-          <a:p>
-            <a:pPr>
-              <a:buClr>
-                <a:srgbClr val="006A71"/>
-              </a:buClr>
-            </a:pPr>
-            <a:endParaRPr lang="en-US" dirty="0"/>
-          </a:p>
         </p:txBody>
       </p:sp>
-      <p:sp>
-        <p:nvSpPr>
-          <p:cNvPr id="7" name="Rectangle 6">
-            <a:extLst>
-              <a:ext uri="{FF2B5EF4-FFF2-40B4-BE49-F238E27FC236}">
-                <a16:creationId xmlns:a16="http://schemas.microsoft.com/office/drawing/2014/main" id="{25AFA8FF-B01C-534F-BB54-6F265B7644FC}"/>
-              </a:ext>
-            </a:extLst>
-          </p:cNvPr>
-          <p:cNvSpPr/>
-          <p:nvPr/>
-        </p:nvSpPr>
-        <p:spPr>
-          <a:xfrm>
-            <a:off x="0" y="4446824"/>
-            <a:ext cx="1524000" cy="556999"/>
-          </a:xfrm>
-          <a:prstGeom prst="rect">
-            <a:avLst/>
-          </a:prstGeom>
-          <a:solidFill>
-            <a:schemeClr val="bg2"/>
-          </a:solidFill>
-          <a:ln>
-            <a:noFill/>
-          </a:ln>
-        </p:spPr>
-        <p:style>
-          <a:lnRef idx="2">
-            <a:schemeClr val="accent1">
-              <a:shade val="50000"/>
-            </a:schemeClr>
-          </a:lnRef>
-          <a:fillRef idx="1">
-            <a:schemeClr val="accent1"/>
-          </a:fillRef>
-          <a:effectRef idx="0">
-            <a:schemeClr val="accent1"/>
-          </a:effectRef>
-          <a:fontRef idx="minor">
-            <a:schemeClr val="lt1"/>
-          </a:fontRef>
-        </p:style>
-        <p:txBody>
-          <a:bodyPr rtlCol="0" anchor="ctr"/>
-          <a:lstStyle/>
-          <a:p>
-            <a:pPr algn="ctr"/>
-            <a:endParaRPr lang="en-US"/>
-          </a:p>
-        </p:txBody>
-      </p:sp>
-      <p:pic>
-        <p:nvPicPr>
-          <p:cNvPr id="9" name="Picture 8" descr="A picture containing food&#10;&#10;Description automatically generated">
-            <a:extLst>
-              <a:ext uri="{FF2B5EF4-FFF2-40B4-BE49-F238E27FC236}">
-                <a16:creationId xmlns:a16="http://schemas.microsoft.com/office/drawing/2014/main" id="{F1161FB3-B95E-0746-8E8F-710773F444C6}"/>
-              </a:ext>
-            </a:extLst>
-          </p:cNvPr>
-          <p:cNvPicPr>
-            <a:picLocks noChangeAspect="1"/>
-          </p:cNvPicPr>
-          <p:nvPr/>
-        </p:nvPicPr>
-        <p:blipFill>
-          <a:blip r:embed="rId3" cstate="print">
-            <a:extLst>
-              <a:ext uri="{28A0092B-C50C-407E-A947-70E740481C1C}">
-                <a14:useLocalDpi xmlns:a14="http://schemas.microsoft.com/office/drawing/2010/main" val="0"/>
-              </a:ext>
-            </a:extLst>
-          </a:blip>
-          <a:stretch>
-            <a:fillRect/>
-          </a:stretch>
-        </p:blipFill>
-        <p:spPr>
-          <a:xfrm>
-            <a:off x="251010" y="4493208"/>
-            <a:ext cx="510990" cy="369432"/>
-          </a:xfrm>
-          <a:prstGeom prst="rect">
-            <a:avLst/>
-          </a:prstGeom>
-        </p:spPr>
-      </p:pic>
-      <p:pic>
-        <p:nvPicPr>
-          <p:cNvPr id="10" name="Picture 9" descr="Georgetown Center for Global Health Science and Security — General ...">
-            <a:extLst>
-              <a:ext uri="{FF2B5EF4-FFF2-40B4-BE49-F238E27FC236}">
-                <a16:creationId xmlns:a16="http://schemas.microsoft.com/office/drawing/2014/main" id="{2B5B37E8-DB08-4ED1-B239-1983116CD5E5}"/>
-              </a:ext>
-            </a:extLst>
-          </p:cNvPr>
-          <p:cNvPicPr>
-            <a:picLocks noChangeAspect="1" noChangeArrowheads="1"/>
-          </p:cNvPicPr>
-          <p:nvPr/>
-        </p:nvPicPr>
-        <p:blipFill>
-          <a:blip r:embed="rId4" cstate="print">
-            <a:extLst>
-              <a:ext uri="{28A0092B-C50C-407E-A947-70E740481C1C}">
-                <a14:useLocalDpi xmlns:a14="http://schemas.microsoft.com/office/drawing/2010/main" val="0"/>
-              </a:ext>
-            </a:extLst>
-          </a:blip>
-          <a:srcRect/>
-          <a:stretch>
-            <a:fillRect/>
-          </a:stretch>
-        </p:blipFill>
-        <p:spPr bwMode="auto">
-          <a:xfrm>
-            <a:off x="762000" y="4264762"/>
-            <a:ext cx="1666646" cy="886378"/>
-          </a:xfrm>
-          <a:prstGeom prst="rect">
-            <a:avLst/>
-          </a:prstGeom>
-          <a:noFill/>
-          <a:extLst>
-            <a:ext uri="{909E8E84-426E-40DD-AFC4-6F175D3DCCD1}">
-              <a14:hiddenFill xmlns:a14="http://schemas.microsoft.com/office/drawing/2010/main">
-                <a:solidFill>
-                  <a:srgbClr val="FFFFFF"/>
-                </a:solidFill>
-              </a14:hiddenFill>
-            </a:ext>
-          </a:extLst>
-        </p:spPr>
-      </p:pic>
     </p:spTree>
     <p:extLst>
       <p:ext uri="{BB962C8B-B14F-4D97-AF65-F5344CB8AC3E}">
@@ -25403,7 +21551,7 @@
         </p:nvSpPr>
         <p:spPr>
           <a:xfrm>
-            <a:off x="457200" y="992661"/>
+            <a:off x="457200" y="833601"/>
             <a:ext cx="8158294" cy="3341688"/>
           </a:xfrm>
         </p:spPr>
@@ -25456,141 +21604,6 @@
           </a:p>
         </p:txBody>
       </p:sp>
-      <p:sp>
-        <p:nvSpPr>
-          <p:cNvPr id="7" name="Rectangle 6">
-            <a:extLst>
-              <a:ext uri="{FF2B5EF4-FFF2-40B4-BE49-F238E27FC236}">
-                <a16:creationId xmlns:a16="http://schemas.microsoft.com/office/drawing/2014/main" id="{25AFA8FF-B01C-534F-BB54-6F265B7644FC}"/>
-              </a:ext>
-            </a:extLst>
-          </p:cNvPr>
-          <p:cNvSpPr/>
-          <p:nvPr/>
-        </p:nvSpPr>
-        <p:spPr>
-          <a:xfrm>
-            <a:off x="0" y="4446824"/>
-            <a:ext cx="1524000" cy="556999"/>
-          </a:xfrm>
-          <a:prstGeom prst="rect">
-            <a:avLst/>
-          </a:prstGeom>
-          <a:solidFill>
-            <a:schemeClr val="bg2"/>
-          </a:solidFill>
-          <a:ln>
-            <a:noFill/>
-          </a:ln>
-        </p:spPr>
-        <p:style>
-          <a:lnRef idx="2">
-            <a:schemeClr val="accent1">
-              <a:shade val="50000"/>
-            </a:schemeClr>
-          </a:lnRef>
-          <a:fillRef idx="1">
-            <a:schemeClr val="accent1"/>
-          </a:fillRef>
-          <a:effectRef idx="0">
-            <a:schemeClr val="accent1"/>
-          </a:effectRef>
-          <a:fontRef idx="minor">
-            <a:schemeClr val="lt1"/>
-          </a:fontRef>
-        </p:style>
-        <p:txBody>
-          <a:bodyPr rtlCol="0" anchor="ctr"/>
-          <a:lstStyle/>
-          <a:p>
-            <a:pPr algn="ctr"/>
-            <a:endParaRPr lang="en-US"/>
-          </a:p>
-        </p:txBody>
-      </p:sp>
-      <p:pic>
-        <p:nvPicPr>
-          <p:cNvPr id="9" name="Picture 8" descr="A picture containing food&#10;&#10;Description automatically generated">
-            <a:extLst>
-              <a:ext uri="{FF2B5EF4-FFF2-40B4-BE49-F238E27FC236}">
-                <a16:creationId xmlns:a16="http://schemas.microsoft.com/office/drawing/2014/main" id="{F1161FB3-B95E-0746-8E8F-710773F444C6}"/>
-              </a:ext>
-            </a:extLst>
-          </p:cNvPr>
-          <p:cNvPicPr>
-            <a:picLocks noChangeAspect="1"/>
-          </p:cNvPicPr>
-          <p:nvPr/>
-        </p:nvPicPr>
-        <p:blipFill>
-          <a:blip r:embed="rId3" cstate="print">
-            <a:extLst>
-              <a:ext uri="{28A0092B-C50C-407E-A947-70E740481C1C}">
-                <a14:useLocalDpi xmlns:a14="http://schemas.microsoft.com/office/drawing/2010/main" val="0"/>
-              </a:ext>
-            </a:extLst>
-          </a:blip>
-          <a:stretch>
-            <a:fillRect/>
-          </a:stretch>
-        </p:blipFill>
-        <p:spPr>
-          <a:xfrm>
-            <a:off x="251010" y="4493208"/>
-            <a:ext cx="510990" cy="369432"/>
-          </a:xfrm>
-          <a:prstGeom prst="rect">
-            <a:avLst/>
-          </a:prstGeom>
-        </p:spPr>
-      </p:pic>
-      <p:pic>
-        <p:nvPicPr>
-          <p:cNvPr id="10" name="Picture 9" descr="Georgetown Center for Global Health Science and Security — General ...">
-            <a:extLst>
-              <a:ext uri="{FF2B5EF4-FFF2-40B4-BE49-F238E27FC236}">
-                <a16:creationId xmlns:a16="http://schemas.microsoft.com/office/drawing/2014/main" id="{26A3C8D3-72DF-4839-BA2D-A23877C8187E}"/>
-              </a:ext>
-            </a:extLst>
-          </p:cNvPr>
-          <p:cNvPicPr>
-            <a:picLocks noChangeAspect="1" noChangeArrowheads="1"/>
-          </p:cNvPicPr>
-          <p:nvPr/>
-        </p:nvPicPr>
-        <p:blipFill>
-          <a:blip r:embed="rId4" cstate="print">
-            <a:extLst>
-              <a:ext uri="{28A0092B-C50C-407E-A947-70E740481C1C}">
-                <a14:useLocalDpi xmlns:a14="http://schemas.microsoft.com/office/drawing/2010/main" val="0"/>
-              </a:ext>
-            </a:extLst>
-          </a:blip>
-          <a:srcRect/>
-          <a:stretch>
-            <a:fillRect/>
-          </a:stretch>
-        </p:blipFill>
-        <p:spPr bwMode="auto">
-          <a:xfrm>
-            <a:off x="762000" y="4264762"/>
-            <a:ext cx="1666646" cy="886378"/>
-          </a:xfrm>
-          <a:prstGeom prst="rect">
-            <a:avLst/>
-          </a:prstGeom>
-          <a:noFill/>
-          <a:extLst>
-            <a:ext uri="{909E8E84-426E-40DD-AFC4-6F175D3DCCD1}">
-              <a14:hiddenFill xmlns:a14="http://schemas.microsoft.com/office/drawing/2010/main">
-                <a:solidFill>
-                  <a:srgbClr val="FFFFFF"/>
-                </a:solidFill>
-              </a14:hiddenFill>
-            </a:ext>
-          </a:extLst>
-        </p:spPr>
-      </p:pic>
     </p:spTree>
     <p:extLst>
       <p:ext uri="{BB962C8B-B14F-4D97-AF65-F5344CB8AC3E}">
@@ -25717,141 +21730,6 @@
           </a:p>
         </p:txBody>
       </p:sp>
-      <p:sp>
-        <p:nvSpPr>
-          <p:cNvPr id="7" name="Rectangle 6">
-            <a:extLst>
-              <a:ext uri="{FF2B5EF4-FFF2-40B4-BE49-F238E27FC236}">
-                <a16:creationId xmlns:a16="http://schemas.microsoft.com/office/drawing/2014/main" id="{25AFA8FF-B01C-534F-BB54-6F265B7644FC}"/>
-              </a:ext>
-            </a:extLst>
-          </p:cNvPr>
-          <p:cNvSpPr/>
-          <p:nvPr/>
-        </p:nvSpPr>
-        <p:spPr>
-          <a:xfrm>
-            <a:off x="0" y="4446824"/>
-            <a:ext cx="1524000" cy="556999"/>
-          </a:xfrm>
-          <a:prstGeom prst="rect">
-            <a:avLst/>
-          </a:prstGeom>
-          <a:solidFill>
-            <a:schemeClr val="bg2"/>
-          </a:solidFill>
-          <a:ln>
-            <a:noFill/>
-          </a:ln>
-        </p:spPr>
-        <p:style>
-          <a:lnRef idx="2">
-            <a:schemeClr val="accent1">
-              <a:shade val="50000"/>
-            </a:schemeClr>
-          </a:lnRef>
-          <a:fillRef idx="1">
-            <a:schemeClr val="accent1"/>
-          </a:fillRef>
-          <a:effectRef idx="0">
-            <a:schemeClr val="accent1"/>
-          </a:effectRef>
-          <a:fontRef idx="minor">
-            <a:schemeClr val="lt1"/>
-          </a:fontRef>
-        </p:style>
-        <p:txBody>
-          <a:bodyPr rtlCol="0" anchor="ctr"/>
-          <a:lstStyle/>
-          <a:p>
-            <a:pPr algn="ctr"/>
-            <a:endParaRPr lang="en-US"/>
-          </a:p>
-        </p:txBody>
-      </p:sp>
-      <p:pic>
-        <p:nvPicPr>
-          <p:cNvPr id="9" name="Picture 8" descr="A picture containing food&#10;&#10;Description automatically generated">
-            <a:extLst>
-              <a:ext uri="{FF2B5EF4-FFF2-40B4-BE49-F238E27FC236}">
-                <a16:creationId xmlns:a16="http://schemas.microsoft.com/office/drawing/2014/main" id="{F1161FB3-B95E-0746-8E8F-710773F444C6}"/>
-              </a:ext>
-            </a:extLst>
-          </p:cNvPr>
-          <p:cNvPicPr>
-            <a:picLocks noChangeAspect="1"/>
-          </p:cNvPicPr>
-          <p:nvPr/>
-        </p:nvPicPr>
-        <p:blipFill>
-          <a:blip r:embed="rId3" cstate="print">
-            <a:extLst>
-              <a:ext uri="{28A0092B-C50C-407E-A947-70E740481C1C}">
-                <a14:useLocalDpi xmlns:a14="http://schemas.microsoft.com/office/drawing/2010/main" val="0"/>
-              </a:ext>
-            </a:extLst>
-          </a:blip>
-          <a:stretch>
-            <a:fillRect/>
-          </a:stretch>
-        </p:blipFill>
-        <p:spPr>
-          <a:xfrm>
-            <a:off x="251010" y="4493208"/>
-            <a:ext cx="510990" cy="369432"/>
-          </a:xfrm>
-          <a:prstGeom prst="rect">
-            <a:avLst/>
-          </a:prstGeom>
-        </p:spPr>
-      </p:pic>
-      <p:pic>
-        <p:nvPicPr>
-          <p:cNvPr id="10" name="Picture 9" descr="Georgetown Center for Global Health Science and Security — General ...">
-            <a:extLst>
-              <a:ext uri="{FF2B5EF4-FFF2-40B4-BE49-F238E27FC236}">
-                <a16:creationId xmlns:a16="http://schemas.microsoft.com/office/drawing/2014/main" id="{3786E0B4-99C1-4473-9449-264AA4C91EAE}"/>
-              </a:ext>
-            </a:extLst>
-          </p:cNvPr>
-          <p:cNvPicPr>
-            <a:picLocks noChangeAspect="1" noChangeArrowheads="1"/>
-          </p:cNvPicPr>
-          <p:nvPr/>
-        </p:nvPicPr>
-        <p:blipFill>
-          <a:blip r:embed="rId4" cstate="print">
-            <a:extLst>
-              <a:ext uri="{28A0092B-C50C-407E-A947-70E740481C1C}">
-                <a14:useLocalDpi xmlns:a14="http://schemas.microsoft.com/office/drawing/2010/main" val="0"/>
-              </a:ext>
-            </a:extLst>
-          </a:blip>
-          <a:srcRect/>
-          <a:stretch>
-            <a:fillRect/>
-          </a:stretch>
-        </p:blipFill>
-        <p:spPr bwMode="auto">
-          <a:xfrm>
-            <a:off x="762000" y="4264762"/>
-            <a:ext cx="1666646" cy="886378"/>
-          </a:xfrm>
-          <a:prstGeom prst="rect">
-            <a:avLst/>
-          </a:prstGeom>
-          <a:noFill/>
-          <a:extLst>
-            <a:ext uri="{909E8E84-426E-40DD-AFC4-6F175D3DCCD1}">
-              <a14:hiddenFill xmlns:a14="http://schemas.microsoft.com/office/drawing/2010/main">
-                <a:solidFill>
-                  <a:srgbClr val="FFFFFF"/>
-                </a:solidFill>
-              </a14:hiddenFill>
-            </a:ext>
-          </a:extLst>
-        </p:spPr>
-      </p:pic>
     </p:spTree>
     <p:extLst>
       <p:ext uri="{BB962C8B-B14F-4D97-AF65-F5344CB8AC3E}">
@@ -25954,151 +21832,6 @@
       </p:sp>
       <p:sp>
         <p:nvSpPr>
-          <p:cNvPr id="7" name="Rectangle 6">
-            <a:extLst>
-              <a:ext uri="{FF2B5EF4-FFF2-40B4-BE49-F238E27FC236}">
-                <a16:creationId xmlns:a16="http://schemas.microsoft.com/office/drawing/2014/main" id="{25AFA8FF-B01C-534F-BB54-6F265B7644FC}"/>
-              </a:ext>
-            </a:extLst>
-          </p:cNvPr>
-          <p:cNvSpPr/>
-          <p:nvPr/>
-        </p:nvSpPr>
-        <p:spPr>
-          <a:xfrm>
-            <a:off x="0" y="4446824"/>
-            <a:ext cx="1524000" cy="556999"/>
-          </a:xfrm>
-          <a:prstGeom prst="rect">
-            <a:avLst/>
-          </a:prstGeom>
-          <a:solidFill>
-            <a:schemeClr val="bg2"/>
-          </a:solidFill>
-          <a:ln>
-            <a:noFill/>
-          </a:ln>
-        </p:spPr>
-        <p:style>
-          <a:lnRef idx="2">
-            <a:schemeClr val="accent1">
-              <a:shade val="50000"/>
-            </a:schemeClr>
-          </a:lnRef>
-          <a:fillRef idx="1">
-            <a:schemeClr val="accent1"/>
-          </a:fillRef>
-          <a:effectRef idx="0">
-            <a:schemeClr val="accent1"/>
-          </a:effectRef>
-          <a:fontRef idx="minor">
-            <a:schemeClr val="lt1"/>
-          </a:fontRef>
-        </p:style>
-        <p:txBody>
-          <a:bodyPr rtlCol="0" anchor="ctr"/>
-          <a:lstStyle/>
-          <a:p>
-            <a:pPr algn="ctr"/>
-            <a:endParaRPr lang="en-US"/>
-          </a:p>
-        </p:txBody>
-      </p:sp>
-      <p:sp>
-        <p:nvSpPr>
-          <p:cNvPr id="8" name="Rounded Rectangle 7">
-            <a:extLst>
-              <a:ext uri="{FF2B5EF4-FFF2-40B4-BE49-F238E27FC236}">
-                <a16:creationId xmlns:a16="http://schemas.microsoft.com/office/drawing/2014/main" id="{D3C992B7-5F56-404A-8C03-8EF361014A6B}"/>
-              </a:ext>
-            </a:extLst>
-          </p:cNvPr>
-          <p:cNvSpPr/>
-          <p:nvPr/>
-        </p:nvSpPr>
-        <p:spPr>
-          <a:xfrm>
-            <a:off x="914400" y="4431440"/>
-            <a:ext cx="1404530" cy="497096"/>
-          </a:xfrm>
-          <a:prstGeom prst="roundRect">
-            <a:avLst>
-              <a:gd name="adj" fmla="val 20191"/>
-            </a:avLst>
-          </a:prstGeom>
-          <a:blipFill>
-            <a:blip r:embed="rId3"/>
-            <a:stretch>
-              <a:fillRect/>
-            </a:stretch>
-          </a:blipFill>
-          <a:ln>
-            <a:noFill/>
-          </a:ln>
-        </p:spPr>
-        <p:style>
-          <a:lnRef idx="2">
-            <a:schemeClr val="accent1">
-              <a:shade val="50000"/>
-            </a:schemeClr>
-          </a:lnRef>
-          <a:fillRef idx="1">
-            <a:schemeClr val="accent1"/>
-          </a:fillRef>
-          <a:effectRef idx="0">
-            <a:schemeClr val="accent1"/>
-          </a:effectRef>
-          <a:fontRef idx="minor">
-            <a:schemeClr val="lt1"/>
-          </a:fontRef>
-        </p:style>
-        <p:txBody>
-          <a:bodyPr rtlCol="0" anchor="ctr"/>
-          <a:lstStyle/>
-          <a:p>
-            <a:pPr algn="ctr"/>
-            <a:endParaRPr lang="en-US" dirty="0"/>
-          </a:p>
-        </p:txBody>
-      </p:sp>
-      <p:pic>
-        <p:nvPicPr>
-          <p:cNvPr id="9" name="Picture 8" descr="A picture containing food&#10;&#10;Description automatically generated">
-            <a:extLst>
-              <a:ext uri="{FF2B5EF4-FFF2-40B4-BE49-F238E27FC236}">
-                <a16:creationId xmlns:a16="http://schemas.microsoft.com/office/drawing/2014/main" id="{F1161FB3-B95E-0746-8E8F-710773F444C6}"/>
-              </a:ext>
-            </a:extLst>
-          </p:cNvPr>
-          <p:cNvPicPr>
-            <a:picLocks noChangeAspect="1"/>
-          </p:cNvPicPr>
-          <p:nvPr/>
-        </p:nvPicPr>
-        <p:blipFill>
-          <a:blip r:embed="rId4" cstate="print">
-            <a:extLst>
-              <a:ext uri="{28A0092B-C50C-407E-A947-70E740481C1C}">
-                <a14:useLocalDpi xmlns:a14="http://schemas.microsoft.com/office/drawing/2010/main" val="0"/>
-              </a:ext>
-            </a:extLst>
-          </a:blip>
-          <a:stretch>
-            <a:fillRect/>
-          </a:stretch>
-        </p:blipFill>
-        <p:spPr>
-          <a:xfrm>
-            <a:off x="251010" y="4493208"/>
-            <a:ext cx="510990" cy="369432"/>
-          </a:xfrm>
-          <a:prstGeom prst="rect">
-            <a:avLst/>
-          </a:prstGeom>
-        </p:spPr>
-      </p:pic>
-      <p:sp>
-        <p:nvSpPr>
           <p:cNvPr id="10" name="Content Placeholder 2">
             <a:extLst>
               <a:ext uri="{FF2B5EF4-FFF2-40B4-BE49-F238E27FC236}">
@@ -26113,7 +21846,7 @@
         </p:nvSpPr>
         <p:spPr bwMode="auto">
           <a:xfrm>
-            <a:off x="457200" y="992661"/>
+            <a:off x="457200" y="935513"/>
             <a:ext cx="8158294" cy="3341688"/>
           </a:xfrm>
           <a:prstGeom prst="rect">
@@ -26369,167 +22102,8 @@
               <a:t>Close AAR process and conduct evaluation of the workshop to make necessary improvements to format or methodology. </a:t>
             </a:r>
           </a:p>
-          <a:p>
-            <a:pPr lvl="1">
-              <a:buClr>
-                <a:srgbClr val="006A71"/>
-              </a:buClr>
-            </a:pPr>
-            <a:endParaRPr lang="en-US" dirty="0"/>
-          </a:p>
-          <a:p>
-            <a:pPr marL="457200" lvl="1" indent="0">
-              <a:buClr>
-                <a:srgbClr val="006A71"/>
-              </a:buClr>
-              <a:buFont typeface="Arial" panose="020B0604020202020204" pitchFamily="34" charset="0"/>
-              <a:buNone/>
-            </a:pPr>
-            <a:endParaRPr lang="en-US" dirty="0"/>
-          </a:p>
-          <a:p>
-            <a:pPr lvl="1">
-              <a:buClr>
-                <a:srgbClr val="006A71"/>
-              </a:buClr>
-            </a:pPr>
-            <a:endParaRPr lang="en-US" dirty="0"/>
-          </a:p>
-          <a:p>
-            <a:pPr lvl="1">
-              <a:buClr>
-                <a:srgbClr val="006A71"/>
-              </a:buClr>
-            </a:pPr>
-            <a:endParaRPr lang="en-US" dirty="0"/>
-          </a:p>
-          <a:p>
-            <a:pPr>
-              <a:buClr>
-                <a:srgbClr val="006A71"/>
-              </a:buClr>
-            </a:pPr>
-            <a:endParaRPr lang="en-US" dirty="0"/>
-          </a:p>
-          <a:p>
-            <a:pPr>
-              <a:buClr>
-                <a:srgbClr val="006A71"/>
-              </a:buClr>
-            </a:pPr>
-            <a:endParaRPr lang="en-US" dirty="0"/>
-          </a:p>
-          <a:p>
-            <a:pPr>
-              <a:buClr>
-                <a:srgbClr val="006A71"/>
-              </a:buClr>
-            </a:pPr>
-            <a:endParaRPr lang="en-US" dirty="0"/>
-          </a:p>
         </p:txBody>
       </p:sp>
-      <p:sp>
-        <p:nvSpPr>
-          <p:cNvPr id="2" name="Rectangle 1">
-            <a:extLst>
-              <a:ext uri="{FF2B5EF4-FFF2-40B4-BE49-F238E27FC236}">
-                <a16:creationId xmlns:a16="http://schemas.microsoft.com/office/drawing/2014/main" id="{C3355568-AD4C-4BAA-9FC4-E311E2E22650}"/>
-              </a:ext>
-            </a:extLst>
-          </p:cNvPr>
-          <p:cNvSpPr/>
-          <p:nvPr/>
-        </p:nvSpPr>
-        <p:spPr>
-          <a:xfrm>
-            <a:off x="914400" y="4431440"/>
-            <a:ext cx="1524000" cy="497096"/>
-          </a:xfrm>
-          <a:prstGeom prst="rect">
-            <a:avLst/>
-          </a:prstGeom>
-          <a:solidFill>
-            <a:schemeClr val="bg2"/>
-          </a:solidFill>
-          <a:ln>
-            <a:solidFill>
-              <a:schemeClr val="bg2"/>
-            </a:solidFill>
-          </a:ln>
-        </p:spPr>
-        <p:style>
-          <a:lnRef idx="2">
-            <a:schemeClr val="accent1">
-              <a:shade val="50000"/>
-            </a:schemeClr>
-          </a:lnRef>
-          <a:fillRef idx="1">
-            <a:schemeClr val="accent1"/>
-          </a:fillRef>
-          <a:effectRef idx="0">
-            <a:schemeClr val="accent1"/>
-          </a:effectRef>
-          <a:fontRef idx="minor">
-            <a:schemeClr val="lt1"/>
-          </a:fontRef>
-        </p:style>
-        <p:txBody>
-          <a:bodyPr rtlCol="0" anchor="ctr"/>
-          <a:lstStyle/>
-          <a:p>
-            <a:pPr algn="ctr"/>
-            <a:endParaRPr lang="en-US"/>
-          </a:p>
-        </p:txBody>
-      </p:sp>
-      <p:pic>
-        <p:nvPicPr>
-          <p:cNvPr id="12" name="Picture 11" descr="Georgetown Center for Global Health Science and Security — General ...">
-            <a:extLst>
-              <a:ext uri="{FF2B5EF4-FFF2-40B4-BE49-F238E27FC236}">
-                <a16:creationId xmlns:a16="http://schemas.microsoft.com/office/drawing/2014/main" id="{6786367D-A18B-4919-A8A6-2046248125AA}"/>
-              </a:ext>
-            </a:extLst>
-          </p:cNvPr>
-          <p:cNvPicPr>
-            <a:picLocks noChangeAspect="1" noChangeArrowheads="1"/>
-          </p:cNvPicPr>
-          <p:nvPr/>
-        </p:nvPicPr>
-        <p:blipFill>
-          <a:blip r:embed="rId5" cstate="print">
-            <a:extLst>
-              <a:ext uri="{28A0092B-C50C-407E-A947-70E740481C1C}">
-                <a14:useLocalDpi xmlns:a14="http://schemas.microsoft.com/office/drawing/2010/main" val="0"/>
-              </a:ext>
-            </a:extLst>
-          </a:blip>
-          <a:srcRect/>
-          <a:stretch>
-            <a:fillRect/>
-          </a:stretch>
-        </p:blipFill>
-        <p:spPr bwMode="auto">
-          <a:xfrm>
-            <a:off x="762000" y="4264762"/>
-            <a:ext cx="1666646" cy="886378"/>
-          </a:xfrm>
-          <a:prstGeom prst="rect">
-            <a:avLst/>
-          </a:prstGeom>
-          <a:noFill/>
-          <a:extLst>
-            <a:ext uri="{909E8E84-426E-40DD-AFC4-6F175D3DCCD1}">
-              <a14:hiddenFill xmlns:a14="http://schemas.microsoft.com/office/drawing/2010/main">
-                <a:solidFill>
-                  <a:srgbClr val="FFFFFF"/>
-                </a:solidFill>
-              </a14:hiddenFill>
-            </a:ext>
-          </a:extLst>
-        </p:spPr>
-      </p:pic>
     </p:spTree>
     <p:extLst>
       <p:ext uri="{BB962C8B-B14F-4D97-AF65-F5344CB8AC3E}">
@@ -26683,141 +22257,6 @@
           </a:p>
         </p:txBody>
       </p:sp>
-      <p:sp>
-        <p:nvSpPr>
-          <p:cNvPr id="7" name="Rectangle 6">
-            <a:extLst>
-              <a:ext uri="{FF2B5EF4-FFF2-40B4-BE49-F238E27FC236}">
-                <a16:creationId xmlns:a16="http://schemas.microsoft.com/office/drawing/2014/main" id="{25AFA8FF-B01C-534F-BB54-6F265B7644FC}"/>
-              </a:ext>
-            </a:extLst>
-          </p:cNvPr>
-          <p:cNvSpPr/>
-          <p:nvPr/>
-        </p:nvSpPr>
-        <p:spPr>
-          <a:xfrm>
-            <a:off x="0" y="4446824"/>
-            <a:ext cx="1524000" cy="556999"/>
-          </a:xfrm>
-          <a:prstGeom prst="rect">
-            <a:avLst/>
-          </a:prstGeom>
-          <a:solidFill>
-            <a:schemeClr val="bg2"/>
-          </a:solidFill>
-          <a:ln>
-            <a:noFill/>
-          </a:ln>
-        </p:spPr>
-        <p:style>
-          <a:lnRef idx="2">
-            <a:schemeClr val="accent1">
-              <a:shade val="50000"/>
-            </a:schemeClr>
-          </a:lnRef>
-          <a:fillRef idx="1">
-            <a:schemeClr val="accent1"/>
-          </a:fillRef>
-          <a:effectRef idx="0">
-            <a:schemeClr val="accent1"/>
-          </a:effectRef>
-          <a:fontRef idx="minor">
-            <a:schemeClr val="lt1"/>
-          </a:fontRef>
-        </p:style>
-        <p:txBody>
-          <a:bodyPr rtlCol="0" anchor="ctr"/>
-          <a:lstStyle/>
-          <a:p>
-            <a:pPr algn="ctr"/>
-            <a:endParaRPr lang="en-US"/>
-          </a:p>
-        </p:txBody>
-      </p:sp>
-      <p:pic>
-        <p:nvPicPr>
-          <p:cNvPr id="9" name="Picture 8" descr="A picture containing food&#10;&#10;Description automatically generated">
-            <a:extLst>
-              <a:ext uri="{FF2B5EF4-FFF2-40B4-BE49-F238E27FC236}">
-                <a16:creationId xmlns:a16="http://schemas.microsoft.com/office/drawing/2014/main" id="{F1161FB3-B95E-0746-8E8F-710773F444C6}"/>
-              </a:ext>
-            </a:extLst>
-          </p:cNvPr>
-          <p:cNvPicPr>
-            <a:picLocks noChangeAspect="1"/>
-          </p:cNvPicPr>
-          <p:nvPr/>
-        </p:nvPicPr>
-        <p:blipFill>
-          <a:blip r:embed="rId3" cstate="print">
-            <a:extLst>
-              <a:ext uri="{28A0092B-C50C-407E-A947-70E740481C1C}">
-                <a14:useLocalDpi xmlns:a14="http://schemas.microsoft.com/office/drawing/2010/main" val="0"/>
-              </a:ext>
-            </a:extLst>
-          </a:blip>
-          <a:stretch>
-            <a:fillRect/>
-          </a:stretch>
-        </p:blipFill>
-        <p:spPr>
-          <a:xfrm>
-            <a:off x="251010" y="4493208"/>
-            <a:ext cx="510990" cy="369432"/>
-          </a:xfrm>
-          <a:prstGeom prst="rect">
-            <a:avLst/>
-          </a:prstGeom>
-        </p:spPr>
-      </p:pic>
-      <p:pic>
-        <p:nvPicPr>
-          <p:cNvPr id="11" name="Picture 10" descr="Georgetown Center for Global Health Science and Security — General ...">
-            <a:extLst>
-              <a:ext uri="{FF2B5EF4-FFF2-40B4-BE49-F238E27FC236}">
-                <a16:creationId xmlns:a16="http://schemas.microsoft.com/office/drawing/2014/main" id="{191D3E67-56AB-4D15-82FB-2D8B41C76BE7}"/>
-              </a:ext>
-            </a:extLst>
-          </p:cNvPr>
-          <p:cNvPicPr>
-            <a:picLocks noChangeAspect="1" noChangeArrowheads="1"/>
-          </p:cNvPicPr>
-          <p:nvPr/>
-        </p:nvPicPr>
-        <p:blipFill>
-          <a:blip r:embed="rId4" cstate="print">
-            <a:extLst>
-              <a:ext uri="{28A0092B-C50C-407E-A947-70E740481C1C}">
-                <a14:useLocalDpi xmlns:a14="http://schemas.microsoft.com/office/drawing/2010/main" val="0"/>
-              </a:ext>
-            </a:extLst>
-          </a:blip>
-          <a:srcRect/>
-          <a:stretch>
-            <a:fillRect/>
-          </a:stretch>
-        </p:blipFill>
-        <p:spPr bwMode="auto">
-          <a:xfrm>
-            <a:off x="762000" y="4264762"/>
-            <a:ext cx="1666646" cy="886378"/>
-          </a:xfrm>
-          <a:prstGeom prst="rect">
-            <a:avLst/>
-          </a:prstGeom>
-          <a:noFill/>
-          <a:extLst>
-            <a:ext uri="{909E8E84-426E-40DD-AFC4-6F175D3DCCD1}">
-              <a14:hiddenFill xmlns:a14="http://schemas.microsoft.com/office/drawing/2010/main">
-                <a:solidFill>
-                  <a:srgbClr val="FFFFFF"/>
-                </a:solidFill>
-              </a14:hiddenFill>
-            </a:ext>
-          </a:extLst>
-        </p:spPr>
-      </p:pic>
     </p:spTree>
     <p:extLst>
       <p:ext uri="{BB962C8B-B14F-4D97-AF65-F5344CB8AC3E}">
@@ -26918,151 +22357,6 @@
           </a:p>
         </p:txBody>
       </p:sp>
-      <p:sp>
-        <p:nvSpPr>
-          <p:cNvPr id="7" name="Rectangle 6">
-            <a:extLst>
-              <a:ext uri="{FF2B5EF4-FFF2-40B4-BE49-F238E27FC236}">
-                <a16:creationId xmlns:a16="http://schemas.microsoft.com/office/drawing/2014/main" id="{25AFA8FF-B01C-534F-BB54-6F265B7644FC}"/>
-              </a:ext>
-            </a:extLst>
-          </p:cNvPr>
-          <p:cNvSpPr/>
-          <p:nvPr/>
-        </p:nvSpPr>
-        <p:spPr>
-          <a:xfrm>
-            <a:off x="0" y="4446824"/>
-            <a:ext cx="1524000" cy="556999"/>
-          </a:xfrm>
-          <a:prstGeom prst="rect">
-            <a:avLst/>
-          </a:prstGeom>
-          <a:solidFill>
-            <a:schemeClr val="bg2"/>
-          </a:solidFill>
-          <a:ln>
-            <a:noFill/>
-          </a:ln>
-        </p:spPr>
-        <p:style>
-          <a:lnRef idx="2">
-            <a:schemeClr val="accent1">
-              <a:shade val="50000"/>
-            </a:schemeClr>
-          </a:lnRef>
-          <a:fillRef idx="1">
-            <a:schemeClr val="accent1"/>
-          </a:fillRef>
-          <a:effectRef idx="0">
-            <a:schemeClr val="accent1"/>
-          </a:effectRef>
-          <a:fontRef idx="minor">
-            <a:schemeClr val="lt1"/>
-          </a:fontRef>
-        </p:style>
-        <p:txBody>
-          <a:bodyPr rtlCol="0" anchor="ctr"/>
-          <a:lstStyle/>
-          <a:p>
-            <a:pPr algn="ctr"/>
-            <a:endParaRPr lang="en-US"/>
-          </a:p>
-        </p:txBody>
-      </p:sp>
-      <p:sp>
-        <p:nvSpPr>
-          <p:cNvPr id="8" name="Rounded Rectangle 7">
-            <a:extLst>
-              <a:ext uri="{FF2B5EF4-FFF2-40B4-BE49-F238E27FC236}">
-                <a16:creationId xmlns:a16="http://schemas.microsoft.com/office/drawing/2014/main" id="{D3C992B7-5F56-404A-8C03-8EF361014A6B}"/>
-              </a:ext>
-            </a:extLst>
-          </p:cNvPr>
-          <p:cNvSpPr/>
-          <p:nvPr/>
-        </p:nvSpPr>
-        <p:spPr>
-          <a:xfrm>
-            <a:off x="914400" y="4431440"/>
-            <a:ext cx="1404530" cy="497096"/>
-          </a:xfrm>
-          <a:prstGeom prst="roundRect">
-            <a:avLst>
-              <a:gd name="adj" fmla="val 20191"/>
-            </a:avLst>
-          </a:prstGeom>
-          <a:blipFill>
-            <a:blip r:embed="rId3"/>
-            <a:stretch>
-              <a:fillRect/>
-            </a:stretch>
-          </a:blipFill>
-          <a:ln>
-            <a:noFill/>
-          </a:ln>
-        </p:spPr>
-        <p:style>
-          <a:lnRef idx="2">
-            <a:schemeClr val="accent1">
-              <a:shade val="50000"/>
-            </a:schemeClr>
-          </a:lnRef>
-          <a:fillRef idx="1">
-            <a:schemeClr val="accent1"/>
-          </a:fillRef>
-          <a:effectRef idx="0">
-            <a:schemeClr val="accent1"/>
-          </a:effectRef>
-          <a:fontRef idx="minor">
-            <a:schemeClr val="lt1"/>
-          </a:fontRef>
-        </p:style>
-        <p:txBody>
-          <a:bodyPr rtlCol="0" anchor="ctr"/>
-          <a:lstStyle/>
-          <a:p>
-            <a:pPr algn="ctr"/>
-            <a:endParaRPr lang="en-US" dirty="0"/>
-          </a:p>
-        </p:txBody>
-      </p:sp>
-      <p:pic>
-        <p:nvPicPr>
-          <p:cNvPr id="9" name="Picture 8" descr="A picture containing food&#10;&#10;Description automatically generated">
-            <a:extLst>
-              <a:ext uri="{FF2B5EF4-FFF2-40B4-BE49-F238E27FC236}">
-                <a16:creationId xmlns:a16="http://schemas.microsoft.com/office/drawing/2014/main" id="{F1161FB3-B95E-0746-8E8F-710773F444C6}"/>
-              </a:ext>
-            </a:extLst>
-          </p:cNvPr>
-          <p:cNvPicPr>
-            <a:picLocks noChangeAspect="1"/>
-          </p:cNvPicPr>
-          <p:nvPr/>
-        </p:nvPicPr>
-        <p:blipFill>
-          <a:blip r:embed="rId4" cstate="print">
-            <a:extLst>
-              <a:ext uri="{28A0092B-C50C-407E-A947-70E740481C1C}">
-                <a14:useLocalDpi xmlns:a14="http://schemas.microsoft.com/office/drawing/2010/main" val="0"/>
-              </a:ext>
-            </a:extLst>
-          </a:blip>
-          <a:stretch>
-            <a:fillRect/>
-          </a:stretch>
-        </p:blipFill>
-        <p:spPr>
-          <a:xfrm>
-            <a:off x="251010" y="4493208"/>
-            <a:ext cx="510990" cy="369432"/>
-          </a:xfrm>
-          <a:prstGeom prst="rect">
-            <a:avLst/>
-          </a:prstGeom>
-        </p:spPr>
-      </p:pic>
       <p:sp>
         <p:nvSpPr>
           <p:cNvPr id="10" name="Content Placeholder 2">
@@ -27346,159 +22640,8 @@
               <a:t>Establishing or adding information to the lessons learned database</a:t>
             </a:r>
           </a:p>
-          <a:p>
-            <a:pPr marL="457200" lvl="1" indent="0">
-              <a:buClr>
-                <a:srgbClr val="006A71"/>
-              </a:buClr>
-              <a:buFont typeface="Arial" panose="020B0604020202020204" pitchFamily="34" charset="0"/>
-              <a:buNone/>
-            </a:pPr>
-            <a:endParaRPr lang="en-US" dirty="0"/>
-          </a:p>
-          <a:p>
-            <a:pPr lvl="1">
-              <a:buClr>
-                <a:srgbClr val="006A71"/>
-              </a:buClr>
-            </a:pPr>
-            <a:endParaRPr lang="en-US" dirty="0"/>
-          </a:p>
-          <a:p>
-            <a:pPr lvl="1">
-              <a:buClr>
-                <a:srgbClr val="006A71"/>
-              </a:buClr>
-            </a:pPr>
-            <a:endParaRPr lang="en-US" dirty="0"/>
-          </a:p>
-          <a:p>
-            <a:pPr>
-              <a:buClr>
-                <a:srgbClr val="006A71"/>
-              </a:buClr>
-            </a:pPr>
-            <a:endParaRPr lang="en-US" dirty="0"/>
-          </a:p>
-          <a:p>
-            <a:pPr>
-              <a:buClr>
-                <a:srgbClr val="006A71"/>
-              </a:buClr>
-            </a:pPr>
-            <a:endParaRPr lang="en-US" dirty="0"/>
-          </a:p>
-          <a:p>
-            <a:pPr>
-              <a:buClr>
-                <a:srgbClr val="006A71"/>
-              </a:buClr>
-            </a:pPr>
-            <a:endParaRPr lang="en-US" dirty="0"/>
-          </a:p>
         </p:txBody>
       </p:sp>
-      <p:sp>
-        <p:nvSpPr>
-          <p:cNvPr id="5" name="Rectangle 4">
-            <a:extLst>
-              <a:ext uri="{FF2B5EF4-FFF2-40B4-BE49-F238E27FC236}">
-                <a16:creationId xmlns:a16="http://schemas.microsoft.com/office/drawing/2014/main" id="{75A931EE-9AA4-4CAE-8961-803A8F9F80A5}"/>
-              </a:ext>
-            </a:extLst>
-          </p:cNvPr>
-          <p:cNvSpPr/>
-          <p:nvPr/>
-        </p:nvSpPr>
-        <p:spPr>
-          <a:xfrm>
-            <a:off x="914400" y="4279392"/>
-            <a:ext cx="1784909" cy="724431"/>
-          </a:xfrm>
-          <a:prstGeom prst="rect">
-            <a:avLst/>
-          </a:prstGeom>
-          <a:solidFill>
-            <a:schemeClr val="bg2"/>
-          </a:solidFill>
-          <a:ln>
-            <a:solidFill>
-              <a:schemeClr val="bg2"/>
-            </a:solidFill>
-          </a:ln>
-        </p:spPr>
-        <p:style>
-          <a:lnRef idx="2">
-            <a:schemeClr val="accent1">
-              <a:shade val="50000"/>
-            </a:schemeClr>
-          </a:lnRef>
-          <a:fillRef idx="1">
-            <a:schemeClr val="accent1"/>
-          </a:fillRef>
-          <a:effectRef idx="0">
-            <a:schemeClr val="accent1"/>
-          </a:effectRef>
-          <a:fontRef idx="minor">
-            <a:schemeClr val="lt1"/>
-          </a:fontRef>
-        </p:style>
-        <p:txBody>
-          <a:bodyPr rtlCol="0" anchor="ctr"/>
-          <a:lstStyle/>
-          <a:p>
-            <a:pPr algn="ctr"/>
-            <a:endParaRPr lang="en-US"/>
-          </a:p>
-        </p:txBody>
-      </p:sp>
-      <p:pic>
-        <p:nvPicPr>
-          <p:cNvPr id="11" name="Picture 10" descr="Georgetown Center for Global Health Science and Security — General ...">
-            <a:extLst>
-              <a:ext uri="{FF2B5EF4-FFF2-40B4-BE49-F238E27FC236}">
-                <a16:creationId xmlns:a16="http://schemas.microsoft.com/office/drawing/2014/main" id="{447BD8F8-A91C-46C9-95EA-C4D0ED119619}"/>
-              </a:ext>
-            </a:extLst>
-          </p:cNvPr>
-          <p:cNvPicPr>
-            <a:picLocks noChangeAspect="1" noChangeArrowheads="1"/>
-          </p:cNvPicPr>
-          <p:nvPr/>
-        </p:nvPicPr>
-        <p:blipFill>
-          <a:blip r:embed="rId5" cstate="print">
-            <a:extLst>
-              <a:ext uri="{28A0092B-C50C-407E-A947-70E740481C1C}">
-                <a14:useLocalDpi xmlns:a14="http://schemas.microsoft.com/office/drawing/2010/main" val="0"/>
-              </a:ext>
-            </a:extLst>
-          </a:blip>
-          <a:srcRect/>
-          <a:stretch>
-            <a:fillRect/>
-          </a:stretch>
-        </p:blipFill>
-        <p:spPr bwMode="auto">
-          <a:xfrm>
-            <a:off x="762000" y="4264762"/>
-            <a:ext cx="1666646" cy="886378"/>
-          </a:xfrm>
-          <a:prstGeom prst="rect">
-            <a:avLst/>
-          </a:prstGeom>
-          <a:noFill/>
-          <a:extLst>
-            <a:ext uri="{909E8E84-426E-40DD-AFC4-6F175D3DCCD1}">
-              <a14:hiddenFill xmlns:a14="http://schemas.microsoft.com/office/drawing/2010/main">
-                <a:solidFill>
-                  <a:srgbClr val="FFFFFF"/>
-                </a:solidFill>
-              </a14:hiddenFill>
-            </a:ext>
-          </a:extLst>
-        </p:spPr>
-      </p:pic>
     </p:spTree>
     <p:extLst>
       <p:ext uri="{BB962C8B-B14F-4D97-AF65-F5344CB8AC3E}">
@@ -27636,53 +22779,6 @@
           </a:p>
         </p:txBody>
       </p:sp>
-      <p:pic>
-        <p:nvPicPr>
-          <p:cNvPr id="4" name="Picture 6" descr="Georgetown Center for Global Health Science and Security — General ...">
-            <a:extLst>
-              <a:ext uri="{FF2B5EF4-FFF2-40B4-BE49-F238E27FC236}">
-                <a16:creationId xmlns:a16="http://schemas.microsoft.com/office/drawing/2014/main" id="{A4EB0095-BAE0-7F4D-8284-1BCC7B402592}"/>
-              </a:ext>
-            </a:extLst>
-          </p:cNvPr>
-          <p:cNvPicPr>
-            <a:picLocks noChangeAspect="1" noChangeArrowheads="1"/>
-          </p:cNvPicPr>
-          <p:nvPr/>
-        </p:nvPicPr>
-        <p:blipFill>
-          <a:blip r:embed="rId5" cstate="print">
-            <a:extLst>
-              <a:ext uri="{28A0092B-C50C-407E-A947-70E740481C1C}">
-                <a14:useLocalDpi xmlns:a14="http://schemas.microsoft.com/office/drawing/2010/main" val="0"/>
-              </a:ext>
-            </a:extLst>
-          </a:blip>
-          <a:srcRect/>
-          <a:stretch>
-            <a:fillRect/>
-          </a:stretch>
-        </p:blipFill>
-        <p:spPr bwMode="auto">
-          <a:xfrm>
-            <a:off x="1074885" y="4241808"/>
-            <a:ext cx="1668315" cy="1042697"/>
-          </a:xfrm>
-          <a:prstGeom prst="rect">
-            <a:avLst/>
-          </a:prstGeom>
-          <a:noFill/>
-          <a:extLst>
-            <a:ext uri="{909E8E84-426E-40DD-AFC4-6F175D3DCCD1}">
-              <a14:hiddenFill xmlns:a14="http://schemas.microsoft.com/office/drawing/2010/main">
-                <a:solidFill>
-                  <a:srgbClr val="FFFFFF"/>
-                </a:solidFill>
-              </a14:hiddenFill>
-            </a:ext>
-          </a:extLst>
-        </p:spPr>
-      </p:pic>
     </p:spTree>
     <p:extLst>
       <p:ext uri="{BB962C8B-B14F-4D97-AF65-F5344CB8AC3E}">
@@ -27810,15 +22906,7 @@
             <a:endParaRPr lang="en-US" dirty="0"/>
           </a:p>
           <a:p>
-            <a:pPr>
-              <a:buClr>
-                <a:srgbClr val="006A71"/>
-              </a:buClr>
-            </a:pPr>
-            <a:endParaRPr lang="en-US" dirty="0"/>
-          </a:p>
-          <a:p>
-            <a:pPr marL="457200" lvl="1" indent="0">
+            <a:pPr marL="0" indent="0">
               <a:buClr>
                 <a:srgbClr val="006A71"/>
               </a:buClr>
@@ -27826,64 +22914,8 @@
             </a:pPr>
             <a:endParaRPr lang="en-US" dirty="0"/>
           </a:p>
-          <a:p>
-            <a:pPr marL="457200" lvl="1" indent="0">
-              <a:buClr>
-                <a:srgbClr val="006A71"/>
-              </a:buClr>
-              <a:buNone/>
-            </a:pPr>
-            <a:endParaRPr lang="en-US" dirty="0"/>
-          </a:p>
         </p:txBody>
       </p:sp>
-      <p:pic>
-        <p:nvPicPr>
-          <p:cNvPr id="4" name="Picture 6" descr="Georgetown Center for Global Health Science and Security — General ...">
-            <a:extLst>
-              <a:ext uri="{FF2B5EF4-FFF2-40B4-BE49-F238E27FC236}">
-                <a16:creationId xmlns:a16="http://schemas.microsoft.com/office/drawing/2014/main" id="{A4EB0095-BAE0-7F4D-8284-1BCC7B402592}"/>
-              </a:ext>
-            </a:extLst>
-          </p:cNvPr>
-          <p:cNvPicPr>
-            <a:picLocks noChangeAspect="1" noChangeArrowheads="1"/>
-          </p:cNvPicPr>
-          <p:nvPr/>
-        </p:nvPicPr>
-        <p:blipFill>
-          <a:blip r:embed="rId5" cstate="print">
-            <a:extLst>
-              <a:ext uri="{28A0092B-C50C-407E-A947-70E740481C1C}">
-                <a14:useLocalDpi xmlns:a14="http://schemas.microsoft.com/office/drawing/2010/main" val="0"/>
-              </a:ext>
-            </a:extLst>
-          </a:blip>
-          <a:srcRect/>
-          <a:stretch>
-            <a:fillRect/>
-          </a:stretch>
-        </p:blipFill>
-        <p:spPr bwMode="auto">
-          <a:xfrm>
-            <a:off x="1074885" y="4241808"/>
-            <a:ext cx="1668315" cy="1042697"/>
-          </a:xfrm>
-          <a:prstGeom prst="rect">
-            <a:avLst/>
-          </a:prstGeom>
-          <a:noFill/>
-          <a:extLst>
-            <a:ext uri="{909E8E84-426E-40DD-AFC4-6F175D3DCCD1}">
-              <a14:hiddenFill xmlns:a14="http://schemas.microsoft.com/office/drawing/2010/main">
-                <a:solidFill>
-                  <a:srgbClr val="FFFFFF"/>
-                </a:solidFill>
-              </a14:hiddenFill>
-            </a:ext>
-          </a:extLst>
-        </p:spPr>
-      </p:pic>
     </p:spTree>
     <p:extLst>
       <p:ext uri="{BB962C8B-B14F-4D97-AF65-F5344CB8AC3E}">
@@ -27917,195 +22949,6 @@
           <a:chExt cx="0" cy="0"/>
         </a:xfrm>
       </p:grpSpPr>
-      <p:sp>
-        <p:nvSpPr>
-          <p:cNvPr id="6" name="Rectangle 5">
-            <a:extLst>
-              <a:ext uri="{FF2B5EF4-FFF2-40B4-BE49-F238E27FC236}">
-                <a16:creationId xmlns:a16="http://schemas.microsoft.com/office/drawing/2014/main" id="{0008355D-469B-954C-9751-FB691CBDFBDC}"/>
-              </a:ext>
-            </a:extLst>
-          </p:cNvPr>
-          <p:cNvSpPr/>
-          <p:nvPr/>
-        </p:nvSpPr>
-        <p:spPr>
-          <a:xfrm>
-            <a:off x="5962117" y="4260933"/>
-            <a:ext cx="1411695" cy="807425"/>
-          </a:xfrm>
-          <a:prstGeom prst="rect">
-            <a:avLst/>
-          </a:prstGeom>
-          <a:solidFill>
-            <a:srgbClr val="16458C"/>
-          </a:solidFill>
-          <a:ln>
-            <a:noFill/>
-          </a:ln>
-        </p:spPr>
-        <p:style>
-          <a:lnRef idx="2">
-            <a:schemeClr val="accent1">
-              <a:shade val="50000"/>
-            </a:schemeClr>
-          </a:lnRef>
-          <a:fillRef idx="1">
-            <a:schemeClr val="accent1"/>
-          </a:fillRef>
-          <a:effectRef idx="0">
-            <a:schemeClr val="accent1"/>
-          </a:effectRef>
-          <a:fontRef idx="minor">
-            <a:schemeClr val="lt1"/>
-          </a:fontRef>
-        </p:style>
-        <p:txBody>
-          <a:bodyPr rtlCol="0" anchor="ctr"/>
-          <a:lstStyle/>
-          <a:p>
-            <a:pPr algn="ctr"/>
-            <a:endParaRPr lang="en-US"/>
-          </a:p>
-        </p:txBody>
-      </p:sp>
-      <p:pic>
-        <p:nvPicPr>
-          <p:cNvPr id="7" name="Picture 6" descr="A picture containing food&#10;&#10;Description automatically generated">
-            <a:extLst>
-              <a:ext uri="{FF2B5EF4-FFF2-40B4-BE49-F238E27FC236}">
-                <a16:creationId xmlns:a16="http://schemas.microsoft.com/office/drawing/2014/main" id="{B01719C3-3CAE-134D-9A99-0BEE97A8F89B}"/>
-              </a:ext>
-            </a:extLst>
-          </p:cNvPr>
-          <p:cNvPicPr>
-            <a:picLocks noChangeAspect="1"/>
-          </p:cNvPicPr>
-          <p:nvPr/>
-        </p:nvPicPr>
-        <p:blipFill rotWithShape="1">
-          <a:blip r:embed="rId2" cstate="print">
-            <a:extLst>
-              <a:ext uri="{28A0092B-C50C-407E-A947-70E740481C1C}">
-                <a14:useLocalDpi xmlns:a14="http://schemas.microsoft.com/office/drawing/2010/main" val="0"/>
-              </a:ext>
-            </a:extLst>
-          </a:blip>
-          <a:srcRect r="3763" b="19294"/>
-          <a:stretch/>
-        </p:blipFill>
-        <p:spPr>
-          <a:xfrm>
-            <a:off x="6087632" y="4337134"/>
-            <a:ext cx="892174" cy="540924"/>
-          </a:xfrm>
-          <a:prstGeom prst="rect">
-            <a:avLst/>
-          </a:prstGeom>
-        </p:spPr>
-      </p:pic>
-      <p:pic>
-        <p:nvPicPr>
-          <p:cNvPr id="8" name="Picture 7">
-            <a:extLst>
-              <a:ext uri="{FF2B5EF4-FFF2-40B4-BE49-F238E27FC236}">
-                <a16:creationId xmlns:a16="http://schemas.microsoft.com/office/drawing/2014/main" id="{9BE43FDF-A666-AE4D-A98F-95A445255A1C}"/>
-              </a:ext>
-            </a:extLst>
-          </p:cNvPr>
-          <p:cNvPicPr>
-            <a:picLocks noChangeAspect="1"/>
-          </p:cNvPicPr>
-          <p:nvPr/>
-        </p:nvPicPr>
-        <p:blipFill>
-          <a:blip r:embed="rId3" cstate="print">
-            <a:extLst>
-              <a:ext uri="{BEBA8EAE-BF5A-486C-A8C5-ECC9F3942E4B}">
-                <a14:imgProps xmlns:a14="http://schemas.microsoft.com/office/drawing/2010/main">
-                  <a14:imgLayer r:embed="rId4">
-                    <a14:imgEffect>
-                      <a14:brightnessContrast bright="100000"/>
-                    </a14:imgEffect>
-                  </a14:imgLayer>
-                </a14:imgProps>
-              </a:ext>
-              <a:ext uri="{28A0092B-C50C-407E-A947-70E740481C1C}">
-                <a14:useLocalDpi xmlns:a14="http://schemas.microsoft.com/office/drawing/2010/main" val="0"/>
-              </a:ext>
-            </a:extLst>
-          </a:blip>
-          <a:stretch>
-            <a:fillRect/>
-          </a:stretch>
-        </p:blipFill>
-        <p:spPr>
-          <a:xfrm>
-            <a:off x="6087630" y="4905763"/>
-            <a:ext cx="927101" cy="129100"/>
-          </a:xfrm>
-          <a:prstGeom prst="rect">
-            <a:avLst/>
-          </a:prstGeom>
-        </p:spPr>
-      </p:pic>
-      <p:sp>
-        <p:nvSpPr>
-          <p:cNvPr id="2" name="Rounded Rectangle 1">
-            <a:extLst>
-              <a:ext uri="{FF2B5EF4-FFF2-40B4-BE49-F238E27FC236}">
-                <a16:creationId xmlns:a16="http://schemas.microsoft.com/office/drawing/2014/main" id="{5BB2BEBE-E088-C74C-833F-30EA94A63542}"/>
-              </a:ext>
-            </a:extLst>
-          </p:cNvPr>
-          <p:cNvSpPr/>
-          <p:nvPr/>
-        </p:nvSpPr>
-        <p:spPr>
-          <a:xfrm>
-            <a:off x="7084199" y="4347645"/>
-            <a:ext cx="2036355" cy="720713"/>
-          </a:xfrm>
-          <a:prstGeom prst="roundRect">
-            <a:avLst>
-              <a:gd name="adj" fmla="val 20191"/>
-            </a:avLst>
-          </a:prstGeom>
-          <a:blipFill>
-            <a:blip r:embed="rId5"/>
-            <a:stretch>
-              <a:fillRect/>
-            </a:stretch>
-          </a:blipFill>
-          <a:ln>
-            <a:noFill/>
-          </a:ln>
-        </p:spPr>
-        <p:style>
-          <a:lnRef idx="2">
-            <a:schemeClr val="accent1">
-              <a:shade val="50000"/>
-            </a:schemeClr>
-          </a:lnRef>
-          <a:fillRef idx="1">
-            <a:schemeClr val="accent1"/>
-          </a:fillRef>
-          <a:effectRef idx="0">
-            <a:schemeClr val="accent1"/>
-          </a:effectRef>
-          <a:fontRef idx="minor">
-            <a:schemeClr val="lt1"/>
-          </a:fontRef>
-        </p:style>
-        <p:txBody>
-          <a:bodyPr rtlCol="0" anchor="ctr"/>
-          <a:lstStyle/>
-          <a:p>
-            <a:pPr algn="ctr"/>
-            <a:endParaRPr lang="en-US" dirty="0"/>
-          </a:p>
-        </p:txBody>
-      </p:sp>
     </p:spTree>
     <p:extLst>
       <p:ext uri="{BB962C8B-B14F-4D97-AF65-F5344CB8AC3E}">
@@ -28248,94 +23091,6 @@
           </a:p>
         </p:txBody>
       </p:sp>
-      <p:sp>
-        <p:nvSpPr>
-          <p:cNvPr id="7" name="Rectangle 6">
-            <a:extLst>
-              <a:ext uri="{FF2B5EF4-FFF2-40B4-BE49-F238E27FC236}">
-                <a16:creationId xmlns:a16="http://schemas.microsoft.com/office/drawing/2014/main" id="{25AFA8FF-B01C-534F-BB54-6F265B7644FC}"/>
-              </a:ext>
-            </a:extLst>
-          </p:cNvPr>
-          <p:cNvSpPr/>
-          <p:nvPr/>
-        </p:nvSpPr>
-        <p:spPr>
-          <a:xfrm>
-            <a:off x="0" y="4446824"/>
-            <a:ext cx="1524000" cy="556999"/>
-          </a:xfrm>
-          <a:prstGeom prst="rect">
-            <a:avLst/>
-          </a:prstGeom>
-          <a:solidFill>
-            <a:schemeClr val="bg2"/>
-          </a:solidFill>
-          <a:ln>
-            <a:noFill/>
-          </a:ln>
-        </p:spPr>
-        <p:style>
-          <a:lnRef idx="2">
-            <a:schemeClr val="accent1">
-              <a:shade val="50000"/>
-            </a:schemeClr>
-          </a:lnRef>
-          <a:fillRef idx="1">
-            <a:schemeClr val="accent1"/>
-          </a:fillRef>
-          <a:effectRef idx="0">
-            <a:schemeClr val="accent1"/>
-          </a:effectRef>
-          <a:fontRef idx="minor">
-            <a:schemeClr val="lt1"/>
-          </a:fontRef>
-        </p:style>
-        <p:txBody>
-          <a:bodyPr rtlCol="0" anchor="ctr"/>
-          <a:lstStyle/>
-          <a:p>
-            <a:pPr algn="ctr"/>
-            <a:endParaRPr lang="en-US"/>
-          </a:p>
-        </p:txBody>
-      </p:sp>
-      <p:pic>
-        <p:nvPicPr>
-          <p:cNvPr id="9" name="Picture 8" descr="A picture containing food&#10;&#10;Description automatically generated">
-            <a:extLst>
-              <a:ext uri="{FF2B5EF4-FFF2-40B4-BE49-F238E27FC236}">
-                <a16:creationId xmlns:a16="http://schemas.microsoft.com/office/drawing/2014/main" id="{F1161FB3-B95E-0746-8E8F-710773F444C6}"/>
-              </a:ext>
-            </a:extLst>
-          </p:cNvPr>
-          <p:cNvPicPr>
-            <a:picLocks noChangeAspect="1"/>
-          </p:cNvPicPr>
-          <p:nvPr/>
-        </p:nvPicPr>
-        <p:blipFill>
-          <a:blip r:embed="rId3" cstate="print">
-            <a:extLst>
-              <a:ext uri="{28A0092B-C50C-407E-A947-70E740481C1C}">
-                <a14:useLocalDpi xmlns:a14="http://schemas.microsoft.com/office/drawing/2010/main" val="0"/>
-              </a:ext>
-            </a:extLst>
-          </a:blip>
-          <a:stretch>
-            <a:fillRect/>
-          </a:stretch>
-        </p:blipFill>
-        <p:spPr>
-          <a:xfrm>
-            <a:off x="251010" y="4493208"/>
-            <a:ext cx="510990" cy="369432"/>
-          </a:xfrm>
-          <a:prstGeom prst="rect">
-            <a:avLst/>
-          </a:prstGeom>
-        </p:spPr>
-      </p:pic>
       <p:sp>
         <p:nvSpPr>
           <p:cNvPr id="18" name="Freeform 17"/>
@@ -29193,53 +23948,6 @@
           </a:p>
         </p:txBody>
       </p:sp>
-      <p:pic>
-        <p:nvPicPr>
-          <p:cNvPr id="29" name="Picture 28" descr="Georgetown Center for Global Health Science and Security — General ...">
-            <a:extLst>
-              <a:ext uri="{FF2B5EF4-FFF2-40B4-BE49-F238E27FC236}">
-                <a16:creationId xmlns:a16="http://schemas.microsoft.com/office/drawing/2014/main" id="{F08F54B5-0545-40C0-AA2A-C72219BA4CEF}"/>
-              </a:ext>
-            </a:extLst>
-          </p:cNvPr>
-          <p:cNvPicPr>
-            <a:picLocks noChangeAspect="1" noChangeArrowheads="1"/>
-          </p:cNvPicPr>
-          <p:nvPr/>
-        </p:nvPicPr>
-        <p:blipFill>
-          <a:blip r:embed="rId4" cstate="print">
-            <a:extLst>
-              <a:ext uri="{28A0092B-C50C-407E-A947-70E740481C1C}">
-                <a14:useLocalDpi xmlns:a14="http://schemas.microsoft.com/office/drawing/2010/main" val="0"/>
-              </a:ext>
-            </a:extLst>
-          </a:blip>
-          <a:srcRect/>
-          <a:stretch>
-            <a:fillRect/>
-          </a:stretch>
-        </p:blipFill>
-        <p:spPr bwMode="auto">
-          <a:xfrm>
-            <a:off x="762000" y="4264762"/>
-            <a:ext cx="1666646" cy="886378"/>
-          </a:xfrm>
-          <a:prstGeom prst="rect">
-            <a:avLst/>
-          </a:prstGeom>
-          <a:noFill/>
-          <a:extLst>
-            <a:ext uri="{909E8E84-426E-40DD-AFC4-6F175D3DCCD1}">
-              <a14:hiddenFill xmlns:a14="http://schemas.microsoft.com/office/drawing/2010/main">
-                <a:solidFill>
-                  <a:srgbClr val="FFFFFF"/>
-                </a:solidFill>
-              </a14:hiddenFill>
-            </a:ext>
-          </a:extLst>
-        </p:spPr>
-      </p:pic>
     </p:spTree>
     <p:extLst>
       <p:ext uri="{BB962C8B-B14F-4D97-AF65-F5344CB8AC3E}">
@@ -29393,141 +24101,6 @@
           </a:p>
         </p:txBody>
       </p:sp>
-      <p:sp>
-        <p:nvSpPr>
-          <p:cNvPr id="7" name="Rectangle 6">
-            <a:extLst>
-              <a:ext uri="{FF2B5EF4-FFF2-40B4-BE49-F238E27FC236}">
-                <a16:creationId xmlns:a16="http://schemas.microsoft.com/office/drawing/2014/main" id="{25AFA8FF-B01C-534F-BB54-6F265B7644FC}"/>
-              </a:ext>
-            </a:extLst>
-          </p:cNvPr>
-          <p:cNvSpPr/>
-          <p:nvPr/>
-        </p:nvSpPr>
-        <p:spPr>
-          <a:xfrm>
-            <a:off x="0" y="4446824"/>
-            <a:ext cx="1524000" cy="556999"/>
-          </a:xfrm>
-          <a:prstGeom prst="rect">
-            <a:avLst/>
-          </a:prstGeom>
-          <a:solidFill>
-            <a:schemeClr val="bg2"/>
-          </a:solidFill>
-          <a:ln>
-            <a:noFill/>
-          </a:ln>
-        </p:spPr>
-        <p:style>
-          <a:lnRef idx="2">
-            <a:schemeClr val="accent1">
-              <a:shade val="50000"/>
-            </a:schemeClr>
-          </a:lnRef>
-          <a:fillRef idx="1">
-            <a:schemeClr val="accent1"/>
-          </a:fillRef>
-          <a:effectRef idx="0">
-            <a:schemeClr val="accent1"/>
-          </a:effectRef>
-          <a:fontRef idx="minor">
-            <a:schemeClr val="lt1"/>
-          </a:fontRef>
-        </p:style>
-        <p:txBody>
-          <a:bodyPr rtlCol="0" anchor="ctr"/>
-          <a:lstStyle/>
-          <a:p>
-            <a:pPr algn="ctr"/>
-            <a:endParaRPr lang="en-US"/>
-          </a:p>
-        </p:txBody>
-      </p:sp>
-      <p:pic>
-        <p:nvPicPr>
-          <p:cNvPr id="9" name="Picture 8" descr="A picture containing food&#10;&#10;Description automatically generated">
-            <a:extLst>
-              <a:ext uri="{FF2B5EF4-FFF2-40B4-BE49-F238E27FC236}">
-                <a16:creationId xmlns:a16="http://schemas.microsoft.com/office/drawing/2014/main" id="{F1161FB3-B95E-0746-8E8F-710773F444C6}"/>
-              </a:ext>
-            </a:extLst>
-          </p:cNvPr>
-          <p:cNvPicPr>
-            <a:picLocks noChangeAspect="1"/>
-          </p:cNvPicPr>
-          <p:nvPr/>
-        </p:nvPicPr>
-        <p:blipFill>
-          <a:blip r:embed="rId3" cstate="print">
-            <a:extLst>
-              <a:ext uri="{28A0092B-C50C-407E-A947-70E740481C1C}">
-                <a14:useLocalDpi xmlns:a14="http://schemas.microsoft.com/office/drawing/2010/main" val="0"/>
-              </a:ext>
-            </a:extLst>
-          </a:blip>
-          <a:stretch>
-            <a:fillRect/>
-          </a:stretch>
-        </p:blipFill>
-        <p:spPr>
-          <a:xfrm>
-            <a:off x="251010" y="4493208"/>
-            <a:ext cx="510990" cy="369432"/>
-          </a:xfrm>
-          <a:prstGeom prst="rect">
-            <a:avLst/>
-          </a:prstGeom>
-        </p:spPr>
-      </p:pic>
-      <p:pic>
-        <p:nvPicPr>
-          <p:cNvPr id="10" name="Picture 9" descr="Georgetown Center for Global Health Science and Security — General ...">
-            <a:extLst>
-              <a:ext uri="{FF2B5EF4-FFF2-40B4-BE49-F238E27FC236}">
-                <a16:creationId xmlns:a16="http://schemas.microsoft.com/office/drawing/2014/main" id="{8E066A43-E8B2-4CA4-AF12-99EF3C812EBA}"/>
-              </a:ext>
-            </a:extLst>
-          </p:cNvPr>
-          <p:cNvPicPr>
-            <a:picLocks noChangeAspect="1" noChangeArrowheads="1"/>
-          </p:cNvPicPr>
-          <p:nvPr/>
-        </p:nvPicPr>
-        <p:blipFill>
-          <a:blip r:embed="rId4" cstate="print">
-            <a:extLst>
-              <a:ext uri="{28A0092B-C50C-407E-A947-70E740481C1C}">
-                <a14:useLocalDpi xmlns:a14="http://schemas.microsoft.com/office/drawing/2010/main" val="0"/>
-              </a:ext>
-            </a:extLst>
-          </a:blip>
-          <a:srcRect/>
-          <a:stretch>
-            <a:fillRect/>
-          </a:stretch>
-        </p:blipFill>
-        <p:spPr bwMode="auto">
-          <a:xfrm>
-            <a:off x="762000" y="4264762"/>
-            <a:ext cx="1666646" cy="886378"/>
-          </a:xfrm>
-          <a:prstGeom prst="rect">
-            <a:avLst/>
-          </a:prstGeom>
-          <a:noFill/>
-          <a:extLst>
-            <a:ext uri="{909E8E84-426E-40DD-AFC4-6F175D3DCCD1}">
-              <a14:hiddenFill xmlns:a14="http://schemas.microsoft.com/office/drawing/2010/main">
-                <a:solidFill>
-                  <a:srgbClr val="FFFFFF"/>
-                </a:solidFill>
-              </a14:hiddenFill>
-            </a:ext>
-          </a:extLst>
-        </p:spPr>
-      </p:pic>
     </p:spTree>
     <p:extLst>
       <p:ext uri="{BB962C8B-B14F-4D97-AF65-F5344CB8AC3E}">
@@ -29595,7 +24168,7 @@
         </p:nvSpPr>
         <p:spPr>
           <a:xfrm>
-            <a:off x="457200" y="1151520"/>
+            <a:off x="457200" y="1090557"/>
             <a:ext cx="8158294" cy="3341688"/>
           </a:xfrm>
         </p:spPr>
@@ -29692,141 +24265,6 @@
           </a:p>
         </p:txBody>
       </p:sp>
-      <p:sp>
-        <p:nvSpPr>
-          <p:cNvPr id="7" name="Rectangle 6">
-            <a:extLst>
-              <a:ext uri="{FF2B5EF4-FFF2-40B4-BE49-F238E27FC236}">
-                <a16:creationId xmlns:a16="http://schemas.microsoft.com/office/drawing/2014/main" id="{25AFA8FF-B01C-534F-BB54-6F265B7644FC}"/>
-              </a:ext>
-            </a:extLst>
-          </p:cNvPr>
-          <p:cNvSpPr/>
-          <p:nvPr/>
-        </p:nvSpPr>
-        <p:spPr>
-          <a:xfrm>
-            <a:off x="0" y="4446824"/>
-            <a:ext cx="1524000" cy="556999"/>
-          </a:xfrm>
-          <a:prstGeom prst="rect">
-            <a:avLst/>
-          </a:prstGeom>
-          <a:solidFill>
-            <a:schemeClr val="bg2"/>
-          </a:solidFill>
-          <a:ln>
-            <a:noFill/>
-          </a:ln>
-        </p:spPr>
-        <p:style>
-          <a:lnRef idx="2">
-            <a:schemeClr val="accent1">
-              <a:shade val="50000"/>
-            </a:schemeClr>
-          </a:lnRef>
-          <a:fillRef idx="1">
-            <a:schemeClr val="accent1"/>
-          </a:fillRef>
-          <a:effectRef idx="0">
-            <a:schemeClr val="accent1"/>
-          </a:effectRef>
-          <a:fontRef idx="minor">
-            <a:schemeClr val="lt1"/>
-          </a:fontRef>
-        </p:style>
-        <p:txBody>
-          <a:bodyPr rtlCol="0" anchor="ctr"/>
-          <a:lstStyle/>
-          <a:p>
-            <a:pPr algn="ctr"/>
-            <a:endParaRPr lang="en-US"/>
-          </a:p>
-        </p:txBody>
-      </p:sp>
-      <p:pic>
-        <p:nvPicPr>
-          <p:cNvPr id="9" name="Picture 8" descr="A picture containing food&#10;&#10;Description automatically generated">
-            <a:extLst>
-              <a:ext uri="{FF2B5EF4-FFF2-40B4-BE49-F238E27FC236}">
-                <a16:creationId xmlns:a16="http://schemas.microsoft.com/office/drawing/2014/main" id="{F1161FB3-B95E-0746-8E8F-710773F444C6}"/>
-              </a:ext>
-            </a:extLst>
-          </p:cNvPr>
-          <p:cNvPicPr>
-            <a:picLocks noChangeAspect="1"/>
-          </p:cNvPicPr>
-          <p:nvPr/>
-        </p:nvPicPr>
-        <p:blipFill>
-          <a:blip r:embed="rId3" cstate="print">
-            <a:extLst>
-              <a:ext uri="{28A0092B-C50C-407E-A947-70E740481C1C}">
-                <a14:useLocalDpi xmlns:a14="http://schemas.microsoft.com/office/drawing/2010/main" val="0"/>
-              </a:ext>
-            </a:extLst>
-          </a:blip>
-          <a:stretch>
-            <a:fillRect/>
-          </a:stretch>
-        </p:blipFill>
-        <p:spPr>
-          <a:xfrm>
-            <a:off x="251010" y="4493208"/>
-            <a:ext cx="510990" cy="369432"/>
-          </a:xfrm>
-          <a:prstGeom prst="rect">
-            <a:avLst/>
-          </a:prstGeom>
-        </p:spPr>
-      </p:pic>
-      <p:pic>
-        <p:nvPicPr>
-          <p:cNvPr id="10" name="Picture 9" descr="Georgetown Center for Global Health Science and Security — General ...">
-            <a:extLst>
-              <a:ext uri="{FF2B5EF4-FFF2-40B4-BE49-F238E27FC236}">
-                <a16:creationId xmlns:a16="http://schemas.microsoft.com/office/drawing/2014/main" id="{E9A86413-5489-426D-A108-2D0ECB2D7B7A}"/>
-              </a:ext>
-            </a:extLst>
-          </p:cNvPr>
-          <p:cNvPicPr>
-            <a:picLocks noChangeAspect="1" noChangeArrowheads="1"/>
-          </p:cNvPicPr>
-          <p:nvPr/>
-        </p:nvPicPr>
-        <p:blipFill>
-          <a:blip r:embed="rId4" cstate="print">
-            <a:extLst>
-              <a:ext uri="{28A0092B-C50C-407E-A947-70E740481C1C}">
-                <a14:useLocalDpi xmlns:a14="http://schemas.microsoft.com/office/drawing/2010/main" val="0"/>
-              </a:ext>
-            </a:extLst>
-          </a:blip>
-          <a:srcRect/>
-          <a:stretch>
-            <a:fillRect/>
-          </a:stretch>
-        </p:blipFill>
-        <p:spPr bwMode="auto">
-          <a:xfrm>
-            <a:off x="762000" y="4264762"/>
-            <a:ext cx="1666646" cy="886378"/>
-          </a:xfrm>
-          <a:prstGeom prst="rect">
-            <a:avLst/>
-          </a:prstGeom>
-          <a:noFill/>
-          <a:extLst>
-            <a:ext uri="{909E8E84-426E-40DD-AFC4-6F175D3DCCD1}">
-              <a14:hiddenFill xmlns:a14="http://schemas.microsoft.com/office/drawing/2010/main">
-                <a:solidFill>
-                  <a:srgbClr val="FFFFFF"/>
-                </a:solidFill>
-              </a14:hiddenFill>
-            </a:ext>
-          </a:extLst>
-        </p:spPr>
-      </p:pic>
     </p:spTree>
     <p:extLst>
       <p:ext uri="{BB962C8B-B14F-4D97-AF65-F5344CB8AC3E}">
@@ -29930,94 +24368,6 @@
           </a:p>
         </p:txBody>
       </p:sp>
-      <p:sp>
-        <p:nvSpPr>
-          <p:cNvPr id="7" name="Rectangle 6">
-            <a:extLst>
-              <a:ext uri="{FF2B5EF4-FFF2-40B4-BE49-F238E27FC236}">
-                <a16:creationId xmlns:a16="http://schemas.microsoft.com/office/drawing/2014/main" id="{25AFA8FF-B01C-534F-BB54-6F265B7644FC}"/>
-              </a:ext>
-            </a:extLst>
-          </p:cNvPr>
-          <p:cNvSpPr/>
-          <p:nvPr/>
-        </p:nvSpPr>
-        <p:spPr>
-          <a:xfrm>
-            <a:off x="0" y="4446824"/>
-            <a:ext cx="1524000" cy="556999"/>
-          </a:xfrm>
-          <a:prstGeom prst="rect">
-            <a:avLst/>
-          </a:prstGeom>
-          <a:solidFill>
-            <a:schemeClr val="bg2"/>
-          </a:solidFill>
-          <a:ln>
-            <a:noFill/>
-          </a:ln>
-        </p:spPr>
-        <p:style>
-          <a:lnRef idx="2">
-            <a:schemeClr val="accent1">
-              <a:shade val="50000"/>
-            </a:schemeClr>
-          </a:lnRef>
-          <a:fillRef idx="1">
-            <a:schemeClr val="accent1"/>
-          </a:fillRef>
-          <a:effectRef idx="0">
-            <a:schemeClr val="accent1"/>
-          </a:effectRef>
-          <a:fontRef idx="minor">
-            <a:schemeClr val="lt1"/>
-          </a:fontRef>
-        </p:style>
-        <p:txBody>
-          <a:bodyPr rtlCol="0" anchor="ctr"/>
-          <a:lstStyle/>
-          <a:p>
-            <a:pPr algn="ctr"/>
-            <a:endParaRPr lang="en-US"/>
-          </a:p>
-        </p:txBody>
-      </p:sp>
-      <p:pic>
-        <p:nvPicPr>
-          <p:cNvPr id="9" name="Picture 8" descr="A picture containing food&#10;&#10;Description automatically generated">
-            <a:extLst>
-              <a:ext uri="{FF2B5EF4-FFF2-40B4-BE49-F238E27FC236}">
-                <a16:creationId xmlns:a16="http://schemas.microsoft.com/office/drawing/2014/main" id="{F1161FB3-B95E-0746-8E8F-710773F444C6}"/>
-              </a:ext>
-            </a:extLst>
-          </p:cNvPr>
-          <p:cNvPicPr>
-            <a:picLocks noChangeAspect="1"/>
-          </p:cNvPicPr>
-          <p:nvPr/>
-        </p:nvPicPr>
-        <p:blipFill>
-          <a:blip r:embed="rId3" cstate="print">
-            <a:extLst>
-              <a:ext uri="{28A0092B-C50C-407E-A947-70E740481C1C}">
-                <a14:useLocalDpi xmlns:a14="http://schemas.microsoft.com/office/drawing/2010/main" val="0"/>
-              </a:ext>
-            </a:extLst>
-          </a:blip>
-          <a:stretch>
-            <a:fillRect/>
-          </a:stretch>
-        </p:blipFill>
-        <p:spPr>
-          <a:xfrm>
-            <a:off x="251010" y="4493208"/>
-            <a:ext cx="510990" cy="369432"/>
-          </a:xfrm>
-          <a:prstGeom prst="rect">
-            <a:avLst/>
-          </a:prstGeom>
-        </p:spPr>
-      </p:pic>
       <p:graphicFrame>
         <p:nvGraphicFramePr>
           <p:cNvPr id="5" name="Diagram 4">
@@ -30042,57 +24392,10 @@
         </p:xfrm>
         <a:graphic>
           <a:graphicData uri="http://schemas.openxmlformats.org/drawingml/2006/diagram">
-            <dgm:relIds xmlns:dgm="http://schemas.openxmlformats.org/drawingml/2006/diagram" xmlns:r="http://schemas.openxmlformats.org/officeDocument/2006/relationships" r:dm="rId4" r:lo="rId5" r:qs="rId6" r:cs="rId7"/>
+            <dgm:relIds xmlns:dgm="http://schemas.openxmlformats.org/drawingml/2006/diagram" xmlns:r="http://schemas.openxmlformats.org/officeDocument/2006/relationships" r:dm="rId3" r:lo="rId4" r:qs="rId5" r:cs="rId6"/>
           </a:graphicData>
         </a:graphic>
       </p:graphicFrame>
-      <p:pic>
-        <p:nvPicPr>
-          <p:cNvPr id="10" name="Picture 9" descr="Georgetown Center for Global Health Science and Security — General ...">
-            <a:extLst>
-              <a:ext uri="{FF2B5EF4-FFF2-40B4-BE49-F238E27FC236}">
-                <a16:creationId xmlns:a16="http://schemas.microsoft.com/office/drawing/2014/main" id="{EAD8386F-D945-423F-BF97-D2647A658228}"/>
-              </a:ext>
-            </a:extLst>
-          </p:cNvPr>
-          <p:cNvPicPr>
-            <a:picLocks noChangeAspect="1" noChangeArrowheads="1"/>
-          </p:cNvPicPr>
-          <p:nvPr/>
-        </p:nvPicPr>
-        <p:blipFill>
-          <a:blip r:embed="rId9" cstate="print">
-            <a:extLst>
-              <a:ext uri="{28A0092B-C50C-407E-A947-70E740481C1C}">
-                <a14:useLocalDpi xmlns:a14="http://schemas.microsoft.com/office/drawing/2010/main" val="0"/>
-              </a:ext>
-            </a:extLst>
-          </a:blip>
-          <a:srcRect/>
-          <a:stretch>
-            <a:fillRect/>
-          </a:stretch>
-        </p:blipFill>
-        <p:spPr bwMode="auto">
-          <a:xfrm>
-            <a:off x="762000" y="4264762"/>
-            <a:ext cx="1666646" cy="886378"/>
-          </a:xfrm>
-          <a:prstGeom prst="rect">
-            <a:avLst/>
-          </a:prstGeom>
-          <a:noFill/>
-          <a:extLst>
-            <a:ext uri="{909E8E84-426E-40DD-AFC4-6F175D3DCCD1}">
-              <a14:hiddenFill xmlns:a14="http://schemas.microsoft.com/office/drawing/2010/main">
-                <a:solidFill>
-                  <a:srgbClr val="FFFFFF"/>
-                </a:solidFill>
-              </a14:hiddenFill>
-            </a:ext>
-          </a:extLst>
-        </p:spPr>
-      </p:pic>
     </p:spTree>
     <p:extLst>
       <p:ext uri="{BB962C8B-B14F-4D97-AF65-F5344CB8AC3E}">
@@ -30211,159 +24514,8 @@
               <a:t>During the COVID-19 response, plans and other preparedness documents can be updated based on new data or information.</a:t>
             </a:r>
           </a:p>
-          <a:p>
-            <a:pPr>
-              <a:buClr>
-                <a:srgbClr val="006A71"/>
-              </a:buClr>
-            </a:pPr>
-            <a:endParaRPr lang="en-US" dirty="0"/>
-          </a:p>
-          <a:p>
-            <a:pPr>
-              <a:buClr>
-                <a:srgbClr val="006A71"/>
-              </a:buClr>
-            </a:pPr>
-            <a:endParaRPr lang="en-US" dirty="0"/>
-          </a:p>
         </p:txBody>
       </p:sp>
-      <p:sp>
-        <p:nvSpPr>
-          <p:cNvPr id="7" name="Rectangle 6">
-            <a:extLst>
-              <a:ext uri="{FF2B5EF4-FFF2-40B4-BE49-F238E27FC236}">
-                <a16:creationId xmlns:a16="http://schemas.microsoft.com/office/drawing/2014/main" id="{25AFA8FF-B01C-534F-BB54-6F265B7644FC}"/>
-              </a:ext>
-            </a:extLst>
-          </p:cNvPr>
-          <p:cNvSpPr/>
-          <p:nvPr/>
-        </p:nvSpPr>
-        <p:spPr>
-          <a:xfrm>
-            <a:off x="0" y="4446824"/>
-            <a:ext cx="1524000" cy="556999"/>
-          </a:xfrm>
-          <a:prstGeom prst="rect">
-            <a:avLst/>
-          </a:prstGeom>
-          <a:solidFill>
-            <a:schemeClr val="bg2"/>
-          </a:solidFill>
-          <a:ln>
-            <a:noFill/>
-          </a:ln>
-        </p:spPr>
-        <p:style>
-          <a:lnRef idx="2">
-            <a:schemeClr val="accent1">
-              <a:shade val="50000"/>
-            </a:schemeClr>
-          </a:lnRef>
-          <a:fillRef idx="1">
-            <a:schemeClr val="accent1"/>
-          </a:fillRef>
-          <a:effectRef idx="0">
-            <a:schemeClr val="accent1"/>
-          </a:effectRef>
-          <a:fontRef idx="minor">
-            <a:schemeClr val="lt1"/>
-          </a:fontRef>
-        </p:style>
-        <p:txBody>
-          <a:bodyPr rtlCol="0" anchor="ctr"/>
-          <a:lstStyle/>
-          <a:p>
-            <a:pPr algn="ctr"/>
-            <a:endParaRPr lang="en-US"/>
-          </a:p>
-        </p:txBody>
-      </p:sp>
-      <p:pic>
-        <p:nvPicPr>
-          <p:cNvPr id="9" name="Picture 8" descr="A picture containing food&#10;&#10;Description automatically generated">
-            <a:extLst>
-              <a:ext uri="{FF2B5EF4-FFF2-40B4-BE49-F238E27FC236}">
-                <a16:creationId xmlns:a16="http://schemas.microsoft.com/office/drawing/2014/main" id="{F1161FB3-B95E-0746-8E8F-710773F444C6}"/>
-              </a:ext>
-            </a:extLst>
-          </p:cNvPr>
-          <p:cNvPicPr>
-            <a:picLocks noChangeAspect="1"/>
-          </p:cNvPicPr>
-          <p:nvPr/>
-        </p:nvPicPr>
-        <p:blipFill>
-          <a:blip r:embed="rId3" cstate="print">
-            <a:extLst>
-              <a:ext uri="{28A0092B-C50C-407E-A947-70E740481C1C}">
-                <a14:useLocalDpi xmlns:a14="http://schemas.microsoft.com/office/drawing/2010/main" val="0"/>
-              </a:ext>
-            </a:extLst>
-          </a:blip>
-          <a:stretch>
-            <a:fillRect/>
-          </a:stretch>
-        </p:blipFill>
-        <p:spPr>
-          <a:xfrm>
-            <a:off x="251010" y="4493208"/>
-            <a:ext cx="510990" cy="369432"/>
-          </a:xfrm>
-          <a:prstGeom prst="rect">
-            <a:avLst/>
-          </a:prstGeom>
-        </p:spPr>
-      </p:pic>
-      <p:pic>
-        <p:nvPicPr>
-          <p:cNvPr id="10" name="Picture 9" descr="Georgetown Center for Global Health Science and Security — General ...">
-            <a:extLst>
-              <a:ext uri="{FF2B5EF4-FFF2-40B4-BE49-F238E27FC236}">
-                <a16:creationId xmlns:a16="http://schemas.microsoft.com/office/drawing/2014/main" id="{ACE5AACA-65BC-4CB6-92CA-039886ABD958}"/>
-              </a:ext>
-            </a:extLst>
-          </p:cNvPr>
-          <p:cNvPicPr>
-            <a:picLocks noChangeAspect="1" noChangeArrowheads="1"/>
-          </p:cNvPicPr>
-          <p:nvPr/>
-        </p:nvPicPr>
-        <p:blipFill>
-          <a:blip r:embed="rId4" cstate="print">
-            <a:extLst>
-              <a:ext uri="{28A0092B-C50C-407E-A947-70E740481C1C}">
-                <a14:useLocalDpi xmlns:a14="http://schemas.microsoft.com/office/drawing/2010/main" val="0"/>
-              </a:ext>
-            </a:extLst>
-          </a:blip>
-          <a:srcRect/>
-          <a:stretch>
-            <a:fillRect/>
-          </a:stretch>
-        </p:blipFill>
-        <p:spPr bwMode="auto">
-          <a:xfrm>
-            <a:off x="762000" y="4264762"/>
-            <a:ext cx="1666646" cy="886378"/>
-          </a:xfrm>
-          <a:prstGeom prst="rect">
-            <a:avLst/>
-          </a:prstGeom>
-          <a:noFill/>
-          <a:extLst>
-            <a:ext uri="{909E8E84-426E-40DD-AFC4-6F175D3DCCD1}">
-              <a14:hiddenFill xmlns:a14="http://schemas.microsoft.com/office/drawing/2010/main">
-                <a:solidFill>
-                  <a:srgbClr val="FFFFFF"/>
-                </a:solidFill>
-              </a14:hiddenFill>
-            </a:ext>
-          </a:extLst>
-        </p:spPr>
-      </p:pic>
     </p:spTree>
     <p:extLst>
       <p:ext uri="{BB962C8B-B14F-4D97-AF65-F5344CB8AC3E}">
@@ -30908,6 +25060,30 @@
 </file>
 
 <file path=customXml/item1.xml><?xml version="1.0" encoding="utf-8"?>
+<p:properties xmlns:p="http://schemas.microsoft.com/office/2006/metadata/properties" xmlns:xsi="http://www.w3.org/2001/XMLSchema-instance" xmlns:pc="http://schemas.microsoft.com/office/infopath/2007/PartnerControls">
+  <documentManagement>
+    <Status xmlns="52ff0146-47b4-4d51-8c1c-03266fcd63a2">Draft</Status>
+    <Catch xmlns="52ff0146-47b4-4d51-8c1c-03266fcd63a2">New Item</Catch>
+    <_ip_UnifiedCompliancePolicyUIAction xmlns="http://schemas.microsoft.com/sharepoint/v3" xsi:nil="true"/>
+    <TaxCatchAll xmlns="cd03f174-a395-49eb-8ee9-8d943e22f40d"/>
+    <_ip_UnifiedCompliancePolicyProperties xmlns="http://schemas.microsoft.com/sharepoint/v3" xsi:nil="true"/>
+    <_x0070_n49 xmlns="52ff0146-47b4-4d51-8c1c-03266fcd63a2">
+      <UserInfo>
+        <DisplayName/>
+        <AccountId xsi:nil="true"/>
+        <AccountType/>
+      </UserInfo>
+    </_x0070_n49>
+    <TaxKeywordTaxHTField xmlns="cd03f174-a395-49eb-8ee9-8d943e22f40d">
+      <Terms xmlns="http://schemas.microsoft.com/office/infopath/2007/PartnerControls"/>
+    </TaxKeywordTaxHTField>
+    <PublishingExpirationDate xmlns="http://schemas.microsoft.com/sharepoint/v3" xsi:nil="true"/>
+    <PublishingStartDate xmlns="http://schemas.microsoft.com/sharepoint/v3" xsi:nil="true"/>
+  </documentManagement>
+</p:properties>
+</file>
+
+<file path=customXml/item2.xml><?xml version="1.0" encoding="utf-8"?>
 <ct:contentTypeSchema xmlns:ct="http://schemas.microsoft.com/office/2006/metadata/contentType" xmlns:ma="http://schemas.microsoft.com/office/2006/metadata/properties/metaAttributes" ct:_="" ma:_="" ma:contentTypeName="Document" ma:contentTypeID="0x010100BB263BB87ED693489DF545C68D111AB5" ma:contentTypeVersion="19" ma:contentTypeDescription="Create a new document." ma:contentTypeScope="" ma:versionID="0a0c5dcb93ec546cb01c133f618cb45b">
   <xsd:schema xmlns:xsd="http://www.w3.org/2001/XMLSchema" xmlns:xs="http://www.w3.org/2001/XMLSchema" xmlns:p="http://schemas.microsoft.com/office/2006/metadata/properties" xmlns:ns1="http://schemas.microsoft.com/sharepoint/v3" xmlns:ns2="52ff0146-47b4-4d51-8c1c-03266fcd63a2" xmlns:ns3="cd03f174-a395-49eb-8ee9-8d943e22f40d" targetNamespace="http://schemas.microsoft.com/office/2006/metadata/properties" ma:root="true" ma:fieldsID="9adb54431f74084fbff2d7affc8261f9" ns1:_="" ns2:_="" ns3:_="">
     <xsd:import namespace="http://schemas.microsoft.com/sharepoint/v3"/>
@@ -31196,7 +25372,7 @@
 </ct:contentTypeSchema>
 </file>
 
-<file path=customXml/item2.xml><?xml version="1.0" encoding="utf-8"?>
+<file path=customXml/item3.xml><?xml version="1.0" encoding="utf-8"?>
 <?mso-contentType ?>
 <FormTemplates xmlns="http://schemas.microsoft.com/sharepoint/v3/contenttype/forms">
   <Display>DocumentLibraryForm</Display>
@@ -31205,31 +25381,25 @@
 </FormTemplates>
 </file>
 
-<file path=customXml/item3.xml><?xml version="1.0" encoding="utf-8"?>
-<p:properties xmlns:p="http://schemas.microsoft.com/office/2006/metadata/properties" xmlns:xsi="http://www.w3.org/2001/XMLSchema-instance" xmlns:pc="http://schemas.microsoft.com/office/infopath/2007/PartnerControls">
-  <documentManagement>
-    <Status xmlns="52ff0146-47b4-4d51-8c1c-03266fcd63a2">Draft</Status>
-    <Catch xmlns="52ff0146-47b4-4d51-8c1c-03266fcd63a2">New Item</Catch>
-    <_ip_UnifiedCompliancePolicyUIAction xmlns="http://schemas.microsoft.com/sharepoint/v3" xsi:nil="true"/>
-    <TaxCatchAll xmlns="cd03f174-a395-49eb-8ee9-8d943e22f40d"/>
-    <_ip_UnifiedCompliancePolicyProperties xmlns="http://schemas.microsoft.com/sharepoint/v3" xsi:nil="true"/>
-    <_x0070_n49 xmlns="52ff0146-47b4-4d51-8c1c-03266fcd63a2">
-      <UserInfo>
-        <DisplayName/>
-        <AccountId xsi:nil="true"/>
-        <AccountType/>
-      </UserInfo>
-    </_x0070_n49>
-    <TaxKeywordTaxHTField xmlns="cd03f174-a395-49eb-8ee9-8d943e22f40d">
-      <Terms xmlns="http://schemas.microsoft.com/office/infopath/2007/PartnerControls"/>
-    </TaxKeywordTaxHTField>
-    <PublishingExpirationDate xmlns="http://schemas.microsoft.com/sharepoint/v3" xsi:nil="true"/>
-    <PublishingStartDate xmlns="http://schemas.microsoft.com/sharepoint/v3" xsi:nil="true"/>
-  </documentManagement>
-</p:properties>
+<file path=customXml/itemProps1.xml><?xml version="1.0" encoding="utf-8"?>
+<ds:datastoreItem xmlns:ds="http://schemas.openxmlformats.org/officeDocument/2006/customXml" ds:itemID="{AF18C7D5-847B-486A-9591-331B5BE75CD7}">
+  <ds:schemaRefs>
+    <ds:schemaRef ds:uri="http://schemas.microsoft.com/office/2006/metadata/properties"/>
+    <ds:schemaRef ds:uri="cd03f174-a395-49eb-8ee9-8d943e22f40d"/>
+    <ds:schemaRef ds:uri="http://schemas.microsoft.com/office/infopath/2007/PartnerControls"/>
+    <ds:schemaRef ds:uri="http://www.w3.org/XML/1998/namespace"/>
+    <ds:schemaRef ds:uri="http://schemas.microsoft.com/sharepoint/v3"/>
+    <ds:schemaRef ds:uri="http://purl.org/dc/elements/1.1/"/>
+    <ds:schemaRef ds:uri="http://schemas.openxmlformats.org/package/2006/metadata/core-properties"/>
+    <ds:schemaRef ds:uri="http://schemas.microsoft.com/office/2006/documentManagement/types"/>
+    <ds:schemaRef ds:uri="http://purl.org/dc/dcmitype/"/>
+    <ds:schemaRef ds:uri="52ff0146-47b4-4d51-8c1c-03266fcd63a2"/>
+    <ds:schemaRef ds:uri="http://purl.org/dc/terms/"/>
+  </ds:schemaRefs>
+</ds:datastoreItem>
 </file>
 
-<file path=customXml/itemProps1.xml><?xml version="1.0" encoding="utf-8"?>
+<file path=customXml/itemProps2.xml><?xml version="1.0" encoding="utf-8"?>
 <ds:datastoreItem xmlns:ds="http://schemas.openxmlformats.org/officeDocument/2006/customXml" ds:itemID="{253A8EAD-168F-4AE6-9EC4-5F1C98549C56}">
   <ds:schemaRefs>
     <ds:schemaRef ds:uri="http://schemas.microsoft.com/office/2006/metadata/contentType"/>
@@ -31249,28 +25419,10 @@
 </ds:datastoreItem>
 </file>
 
-<file path=customXml/itemProps2.xml><?xml version="1.0" encoding="utf-8"?>
+<file path=customXml/itemProps3.xml><?xml version="1.0" encoding="utf-8"?>
 <ds:datastoreItem xmlns:ds="http://schemas.openxmlformats.org/officeDocument/2006/customXml" ds:itemID="{C17101EC-164B-4049-B559-CE42CDC836B7}">
   <ds:schemaRefs>
     <ds:schemaRef ds:uri="http://schemas.microsoft.com/sharepoint/v3/contenttype/forms"/>
   </ds:schemaRefs>
 </ds:datastoreItem>
-</file>
-
-<file path=customXml/itemProps3.xml><?xml version="1.0" encoding="utf-8"?>
-<ds:datastoreItem xmlns:ds="http://schemas.openxmlformats.org/officeDocument/2006/customXml" ds:itemID="{AF18C7D5-847B-486A-9591-331B5BE75CD7}">
-  <ds:schemaRefs>
-    <ds:schemaRef ds:uri="http://schemas.microsoft.com/office/2006/metadata/properties"/>
-    <ds:schemaRef ds:uri="cd03f174-a395-49eb-8ee9-8d943e22f40d"/>
-    <ds:schemaRef ds:uri="http://schemas.microsoft.com/office/infopath/2007/PartnerControls"/>
-    <ds:schemaRef ds:uri="http://www.w3.org/XML/1998/namespace"/>
-    <ds:schemaRef ds:uri="http://schemas.microsoft.com/sharepoint/v3"/>
-    <ds:schemaRef ds:uri="http://purl.org/dc/elements/1.1/"/>
-    <ds:schemaRef ds:uri="http://schemas.openxmlformats.org/package/2006/metadata/core-properties"/>
-    <ds:schemaRef ds:uri="http://schemas.microsoft.com/office/2006/documentManagement/types"/>
-    <ds:schemaRef ds:uri="http://purl.org/dc/dcmitype/"/>
-    <ds:schemaRef ds:uri="52ff0146-47b4-4d51-8c1c-03266fcd63a2"/>
-    <ds:schemaRef ds:uri="http://purl.org/dc/terms/"/>
-  </ds:schemaRefs>
-</ds:datastoreItem>
 </file>